--- a/Art Feature Selection and Engineering.pptx
+++ b/Art Feature Selection and Engineering.pptx
@@ -138,13 +138,52 @@
 <file path=ppt/revisionInfo.xml><?xml version="1.0" encoding="utf-8"?>
 <p1510:revInfo xmlns:a="http://schemas.openxmlformats.org/drawingml/2006/main" xmlns:r="http://schemas.openxmlformats.org/officeDocument/2006/relationships" xmlns:p1510="http://schemas.microsoft.com/office/powerpoint/2015/10/main">
   <p1510:revLst>
-    <p1510:client id="{A8C04D21-7453-4CD4-96BC-F3933F631EB0}" v="10430" dt="2018-06-11T15:20:18.733"/>
+    <p1510:client id="{237122B9-AE32-48D0-9B0D-D7C984E64AB6}" v="4" dt="2018-06-13T14:50:12.331"/>
   </p1510:revLst>
 </p1510:revInfo>
 </file>
 
 <file path=ppt/changesInfos/changesInfo1.xml><?xml version="1.0" encoding="utf-8"?>
 <pc:chgInfo xmlns:a="http://schemas.openxmlformats.org/drawingml/2006/main" xmlns:r="http://schemas.openxmlformats.org/officeDocument/2006/relationships" xmlns:ac="http://schemas.microsoft.com/office/drawing/2013/main/command" xmlns:pc="http://schemas.microsoft.com/office/powerpoint/2013/main/command">
+  <pc:docChgLst>
+    <pc:chgData name="Dirk Biesinger (HCL America Inc)" userId="20764644-2ac5-4ef0-92a4-c29f791506cf" providerId="ADAL" clId="{237122B9-AE32-48D0-9B0D-D7C984E64AB6}"/>
+    <pc:docChg chg="modSld">
+      <pc:chgData name="Dirk Biesinger (HCL America Inc)" userId="20764644-2ac5-4ef0-92a4-c29f791506cf" providerId="ADAL" clId="{237122B9-AE32-48D0-9B0D-D7C984E64AB6}" dt="2018-06-13T14:50:12.331" v="3" actId="20577"/>
+      <pc:docMkLst>
+        <pc:docMk/>
+      </pc:docMkLst>
+      <pc:sldChg chg="modSp">
+        <pc:chgData name="Dirk Biesinger (HCL America Inc)" userId="20764644-2ac5-4ef0-92a4-c29f791506cf" providerId="ADAL" clId="{237122B9-AE32-48D0-9B0D-D7C984E64AB6}" dt="2018-06-13T14:50:00.885" v="1" actId="20577"/>
+        <pc:sldMkLst>
+          <pc:docMk/>
+          <pc:sldMk cId="180858494" sldId="263"/>
+        </pc:sldMkLst>
+        <pc:spChg chg="mod">
+          <ac:chgData name="Dirk Biesinger (HCL America Inc)" userId="20764644-2ac5-4ef0-92a4-c29f791506cf" providerId="ADAL" clId="{237122B9-AE32-48D0-9B0D-D7C984E64AB6}" dt="2018-06-13T14:50:00.885" v="1" actId="20577"/>
+          <ac:spMkLst>
+            <pc:docMk/>
+            <pc:sldMk cId="180858494" sldId="263"/>
+            <ac:spMk id="3" creationId="{5C1A2AD6-DD9A-41E7-95BA-3995BF0D9367}"/>
+          </ac:spMkLst>
+        </pc:spChg>
+      </pc:sldChg>
+      <pc:sldChg chg="modSp">
+        <pc:chgData name="Dirk Biesinger (HCL America Inc)" userId="20764644-2ac5-4ef0-92a4-c29f791506cf" providerId="ADAL" clId="{237122B9-AE32-48D0-9B0D-D7C984E64AB6}" dt="2018-06-13T14:50:12.331" v="3" actId="20577"/>
+        <pc:sldMkLst>
+          <pc:docMk/>
+          <pc:sldMk cId="3942905101" sldId="275"/>
+        </pc:sldMkLst>
+        <pc:spChg chg="mod">
+          <ac:chgData name="Dirk Biesinger (HCL America Inc)" userId="20764644-2ac5-4ef0-92a4-c29f791506cf" providerId="ADAL" clId="{237122B9-AE32-48D0-9B0D-D7C984E64AB6}" dt="2018-06-13T14:50:12.331" v="3" actId="20577"/>
+          <ac:spMkLst>
+            <pc:docMk/>
+            <pc:sldMk cId="3942905101" sldId="275"/>
+            <ac:spMk id="3" creationId="{FA69E7B3-8370-4588-82EC-2D5771127B19}"/>
+          </ac:spMkLst>
+        </pc:spChg>
+      </pc:sldChg>
+    </pc:docChg>
+  </pc:docChgLst>
   <pc:docChgLst>
     <pc:chgData name="Dirk Biesinger (HCL America Inc)" userId="20764644-2ac5-4ef0-92a4-c29f791506cf" providerId="ADAL" clId="{C0CFA6E2-4978-46AC-90E9-1B5398B4B9E2}"/>
     <pc:docChg chg="addSld modSld">
@@ -577,29 +616,6 @@
           </ac:spMkLst>
         </pc:spChg>
       </pc:sldChg>
-      <pc:sldChg chg="modSp add del">
-        <pc:chgData name="Dirk Biesinger (HCL America Inc)" userId="20764644-2ac5-4ef0-92a4-c29f791506cf" providerId="ADAL" clId="{A8C04D21-7453-4CD4-96BC-F3933F631EB0}" dt="2018-06-11T15:12:30.239" v="10287" actId="2696"/>
-        <pc:sldMkLst>
-          <pc:docMk/>
-          <pc:sldMk cId="1207445986" sldId="270"/>
-        </pc:sldMkLst>
-        <pc:spChg chg="mod">
-          <ac:chgData name="Dirk Biesinger (HCL America Inc)" userId="20764644-2ac5-4ef0-92a4-c29f791506cf" providerId="ADAL" clId="{A8C04D21-7453-4CD4-96BC-F3933F631EB0}" dt="2018-06-06T15:53:04.129" v="6378" actId="20577"/>
-          <ac:spMkLst>
-            <pc:docMk/>
-            <pc:sldMk cId="1207445986" sldId="270"/>
-            <ac:spMk id="2" creationId="{AC6C1ABA-E5F8-464E-B905-08499B66100C}"/>
-          </ac:spMkLst>
-        </pc:spChg>
-        <pc:spChg chg="mod">
-          <ac:chgData name="Dirk Biesinger (HCL America Inc)" userId="20764644-2ac5-4ef0-92a4-c29f791506cf" providerId="ADAL" clId="{A8C04D21-7453-4CD4-96BC-F3933F631EB0}" dt="2018-06-06T15:52:53.788" v="6341" actId="20577"/>
-          <ac:spMkLst>
-            <pc:docMk/>
-            <pc:sldMk cId="1207445986" sldId="270"/>
-            <ac:spMk id="3" creationId="{2E9B2DC3-0CF0-472F-8847-38AE931A2809}"/>
-          </ac:spMkLst>
-        </pc:spChg>
-      </pc:sldChg>
       <pc:sldChg chg="modSp add">
         <pc:chgData name="Dirk Biesinger (HCL America Inc)" userId="20764644-2ac5-4ef0-92a4-c29f791506cf" providerId="ADAL" clId="{A8C04D21-7453-4CD4-96BC-F3933F631EB0}" dt="2018-06-11T15:14:40.039" v="10322" actId="20577"/>
         <pc:sldMkLst>
@@ -1038,7 +1054,7 @@
           <a:p>
             <a:fld id="{2074EC4D-2815-4148-B417-C287FEEA2393}" type="datetimeFigureOut">
               <a:rPr lang="en-US" smtClean="0"/>
-              <a:t>2018-06-11</a:t>
+              <a:t>2018-06-13</a:t>
             </a:fld>
             <a:endParaRPr lang="en-US"/>
           </a:p>
@@ -1797,7 +1813,7 @@
           <a:p>
             <a:fld id="{7B90E4D5-86EF-4440-8D58-5D468965D52E}" type="datetime1">
               <a:rPr lang="en-US" smtClean="0"/>
-              <a:t>2018-06-11</a:t>
+              <a:t>2018-06-13</a:t>
             </a:fld>
             <a:endParaRPr lang="en-US" dirty="0"/>
           </a:p>
@@ -2013,7 +2029,7 @@
           <a:p>
             <a:fld id="{58656791-5461-4712-9AA9-08D7D5A7B5CF}" type="datetime1">
               <a:rPr lang="en-US" smtClean="0"/>
-              <a:t>2018-06-11</a:t>
+              <a:t>2018-06-13</a:t>
             </a:fld>
             <a:endParaRPr lang="en-US"/>
           </a:p>
@@ -2224,7 +2240,7 @@
           <a:p>
             <a:fld id="{B443F1B2-5569-4056-84F1-18B2AEB7F3D6}" type="datetime1">
               <a:rPr lang="en-US" smtClean="0"/>
-              <a:t>2018-06-11</a:t>
+              <a:t>2018-06-13</a:t>
             </a:fld>
             <a:endParaRPr lang="en-US"/>
           </a:p>
@@ -2429,7 +2445,7 @@
           <a:p>
             <a:fld id="{1B1F30EA-4695-4D00-BE1D-23E8656E7573}" type="datetime1">
               <a:rPr lang="en-US" smtClean="0"/>
-              <a:t>2018-06-11</a:t>
+              <a:t>2018-06-13</a:t>
             </a:fld>
             <a:endParaRPr lang="en-US" dirty="0"/>
           </a:p>
@@ -2716,7 +2732,7 @@
           <a:p>
             <a:fld id="{2AE5A791-F0AE-44A0-B048-DF3507E9C6D1}" type="datetime1">
               <a:rPr lang="en-US" smtClean="0"/>
-              <a:t>2018-06-11</a:t>
+              <a:t>2018-06-13</a:t>
             </a:fld>
             <a:endParaRPr lang="en-US" dirty="0"/>
           </a:p>
@@ -2989,7 +3005,7 @@
           <a:p>
             <a:fld id="{CC36079C-2FF5-4218-99C4-27A8D2BF49D0}" type="datetime1">
               <a:rPr lang="en-US" smtClean="0"/>
-              <a:t>2018-06-11</a:t>
+              <a:t>2018-06-13</a:t>
             </a:fld>
             <a:endParaRPr lang="en-US"/>
           </a:p>
@@ -3404,7 +3420,7 @@
           <a:p>
             <a:fld id="{9DA66DC7-8C53-4F90-862A-19CFAA006DBC}" type="datetime1">
               <a:rPr lang="en-US" smtClean="0"/>
-              <a:t>2018-06-11</a:t>
+              <a:t>2018-06-13</a:t>
             </a:fld>
             <a:endParaRPr lang="en-US"/>
           </a:p>
@@ -3552,7 +3568,7 @@
           <a:p>
             <a:fld id="{1DBF42B2-531D-40C1-A9F9-69555AF759B9}" type="datetime1">
               <a:rPr lang="en-US" smtClean="0"/>
-              <a:t>2018-06-11</a:t>
+              <a:t>2018-06-13</a:t>
             </a:fld>
             <a:endParaRPr lang="en-US" dirty="0"/>
           </a:p>
@@ -3677,7 +3693,7 @@
           <a:p>
             <a:fld id="{CC59D08B-9C8E-4FF4-9C6E-66930740B30E}" type="datetime1">
               <a:rPr lang="en-US" smtClean="0"/>
-              <a:t>2018-06-11</a:t>
+              <a:t>2018-06-13</a:t>
             </a:fld>
             <a:endParaRPr lang="en-US" dirty="0"/>
           </a:p>
@@ -3996,7 +4012,7 @@
           <a:p>
             <a:fld id="{A1AFEB64-5C0D-42CF-AA42-AB020FA12946}" type="datetime1">
               <a:rPr lang="en-US" smtClean="0"/>
-              <a:t>2018-06-11</a:t>
+              <a:t>2018-06-13</a:t>
             </a:fld>
             <a:endParaRPr lang="en-US"/>
           </a:p>
@@ -4287,7 +4303,7 @@
           <a:p>
             <a:fld id="{E61A6DD9-FD8E-468A-B648-D95AF660D2EC}" type="datetime1">
               <a:rPr lang="en-US" smtClean="0"/>
-              <a:t>2018-06-11</a:t>
+              <a:t>2018-06-13</a:t>
             </a:fld>
             <a:endParaRPr lang="en-US"/>
           </a:p>
@@ -4532,7 +4548,7 @@
             <a:pPr algn="ctr"/>
             <a:fld id="{AC737F3C-74C2-4430-8644-4CBFBB0A2C8D}" type="datetime1">
               <a:rPr lang="en-US" smtClean="0"/>
-              <a:t>2018-06-11</a:t>
+              <a:t>2018-06-13</a:t>
             </a:fld>
             <a:endParaRPr lang="en-US" dirty="0"/>
           </a:p>
@@ -5331,7 +5347,7 @@
           <a:p>
             <a:r>
               <a:rPr lang="en-US" sz="2400" dirty="0"/>
-              <a:t>Brute Force: (all data, parameter tuning in models): Best 0.72 in 97 hrs. (4 days, 3hrs.)</a:t>
+              <a:t>Brute Force: (all data, parameter tuning in models): Best 0.72 in 99 hrs. (4 days, 3hrs.)</a:t>
             </a:r>
           </a:p>
           <a:p>
@@ -9043,7 +9059,7 @@
           <a:p>
             <a:r>
               <a:rPr lang="en-US" sz="2200" dirty="0"/>
-              <a:t>Brute Force: (all data, parameter tuning in models): Best 0.72 in 97 hrs. (4 days, 3 hrs.)</a:t>
+              <a:t>Brute Force: (all data, parameter tuning in models): Best 0.72 in 99 hrs. (4 days, 3 hrs.)</a:t>
             </a:r>
           </a:p>
           <a:p>

--- a/Art Feature Selection and Engineering.pptx
+++ b/Art Feature Selection and Engineering.pptx
@@ -5,30 +5,32 @@
     <p:sldMasterId id="2147483648" r:id="rId1"/>
   </p:sldMasterIdLst>
   <p:notesMasterIdLst>
-    <p:notesMasterId r:id="rId23"/>
+    <p:notesMasterId r:id="rId25"/>
   </p:notesMasterIdLst>
   <p:sldIdLst>
     <p:sldId id="256" r:id="rId2"/>
     <p:sldId id="257" r:id="rId3"/>
     <p:sldId id="258" r:id="rId4"/>
-    <p:sldId id="274" r:id="rId5"/>
-    <p:sldId id="259" r:id="rId6"/>
-    <p:sldId id="260" r:id="rId7"/>
-    <p:sldId id="264" r:id="rId8"/>
-    <p:sldId id="261" r:id="rId9"/>
-    <p:sldId id="262" r:id="rId10"/>
-    <p:sldId id="265" r:id="rId11"/>
-    <p:sldId id="263" r:id="rId12"/>
-    <p:sldId id="266" r:id="rId13"/>
-    <p:sldId id="268" r:id="rId14"/>
-    <p:sldId id="269" r:id="rId15"/>
-    <p:sldId id="267" r:id="rId16"/>
-    <p:sldId id="271" r:id="rId17"/>
-    <p:sldId id="272" r:id="rId18"/>
-    <p:sldId id="273" r:id="rId19"/>
-    <p:sldId id="276" r:id="rId20"/>
-    <p:sldId id="275" r:id="rId21"/>
-    <p:sldId id="277" r:id="rId22"/>
+    <p:sldId id="278" r:id="rId5"/>
+    <p:sldId id="279" r:id="rId6"/>
+    <p:sldId id="274" r:id="rId7"/>
+    <p:sldId id="259" r:id="rId8"/>
+    <p:sldId id="260" r:id="rId9"/>
+    <p:sldId id="264" r:id="rId10"/>
+    <p:sldId id="261" r:id="rId11"/>
+    <p:sldId id="262" r:id="rId12"/>
+    <p:sldId id="265" r:id="rId13"/>
+    <p:sldId id="263" r:id="rId14"/>
+    <p:sldId id="266" r:id="rId15"/>
+    <p:sldId id="268" r:id="rId16"/>
+    <p:sldId id="269" r:id="rId17"/>
+    <p:sldId id="267" r:id="rId18"/>
+    <p:sldId id="271" r:id="rId19"/>
+    <p:sldId id="272" r:id="rId20"/>
+    <p:sldId id="273" r:id="rId21"/>
+    <p:sldId id="276" r:id="rId22"/>
+    <p:sldId id="275" r:id="rId23"/>
+    <p:sldId id="277" r:id="rId24"/>
   </p:sldIdLst>
   <p:sldSz cx="12192000" cy="6858000"/>
   <p:notesSz cx="6858000" cy="9144000"/>
@@ -138,7 +140,7 @@
 <file path=ppt/revisionInfo.xml><?xml version="1.0" encoding="utf-8"?>
 <p1510:revInfo xmlns:a="http://schemas.openxmlformats.org/drawingml/2006/main" xmlns:r="http://schemas.openxmlformats.org/officeDocument/2006/relationships" xmlns:p1510="http://schemas.microsoft.com/office/powerpoint/2015/10/main">
   <p1510:revLst>
-    <p1510:client id="{237122B9-AE32-48D0-9B0D-D7C984E64AB6}" v="4" dt="2018-06-13T14:50:12.331"/>
+    <p1510:client id="{087A0E22-3A33-49B8-A1EC-4A9ACFB0704C}" v="37" dt="2019-07-04T16:27:58.231"/>
   </p1510:revLst>
 </p1510:revInfo>
 </file>
@@ -147,73 +149,53 @@
 <pc:chgInfo xmlns:a="http://schemas.openxmlformats.org/drawingml/2006/main" xmlns:r="http://schemas.openxmlformats.org/officeDocument/2006/relationships" xmlns:ac="http://schemas.microsoft.com/office/drawing/2013/main/command" xmlns:pc="http://schemas.microsoft.com/office/powerpoint/2013/main/command">
   <pc:docChgLst>
     <pc:chgData name="Dirk Biesinger (HCL America Inc)" userId="20764644-2ac5-4ef0-92a4-c29f791506cf" providerId="ADAL" clId="{237122B9-AE32-48D0-9B0D-D7C984E64AB6}"/>
-    <pc:docChg chg="modSld">
-      <pc:chgData name="Dirk Biesinger (HCL America Inc)" userId="20764644-2ac5-4ef0-92a4-c29f791506cf" providerId="ADAL" clId="{237122B9-AE32-48D0-9B0D-D7C984E64AB6}" dt="2018-06-13T14:50:12.331" v="3" actId="20577"/>
+  </pc:docChgLst>
+  <pc:docChgLst>
+    <pc:chgData name="Dirk Biesinger" userId="983bfd176bd8b1a7" providerId="LiveId" clId="{087A0E22-3A33-49B8-A1EC-4A9ACFB0704C}"/>
+    <pc:docChg chg="undo custSel addSld modSld modMainMaster">
+      <pc:chgData name="Dirk Biesinger" userId="983bfd176bd8b1a7" providerId="LiveId" clId="{087A0E22-3A33-49B8-A1EC-4A9ACFB0704C}" dt="2019-07-04T16:30:32.555" v="1190" actId="20577"/>
       <pc:docMkLst>
         <pc:docMk/>
       </pc:docMkLst>
       <pc:sldChg chg="modSp">
-        <pc:chgData name="Dirk Biesinger (HCL America Inc)" userId="20764644-2ac5-4ef0-92a4-c29f791506cf" providerId="ADAL" clId="{237122B9-AE32-48D0-9B0D-D7C984E64AB6}" dt="2018-06-13T14:50:00.885" v="1" actId="20577"/>
-        <pc:sldMkLst>
-          <pc:docMk/>
-          <pc:sldMk cId="180858494" sldId="263"/>
-        </pc:sldMkLst>
-        <pc:spChg chg="mod">
-          <ac:chgData name="Dirk Biesinger (HCL America Inc)" userId="20764644-2ac5-4ef0-92a4-c29f791506cf" providerId="ADAL" clId="{237122B9-AE32-48D0-9B0D-D7C984E64AB6}" dt="2018-06-13T14:50:00.885" v="1" actId="20577"/>
-          <ac:spMkLst>
-            <pc:docMk/>
-            <pc:sldMk cId="180858494" sldId="263"/>
-            <ac:spMk id="3" creationId="{5C1A2AD6-DD9A-41E7-95BA-3995BF0D9367}"/>
-          </ac:spMkLst>
-        </pc:spChg>
-      </pc:sldChg>
-      <pc:sldChg chg="modSp">
-        <pc:chgData name="Dirk Biesinger (HCL America Inc)" userId="20764644-2ac5-4ef0-92a4-c29f791506cf" providerId="ADAL" clId="{237122B9-AE32-48D0-9B0D-D7C984E64AB6}" dt="2018-06-13T14:50:12.331" v="3" actId="20577"/>
-        <pc:sldMkLst>
-          <pc:docMk/>
-          <pc:sldMk cId="3942905101" sldId="275"/>
-        </pc:sldMkLst>
-        <pc:spChg chg="mod">
-          <ac:chgData name="Dirk Biesinger (HCL America Inc)" userId="20764644-2ac5-4ef0-92a4-c29f791506cf" providerId="ADAL" clId="{237122B9-AE32-48D0-9B0D-D7C984E64AB6}" dt="2018-06-13T14:50:12.331" v="3" actId="20577"/>
-          <ac:spMkLst>
-            <pc:docMk/>
-            <pc:sldMk cId="3942905101" sldId="275"/>
-            <ac:spMk id="3" creationId="{FA69E7B3-8370-4588-82EC-2D5771127B19}"/>
-          </ac:spMkLst>
-        </pc:spChg>
-      </pc:sldChg>
-    </pc:docChg>
-  </pc:docChgLst>
-  <pc:docChgLst>
-    <pc:chgData name="Dirk Biesinger (HCL America Inc)" userId="20764644-2ac5-4ef0-92a4-c29f791506cf" providerId="ADAL" clId="{C0CFA6E2-4978-46AC-90E9-1B5398B4B9E2}"/>
-    <pc:docChg chg="addSld modSld">
-      <pc:chgData name="Dirk Biesinger (HCL America Inc)" userId="20764644-2ac5-4ef0-92a4-c29f791506cf" providerId="ADAL" clId="{C0CFA6E2-4978-46AC-90E9-1B5398B4B9E2}" dt="2018-04-06T22:31:07.378" v="77" actId="20577"/>
-      <pc:docMkLst>
-        <pc:docMk/>
-      </pc:docMkLst>
-      <pc:sldChg chg="modSp">
-        <pc:chgData name="Dirk Biesinger (HCL America Inc)" userId="20764644-2ac5-4ef0-92a4-c29f791506cf" providerId="ADAL" clId="{C0CFA6E2-4978-46AC-90E9-1B5398B4B9E2}" dt="2018-04-06T22:24:07.422" v="18" actId="20577"/>
+        <pc:chgData name="Dirk Biesinger" userId="983bfd176bd8b1a7" providerId="LiveId" clId="{087A0E22-3A33-49B8-A1EC-4A9ACFB0704C}" dt="2019-07-03T04:31:39.830" v="1033" actId="20577"/>
         <pc:sldMkLst>
           <pc:docMk/>
           <pc:sldMk cId="962155123" sldId="256"/>
         </pc:sldMkLst>
         <pc:spChg chg="mod">
-          <ac:chgData name="Dirk Biesinger (HCL America Inc)" userId="20764644-2ac5-4ef0-92a4-c29f791506cf" providerId="ADAL" clId="{C0CFA6E2-4978-46AC-90E9-1B5398B4B9E2}" dt="2018-04-06T22:24:07.422" v="18" actId="20577"/>
+          <ac:chgData name="Dirk Biesinger" userId="983bfd176bd8b1a7" providerId="LiveId" clId="{087A0E22-3A33-49B8-A1EC-4A9ACFB0704C}" dt="2019-07-03T00:05:07.695" v="18" actId="1076"/>
           <ac:spMkLst>
             <pc:docMk/>
             <pc:sldMk cId="962155123" sldId="256"/>
             <ac:spMk id="2" creationId="{45ADD621-BF70-451D-B45C-4EE1D2D449E4}"/>
           </ac:spMkLst>
         </pc:spChg>
+        <pc:spChg chg="mod">
+          <ac:chgData name="Dirk Biesinger" userId="983bfd176bd8b1a7" providerId="LiveId" clId="{087A0E22-3A33-49B8-A1EC-4A9ACFB0704C}" dt="2019-07-03T00:05:04.714" v="17" actId="1076"/>
+          <ac:spMkLst>
+            <pc:docMk/>
+            <pc:sldMk cId="962155123" sldId="256"/>
+            <ac:spMk id="3" creationId="{4DD14C89-D4AF-4F53-8931-DDD20E5E89A3}"/>
+          </ac:spMkLst>
+        </pc:spChg>
+        <pc:spChg chg="mod">
+          <ac:chgData name="Dirk Biesinger" userId="983bfd176bd8b1a7" providerId="LiveId" clId="{087A0E22-3A33-49B8-A1EC-4A9ACFB0704C}" dt="2019-07-03T04:31:39.830" v="1033" actId="20577"/>
+          <ac:spMkLst>
+            <pc:docMk/>
+            <pc:sldMk cId="962155123" sldId="256"/>
+            <ac:spMk id="4" creationId="{CA2D0782-69FE-4810-B2B5-AA7638D6058A}"/>
+          </ac:spMkLst>
+        </pc:spChg>
       </pc:sldChg>
-      <pc:sldChg chg="modSp add">
-        <pc:chgData name="Dirk Biesinger (HCL America Inc)" userId="20764644-2ac5-4ef0-92a4-c29f791506cf" providerId="ADAL" clId="{C0CFA6E2-4978-46AC-90E9-1B5398B4B9E2}" dt="2018-04-06T22:31:07.378" v="77" actId="20577"/>
+      <pc:sldChg chg="modSp">
+        <pc:chgData name="Dirk Biesinger" userId="983bfd176bd8b1a7" providerId="LiveId" clId="{087A0E22-3A33-49B8-A1EC-4A9ACFB0704C}" dt="2019-07-03T00:06:52.074" v="137" actId="20577"/>
         <pc:sldMkLst>
           <pc:docMk/>
           <pc:sldMk cId="2793174674" sldId="258"/>
         </pc:sldMkLst>
         <pc:spChg chg="mod">
-          <ac:chgData name="Dirk Biesinger (HCL America Inc)" userId="20764644-2ac5-4ef0-92a4-c29f791506cf" providerId="ADAL" clId="{C0CFA6E2-4978-46AC-90E9-1B5398B4B9E2}" dt="2018-04-06T22:31:07.378" v="77" actId="20577"/>
+          <ac:chgData name="Dirk Biesinger" userId="983bfd176bd8b1a7" providerId="LiveId" clId="{087A0E22-3A33-49B8-A1EC-4A9ACFB0704C}" dt="2019-07-03T00:06:52.074" v="137" actId="20577"/>
           <ac:spMkLst>
             <pc:docMk/>
             <pc:sldMk cId="2793174674" sldId="258"/>
@@ -221,156 +203,14 @@
           </ac:spMkLst>
         </pc:spChg>
       </pc:sldChg>
-    </pc:docChg>
-  </pc:docChgLst>
-  <pc:docChgLst>
-    <pc:chgData name="Dirk Biesinger (HCL America Inc)" userId="20764644-2ac5-4ef0-92a4-c29f791506cf" providerId="ADAL" clId="{A8C04D21-7453-4CD4-96BC-F3933F631EB0}"/>
-    <pc:docChg chg="undo custSel addSld delSld modSld sldOrd modMainMaster">
-      <pc:chgData name="Dirk Biesinger (HCL America Inc)" userId="20764644-2ac5-4ef0-92a4-c29f791506cf" providerId="ADAL" clId="{A8C04D21-7453-4CD4-96BC-F3933F631EB0}" dt="2018-06-11T15:19:17.516" v="10397" actId="20577"/>
-      <pc:docMkLst>
-        <pc:docMk/>
-      </pc:docMkLst>
-      <pc:sldChg chg="addSp delSp modSp">
-        <pc:chgData name="Dirk Biesinger (HCL America Inc)" userId="20764644-2ac5-4ef0-92a4-c29f791506cf" providerId="ADAL" clId="{A8C04D21-7453-4CD4-96BC-F3933F631EB0}" dt="2018-06-07T15:42:25.109" v="9819"/>
-        <pc:sldMkLst>
-          <pc:docMk/>
-          <pc:sldMk cId="962155123" sldId="256"/>
-        </pc:sldMkLst>
-        <pc:spChg chg="mod">
-          <ac:chgData name="Dirk Biesinger (HCL America Inc)" userId="20764644-2ac5-4ef0-92a4-c29f791506cf" providerId="ADAL" clId="{A8C04D21-7453-4CD4-96BC-F3933F631EB0}" dt="2018-06-07T15:38:56.021" v="9811" actId="1076"/>
-          <ac:spMkLst>
-            <pc:docMk/>
-            <pc:sldMk cId="962155123" sldId="256"/>
-            <ac:spMk id="4" creationId="{A94ED11E-FFE7-42C1-9C3A-1EAC0F588017}"/>
-          </ac:spMkLst>
-        </pc:spChg>
-        <pc:spChg chg="mod">
-          <ac:chgData name="Dirk Biesinger (HCL America Inc)" userId="20764644-2ac5-4ef0-92a4-c29f791506cf" providerId="ADAL" clId="{A8C04D21-7453-4CD4-96BC-F3933F631EB0}" dt="2018-06-07T15:39:04.469" v="9812" actId="1076"/>
-          <ac:spMkLst>
-            <pc:docMk/>
-            <pc:sldMk cId="962155123" sldId="256"/>
-            <ac:spMk id="5" creationId="{7ED6431D-94AB-4628-BD54-F50E90C2BEA3}"/>
-          </ac:spMkLst>
-        </pc:spChg>
-        <pc:spChg chg="add del mod">
-          <ac:chgData name="Dirk Biesinger (HCL America Inc)" userId="20764644-2ac5-4ef0-92a4-c29f791506cf" providerId="ADAL" clId="{A8C04D21-7453-4CD4-96BC-F3933F631EB0}" dt="2018-06-07T15:42:25.109" v="9819"/>
-          <ac:spMkLst>
-            <pc:docMk/>
-            <pc:sldMk cId="962155123" sldId="256"/>
-            <ac:spMk id="6" creationId="{C0A6C7A9-543A-486C-B427-7783524285F5}"/>
-          </ac:spMkLst>
-        </pc:spChg>
-        <pc:spChg chg="add del mod">
-          <ac:chgData name="Dirk Biesinger (HCL America Inc)" userId="20764644-2ac5-4ef0-92a4-c29f791506cf" providerId="ADAL" clId="{A8C04D21-7453-4CD4-96BC-F3933F631EB0}" dt="2018-06-07T15:42:25.109" v="9819"/>
-          <ac:spMkLst>
-            <pc:docMk/>
-            <pc:sldMk cId="962155123" sldId="256"/>
-            <ac:spMk id="7" creationId="{F289AF20-DFAB-4D4D-9FA7-A6B52B0A57A5}"/>
-          </ac:spMkLst>
-        </pc:spChg>
-        <pc:spChg chg="add del mod">
-          <ac:chgData name="Dirk Biesinger (HCL America Inc)" userId="20764644-2ac5-4ef0-92a4-c29f791506cf" providerId="ADAL" clId="{A8C04D21-7453-4CD4-96BC-F3933F631EB0}" dt="2018-06-07T15:42:25.109" v="9819"/>
-          <ac:spMkLst>
-            <pc:docMk/>
-            <pc:sldMk cId="962155123" sldId="256"/>
-            <ac:spMk id="8" creationId="{4C141647-2043-445C-AD3C-21F9A7F179A9}"/>
-          </ac:spMkLst>
-        </pc:spChg>
-        <pc:spChg chg="add del mod">
-          <ac:chgData name="Dirk Biesinger (HCL America Inc)" userId="20764644-2ac5-4ef0-92a4-c29f791506cf" providerId="ADAL" clId="{A8C04D21-7453-4CD4-96BC-F3933F631EB0}" dt="2018-06-07T15:42:25.109" v="9819"/>
-          <ac:spMkLst>
-            <pc:docMk/>
-            <pc:sldMk cId="962155123" sldId="256"/>
-            <ac:spMk id="9" creationId="{A1BF6DB4-4B71-42B1-8F02-25538A9C4C3B}"/>
-          </ac:spMkLst>
-        </pc:spChg>
-      </pc:sldChg>
       <pc:sldChg chg="modSp">
-        <pc:chgData name="Dirk Biesinger (HCL America Inc)" userId="20764644-2ac5-4ef0-92a4-c29f791506cf" providerId="ADAL" clId="{A8C04D21-7453-4CD4-96BC-F3933F631EB0}" dt="2018-06-11T14:41:08.812" v="9913" actId="20577"/>
-        <pc:sldMkLst>
-          <pc:docMk/>
-          <pc:sldMk cId="3919507015" sldId="257"/>
-        </pc:sldMkLst>
-        <pc:spChg chg="mod">
-          <ac:chgData name="Dirk Biesinger (HCL America Inc)" userId="20764644-2ac5-4ef0-92a4-c29f791506cf" providerId="ADAL" clId="{A8C04D21-7453-4CD4-96BC-F3933F631EB0}" dt="2018-06-07T15:39:42.965" v="9814" actId="1076"/>
-          <ac:spMkLst>
-            <pc:docMk/>
-            <pc:sldMk cId="3919507015" sldId="257"/>
-            <ac:spMk id="4" creationId="{5D0E6D5D-2F1C-4726-8357-F71A51542EC9}"/>
-          </ac:spMkLst>
-        </pc:spChg>
-        <pc:spChg chg="mod">
-          <ac:chgData name="Dirk Biesinger (HCL America Inc)" userId="20764644-2ac5-4ef0-92a4-c29f791506cf" providerId="ADAL" clId="{A8C04D21-7453-4CD4-96BC-F3933F631EB0}" dt="2018-06-07T15:39:46.706" v="9815" actId="1076"/>
-          <ac:spMkLst>
-            <pc:docMk/>
-            <pc:sldMk cId="3919507015" sldId="257"/>
-            <ac:spMk id="5" creationId="{7F3C52D3-E209-4DCD-97CE-856D0F25D143}"/>
-          </ac:spMkLst>
-        </pc:spChg>
-        <pc:spChg chg="mod">
-          <ac:chgData name="Dirk Biesinger (HCL America Inc)" userId="20764644-2ac5-4ef0-92a4-c29f791506cf" providerId="ADAL" clId="{A8C04D21-7453-4CD4-96BC-F3933F631EB0}" dt="2018-06-07T15:40:01.981" v="9817" actId="1076"/>
-          <ac:spMkLst>
-            <pc:docMk/>
-            <pc:sldMk cId="3919507015" sldId="257"/>
-            <ac:spMk id="6" creationId="{E0521A9C-F266-4B5C-A9CF-71E3E3BAFD3B}"/>
-          </ac:spMkLst>
-        </pc:spChg>
-        <pc:spChg chg="mod">
-          <ac:chgData name="Dirk Biesinger (HCL America Inc)" userId="20764644-2ac5-4ef0-92a4-c29f791506cf" providerId="ADAL" clId="{A8C04D21-7453-4CD4-96BC-F3933F631EB0}" dt="2018-06-07T15:40:06.286" v="9818" actId="1076"/>
-          <ac:spMkLst>
-            <pc:docMk/>
-            <pc:sldMk cId="3919507015" sldId="257"/>
-            <ac:spMk id="7" creationId="{5B788639-5A6E-4E19-9629-A102BDDAD878}"/>
-          </ac:spMkLst>
-        </pc:spChg>
-        <pc:spChg chg="mod">
-          <ac:chgData name="Dirk Biesinger (HCL America Inc)" userId="20764644-2ac5-4ef0-92a4-c29f791506cf" providerId="ADAL" clId="{A8C04D21-7453-4CD4-96BC-F3933F631EB0}" dt="2018-06-11T14:41:08.812" v="9913" actId="20577"/>
-          <ac:spMkLst>
-            <pc:docMk/>
-            <pc:sldMk cId="3919507015" sldId="257"/>
-            <ac:spMk id="8" creationId="{A5E84132-EC69-4B1B-9EF1-EFEF88BC229D}"/>
-          </ac:spMkLst>
-        </pc:spChg>
-      </pc:sldChg>
-      <pc:sldChg chg="modSp">
-        <pc:chgData name="Dirk Biesinger (HCL America Inc)" userId="20764644-2ac5-4ef0-92a4-c29f791506cf" providerId="ADAL" clId="{A8C04D21-7453-4CD4-96BC-F3933F631EB0}" dt="2018-06-06T17:50:35.912" v="8071" actId="20577"/>
-        <pc:sldMkLst>
-          <pc:docMk/>
-          <pc:sldMk cId="2793174674" sldId="258"/>
-        </pc:sldMkLst>
-        <pc:spChg chg="mod">
-          <ac:chgData name="Dirk Biesinger (HCL America Inc)" userId="20764644-2ac5-4ef0-92a4-c29f791506cf" providerId="ADAL" clId="{A8C04D21-7453-4CD4-96BC-F3933F631EB0}" dt="2018-05-29T22:08:44.033" v="2231" actId="313"/>
-          <ac:spMkLst>
-            <pc:docMk/>
-            <pc:sldMk cId="2793174674" sldId="258"/>
-            <ac:spMk id="2" creationId="{B688C416-A8F4-4CF4-8327-CECA6A6DEB9E}"/>
-          </ac:spMkLst>
-        </pc:spChg>
-        <pc:spChg chg="mod">
-          <ac:chgData name="Dirk Biesinger (HCL America Inc)" userId="20764644-2ac5-4ef0-92a4-c29f791506cf" providerId="ADAL" clId="{A8C04D21-7453-4CD4-96BC-F3933F631EB0}" dt="2018-06-06T17:50:35.912" v="8071" actId="20577"/>
-          <ac:spMkLst>
-            <pc:docMk/>
-            <pc:sldMk cId="2793174674" sldId="258"/>
-            <ac:spMk id="3" creationId="{9C1124A4-B85C-4123-91A3-8F59E1B80C64}"/>
-          </ac:spMkLst>
-        </pc:spChg>
-      </pc:sldChg>
-      <pc:sldChg chg="modSp add">
-        <pc:chgData name="Dirk Biesinger (HCL America Inc)" userId="20764644-2ac5-4ef0-92a4-c29f791506cf" providerId="ADAL" clId="{A8C04D21-7453-4CD4-96BC-F3933F631EB0}" dt="2018-06-11T14:42:02.355" v="9923" actId="20577"/>
+        <pc:chgData name="Dirk Biesinger" userId="983bfd176bd8b1a7" providerId="LiveId" clId="{087A0E22-3A33-49B8-A1EC-4A9ACFB0704C}" dt="2019-07-03T03:56:06.779" v="985" actId="6549"/>
         <pc:sldMkLst>
           <pc:docMk/>
           <pc:sldMk cId="620092883" sldId="259"/>
         </pc:sldMkLst>
         <pc:spChg chg="mod">
-          <ac:chgData name="Dirk Biesinger (HCL America Inc)" userId="20764644-2ac5-4ef0-92a4-c29f791506cf" providerId="ADAL" clId="{A8C04D21-7453-4CD4-96BC-F3933F631EB0}" dt="2018-05-29T21:49:28.496" v="30" actId="20577"/>
-          <ac:spMkLst>
-            <pc:docMk/>
-            <pc:sldMk cId="620092883" sldId="259"/>
-            <ac:spMk id="2" creationId="{427766FB-1B7C-4AED-AFF3-D0AA5B53F78D}"/>
-          </ac:spMkLst>
-        </pc:spChg>
-        <pc:spChg chg="mod">
-          <ac:chgData name="Dirk Biesinger (HCL America Inc)" userId="20764644-2ac5-4ef0-92a4-c29f791506cf" providerId="ADAL" clId="{A8C04D21-7453-4CD4-96BC-F3933F631EB0}" dt="2018-06-11T14:42:02.355" v="9923" actId="20577"/>
+          <ac:chgData name="Dirk Biesinger" userId="983bfd176bd8b1a7" providerId="LiveId" clId="{087A0E22-3A33-49B8-A1EC-4A9ACFB0704C}" dt="2019-07-03T03:56:06.779" v="985" actId="6549"/>
           <ac:spMkLst>
             <pc:docMk/>
             <pc:sldMk cId="620092883" sldId="259"/>
@@ -378,61 +218,14 @@
           </ac:spMkLst>
         </pc:spChg>
       </pc:sldChg>
-      <pc:sldChg chg="addSp modSp add">
-        <pc:chgData name="Dirk Biesinger (HCL America Inc)" userId="20764644-2ac5-4ef0-92a4-c29f791506cf" providerId="ADAL" clId="{A8C04D21-7453-4CD4-96BC-F3933F631EB0}" dt="2018-05-29T21:57:22.843" v="783" actId="1076"/>
-        <pc:sldMkLst>
-          <pc:docMk/>
-          <pc:sldMk cId="397756867" sldId="260"/>
-        </pc:sldMkLst>
-        <pc:spChg chg="mod">
-          <ac:chgData name="Dirk Biesinger (HCL America Inc)" userId="20764644-2ac5-4ef0-92a4-c29f791506cf" providerId="ADAL" clId="{A8C04D21-7453-4CD4-96BC-F3933F631EB0}" dt="2018-05-29T21:55:51.008" v="741" actId="20577"/>
-          <ac:spMkLst>
-            <pc:docMk/>
-            <pc:sldMk cId="397756867" sldId="260"/>
-            <ac:spMk id="2" creationId="{51887445-0C30-4F9C-BC61-1B145855914B}"/>
-          </ac:spMkLst>
-        </pc:spChg>
-        <pc:spChg chg="add mod">
-          <ac:chgData name="Dirk Biesinger (HCL America Inc)" userId="20764644-2ac5-4ef0-92a4-c29f791506cf" providerId="ADAL" clId="{A8C04D21-7453-4CD4-96BC-F3933F631EB0}" dt="2018-05-29T21:57:18.337" v="782" actId="164"/>
-          <ac:spMkLst>
-            <pc:docMk/>
-            <pc:sldMk cId="397756867" sldId="260"/>
-            <ac:spMk id="4" creationId="{CB48D1C0-188B-43FF-B616-A05642C64382}"/>
-          </ac:spMkLst>
-        </pc:spChg>
-        <pc:spChg chg="add mod">
-          <ac:chgData name="Dirk Biesinger (HCL America Inc)" userId="20764644-2ac5-4ef0-92a4-c29f791506cf" providerId="ADAL" clId="{A8C04D21-7453-4CD4-96BC-F3933F631EB0}" dt="2018-05-29T21:57:18.337" v="782" actId="164"/>
-          <ac:spMkLst>
-            <pc:docMk/>
-            <pc:sldMk cId="397756867" sldId="260"/>
-            <ac:spMk id="5" creationId="{76717372-2027-48B9-892F-28E5F9777D5B}"/>
-          </ac:spMkLst>
-        </pc:spChg>
-        <pc:grpChg chg="add mod">
-          <ac:chgData name="Dirk Biesinger (HCL America Inc)" userId="20764644-2ac5-4ef0-92a4-c29f791506cf" providerId="ADAL" clId="{A8C04D21-7453-4CD4-96BC-F3933F631EB0}" dt="2018-05-29T21:57:22.843" v="783" actId="1076"/>
-          <ac:grpSpMkLst>
-            <pc:docMk/>
-            <pc:sldMk cId="397756867" sldId="260"/>
-            <ac:grpSpMk id="6" creationId="{E11631D9-28C2-412B-9E9A-1057409A4177}"/>
-          </ac:grpSpMkLst>
-        </pc:grpChg>
-      </pc:sldChg>
-      <pc:sldChg chg="modSp add">
-        <pc:chgData name="Dirk Biesinger (HCL America Inc)" userId="20764644-2ac5-4ef0-92a4-c29f791506cf" providerId="ADAL" clId="{A8C04D21-7453-4CD4-96BC-F3933F631EB0}" dt="2018-06-11T14:58:21.930" v="10155" actId="20577"/>
+      <pc:sldChg chg="modSp">
+        <pc:chgData name="Dirk Biesinger" userId="983bfd176bd8b1a7" providerId="LiveId" clId="{087A0E22-3A33-49B8-A1EC-4A9ACFB0704C}" dt="2019-07-03T04:10:31.041" v="1029" actId="20577"/>
         <pc:sldMkLst>
           <pc:docMk/>
           <pc:sldMk cId="266234623" sldId="261"/>
         </pc:sldMkLst>
         <pc:spChg chg="mod">
-          <ac:chgData name="Dirk Biesinger (HCL America Inc)" userId="20764644-2ac5-4ef0-92a4-c29f791506cf" providerId="ADAL" clId="{A8C04D21-7453-4CD4-96BC-F3933F631EB0}" dt="2018-05-29T21:57:57.109" v="807" actId="20577"/>
-          <ac:spMkLst>
-            <pc:docMk/>
-            <pc:sldMk cId="266234623" sldId="261"/>
-            <ac:spMk id="2" creationId="{D96264AC-3A40-4FF1-A9A5-A293BF53C39B}"/>
-          </ac:spMkLst>
-        </pc:spChg>
-        <pc:spChg chg="mod">
-          <ac:chgData name="Dirk Biesinger (HCL America Inc)" userId="20764644-2ac5-4ef0-92a4-c29f791506cf" providerId="ADAL" clId="{A8C04D21-7453-4CD4-96BC-F3933F631EB0}" dt="2018-06-11T14:58:21.930" v="10155" actId="20577"/>
+          <ac:chgData name="Dirk Biesinger" userId="983bfd176bd8b1a7" providerId="LiveId" clId="{087A0E22-3A33-49B8-A1EC-4A9ACFB0704C}" dt="2019-07-03T04:10:31.041" v="1029" actId="20577"/>
           <ac:spMkLst>
             <pc:docMk/>
             <pc:sldMk cId="266234623" sldId="261"/>
@@ -440,251 +233,14 @@
           </ac:spMkLst>
         </pc:spChg>
       </pc:sldChg>
-      <pc:sldChg chg="modSp add">
-        <pc:chgData name="Dirk Biesinger (HCL America Inc)" userId="20764644-2ac5-4ef0-92a4-c29f791506cf" providerId="ADAL" clId="{A8C04D21-7453-4CD4-96BC-F3933F631EB0}" dt="2018-06-11T14:58:59.728" v="10171" actId="6549"/>
-        <pc:sldMkLst>
-          <pc:docMk/>
-          <pc:sldMk cId="2156862039" sldId="262"/>
-        </pc:sldMkLst>
-        <pc:spChg chg="mod">
-          <ac:chgData name="Dirk Biesinger (HCL America Inc)" userId="20764644-2ac5-4ef0-92a4-c29f791506cf" providerId="ADAL" clId="{A8C04D21-7453-4CD4-96BC-F3933F631EB0}" dt="2018-05-29T22:04:09.945" v="1659" actId="20577"/>
-          <ac:spMkLst>
-            <pc:docMk/>
-            <pc:sldMk cId="2156862039" sldId="262"/>
-            <ac:spMk id="2" creationId="{679E6DE1-93D3-48E9-A7E0-AE080C72C156}"/>
-          </ac:spMkLst>
-        </pc:spChg>
-        <pc:spChg chg="mod">
-          <ac:chgData name="Dirk Biesinger (HCL America Inc)" userId="20764644-2ac5-4ef0-92a4-c29f791506cf" providerId="ADAL" clId="{A8C04D21-7453-4CD4-96BC-F3933F631EB0}" dt="2018-06-11T14:58:59.728" v="10171" actId="6549"/>
-          <ac:spMkLst>
-            <pc:docMk/>
-            <pc:sldMk cId="2156862039" sldId="262"/>
-            <ac:spMk id="3" creationId="{E63B6A77-4557-4FD8-ABCF-AC9C9F2EB412}"/>
-          </ac:spMkLst>
-        </pc:spChg>
-      </pc:sldChg>
-      <pc:sldChg chg="modSp add">
-        <pc:chgData name="Dirk Biesinger (HCL America Inc)" userId="20764644-2ac5-4ef0-92a4-c29f791506cf" providerId="ADAL" clId="{A8C04D21-7453-4CD4-96BC-F3933F631EB0}" dt="2018-06-11T15:07:07.067" v="10202" actId="20577"/>
-        <pc:sldMkLst>
-          <pc:docMk/>
-          <pc:sldMk cId="180858494" sldId="263"/>
-        </pc:sldMkLst>
-        <pc:spChg chg="mod">
-          <ac:chgData name="Dirk Biesinger (HCL America Inc)" userId="20764644-2ac5-4ef0-92a4-c29f791506cf" providerId="ADAL" clId="{A8C04D21-7453-4CD4-96BC-F3933F631EB0}" dt="2018-05-29T22:08:30.172" v="2230" actId="20577"/>
-          <ac:spMkLst>
-            <pc:docMk/>
-            <pc:sldMk cId="180858494" sldId="263"/>
-            <ac:spMk id="2" creationId="{12668CCD-BA06-457F-A476-8D93B9393402}"/>
-          </ac:spMkLst>
-        </pc:spChg>
-        <pc:spChg chg="mod">
-          <ac:chgData name="Dirk Biesinger (HCL America Inc)" userId="20764644-2ac5-4ef0-92a4-c29f791506cf" providerId="ADAL" clId="{A8C04D21-7453-4CD4-96BC-F3933F631EB0}" dt="2018-06-11T15:07:07.067" v="10202" actId="20577"/>
-          <ac:spMkLst>
-            <pc:docMk/>
-            <pc:sldMk cId="180858494" sldId="263"/>
-            <ac:spMk id="3" creationId="{5C1A2AD6-DD9A-41E7-95BA-3995BF0D9367}"/>
-          </ac:spMkLst>
-        </pc:spChg>
-      </pc:sldChg>
-      <pc:sldChg chg="modSp add">
-        <pc:chgData name="Dirk Biesinger (HCL America Inc)" userId="20764644-2ac5-4ef0-92a4-c29f791506cf" providerId="ADAL" clId="{A8C04D21-7453-4CD4-96BC-F3933F631EB0}" dt="2018-06-11T14:57:57.400" v="10143" actId="20577"/>
-        <pc:sldMkLst>
-          <pc:docMk/>
-          <pc:sldMk cId="1159362771" sldId="264"/>
-        </pc:sldMkLst>
-        <pc:spChg chg="mod">
-          <ac:chgData name="Dirk Biesinger (HCL America Inc)" userId="20764644-2ac5-4ef0-92a4-c29f791506cf" providerId="ADAL" clId="{A8C04D21-7453-4CD4-96BC-F3933F631EB0}" dt="2018-05-29T22:09:14.078" v="2269" actId="20577"/>
-          <ac:spMkLst>
-            <pc:docMk/>
-            <pc:sldMk cId="1159362771" sldId="264"/>
-            <ac:spMk id="2" creationId="{E33CD3E9-B1B2-4E1D-9324-7C1CA55B7C3F}"/>
-          </ac:spMkLst>
-        </pc:spChg>
-        <pc:spChg chg="mod">
-          <ac:chgData name="Dirk Biesinger (HCL America Inc)" userId="20764644-2ac5-4ef0-92a4-c29f791506cf" providerId="ADAL" clId="{A8C04D21-7453-4CD4-96BC-F3933F631EB0}" dt="2018-06-11T14:57:57.400" v="10143" actId="20577"/>
-          <ac:spMkLst>
-            <pc:docMk/>
-            <pc:sldMk cId="1159362771" sldId="264"/>
-            <ac:spMk id="3" creationId="{63142A2C-B589-452E-AD6B-3D3FBD212D1E}"/>
-          </ac:spMkLst>
-        </pc:spChg>
-      </pc:sldChg>
-      <pc:sldChg chg="modSp add">
-        <pc:chgData name="Dirk Biesinger (HCL America Inc)" userId="20764644-2ac5-4ef0-92a4-c29f791506cf" providerId="ADAL" clId="{A8C04D21-7453-4CD4-96BC-F3933F631EB0}" dt="2018-06-06T15:28:12.873" v="3951" actId="20577"/>
-        <pc:sldMkLst>
-          <pc:docMk/>
-          <pc:sldMk cId="4276425096" sldId="265"/>
-        </pc:sldMkLst>
-        <pc:spChg chg="mod">
-          <ac:chgData name="Dirk Biesinger (HCL America Inc)" userId="20764644-2ac5-4ef0-92a4-c29f791506cf" providerId="ADAL" clId="{A8C04D21-7453-4CD4-96BC-F3933F631EB0}" dt="2018-06-06T15:28:12.873" v="3951" actId="20577"/>
-          <ac:spMkLst>
-            <pc:docMk/>
-            <pc:sldMk cId="4276425096" sldId="265"/>
-            <ac:spMk id="2" creationId="{113289F2-4662-4107-9852-F921984E2309}"/>
-          </ac:spMkLst>
-        </pc:spChg>
-      </pc:sldChg>
-      <pc:sldChg chg="modSp add">
-        <pc:chgData name="Dirk Biesinger (HCL America Inc)" userId="20764644-2ac5-4ef0-92a4-c29f791506cf" providerId="ADAL" clId="{A8C04D21-7453-4CD4-96BC-F3933F631EB0}" dt="2018-06-11T15:07:58.698" v="10203" actId="6549"/>
-        <pc:sldMkLst>
-          <pc:docMk/>
-          <pc:sldMk cId="4205732716" sldId="266"/>
-        </pc:sldMkLst>
-        <pc:spChg chg="mod">
-          <ac:chgData name="Dirk Biesinger (HCL America Inc)" userId="20764644-2ac5-4ef0-92a4-c29f791506cf" providerId="ADAL" clId="{A8C04D21-7453-4CD4-96BC-F3933F631EB0}" dt="2018-06-06T15:28:19.465" v="3953" actId="20577"/>
-          <ac:spMkLst>
-            <pc:docMk/>
-            <pc:sldMk cId="4205732716" sldId="266"/>
-            <ac:spMk id="2" creationId="{05192F71-B3BE-4AC1-8383-5C4904E7D51A}"/>
-          </ac:spMkLst>
-        </pc:spChg>
-        <pc:spChg chg="mod">
-          <ac:chgData name="Dirk Biesinger (HCL America Inc)" userId="20764644-2ac5-4ef0-92a4-c29f791506cf" providerId="ADAL" clId="{A8C04D21-7453-4CD4-96BC-F3933F631EB0}" dt="2018-06-11T15:07:58.698" v="10203" actId="6549"/>
-          <ac:spMkLst>
-            <pc:docMk/>
-            <pc:sldMk cId="4205732716" sldId="266"/>
-            <ac:spMk id="3" creationId="{DBCDD311-0D21-452C-9AA9-18B5E9344818}"/>
-          </ac:spMkLst>
-        </pc:spChg>
-      </pc:sldChg>
-      <pc:sldChg chg="modSp add">
-        <pc:chgData name="Dirk Biesinger (HCL America Inc)" userId="20764644-2ac5-4ef0-92a4-c29f791506cf" providerId="ADAL" clId="{A8C04D21-7453-4CD4-96BC-F3933F631EB0}" dt="2018-06-11T15:13:03.173" v="10297" actId="20577"/>
-        <pc:sldMkLst>
-          <pc:docMk/>
-          <pc:sldMk cId="2228275636" sldId="267"/>
-        </pc:sldMkLst>
-        <pc:spChg chg="mod">
-          <ac:chgData name="Dirk Biesinger (HCL America Inc)" userId="20764644-2ac5-4ef0-92a4-c29f791506cf" providerId="ADAL" clId="{A8C04D21-7453-4CD4-96BC-F3933F631EB0}" dt="2018-06-06T15:37:22.834" v="4754" actId="20577"/>
-          <ac:spMkLst>
-            <pc:docMk/>
-            <pc:sldMk cId="2228275636" sldId="267"/>
-            <ac:spMk id="2" creationId="{9E65FF7E-0582-421B-879A-6B56A6205701}"/>
-          </ac:spMkLst>
-        </pc:spChg>
-        <pc:spChg chg="mod">
-          <ac:chgData name="Dirk Biesinger (HCL America Inc)" userId="20764644-2ac5-4ef0-92a4-c29f791506cf" providerId="ADAL" clId="{A8C04D21-7453-4CD4-96BC-F3933F631EB0}" dt="2018-06-11T15:13:03.173" v="10297" actId="20577"/>
-          <ac:spMkLst>
-            <pc:docMk/>
-            <pc:sldMk cId="2228275636" sldId="267"/>
-            <ac:spMk id="3" creationId="{4FB57A8E-01F6-4478-850B-E1BEF8B17974}"/>
-          </ac:spMkLst>
-        </pc:spChg>
-      </pc:sldChg>
-      <pc:sldChg chg="modSp add">
-        <pc:chgData name="Dirk Biesinger (HCL America Inc)" userId="20764644-2ac5-4ef0-92a4-c29f791506cf" providerId="ADAL" clId="{A8C04D21-7453-4CD4-96BC-F3933F631EB0}" dt="2018-06-11T15:11:47.575" v="10281"/>
-        <pc:sldMkLst>
-          <pc:docMk/>
-          <pc:sldMk cId="1247317194" sldId="268"/>
-        </pc:sldMkLst>
-        <pc:spChg chg="mod">
-          <ac:chgData name="Dirk Biesinger (HCL America Inc)" userId="20764644-2ac5-4ef0-92a4-c29f791506cf" providerId="ADAL" clId="{A8C04D21-7453-4CD4-96BC-F3933F631EB0}" dt="2018-06-06T15:43:48.060" v="5298" actId="20577"/>
-          <ac:spMkLst>
-            <pc:docMk/>
-            <pc:sldMk cId="1247317194" sldId="268"/>
-            <ac:spMk id="2" creationId="{F20C1DF7-AB5B-4ABB-9DCA-307A977BF13D}"/>
-          </ac:spMkLst>
-        </pc:spChg>
-        <pc:spChg chg="mod">
-          <ac:chgData name="Dirk Biesinger (HCL America Inc)" userId="20764644-2ac5-4ef0-92a4-c29f791506cf" providerId="ADAL" clId="{A8C04D21-7453-4CD4-96BC-F3933F631EB0}" dt="2018-06-11T15:11:47.575" v="10281"/>
-          <ac:spMkLst>
-            <pc:docMk/>
-            <pc:sldMk cId="1247317194" sldId="268"/>
-            <ac:spMk id="3" creationId="{407C3D8D-FFB1-456D-83B2-2878DD2BE8B3}"/>
-          </ac:spMkLst>
-        </pc:spChg>
-      </pc:sldChg>
-      <pc:sldChg chg="modSp add">
-        <pc:chgData name="Dirk Biesinger (HCL America Inc)" userId="20764644-2ac5-4ef0-92a4-c29f791506cf" providerId="ADAL" clId="{A8C04D21-7453-4CD4-96BC-F3933F631EB0}" dt="2018-06-11T15:12:13.466" v="10286" actId="6549"/>
-        <pc:sldMkLst>
-          <pc:docMk/>
-          <pc:sldMk cId="2544617510" sldId="269"/>
-        </pc:sldMkLst>
-        <pc:spChg chg="mod">
-          <ac:chgData name="Dirk Biesinger (HCL America Inc)" userId="20764644-2ac5-4ef0-92a4-c29f791506cf" providerId="ADAL" clId="{A8C04D21-7453-4CD4-96BC-F3933F631EB0}" dt="2018-06-06T15:50:14.819" v="6157" actId="20577"/>
-          <ac:spMkLst>
-            <pc:docMk/>
-            <pc:sldMk cId="2544617510" sldId="269"/>
-            <ac:spMk id="2" creationId="{906B3125-56FD-4C24-BAF3-ACE7F80EE98D}"/>
-          </ac:spMkLst>
-        </pc:spChg>
-        <pc:spChg chg="mod">
-          <ac:chgData name="Dirk Biesinger (HCL America Inc)" userId="20764644-2ac5-4ef0-92a4-c29f791506cf" providerId="ADAL" clId="{A8C04D21-7453-4CD4-96BC-F3933F631EB0}" dt="2018-06-11T15:12:13.466" v="10286" actId="6549"/>
-          <ac:spMkLst>
-            <pc:docMk/>
-            <pc:sldMk cId="2544617510" sldId="269"/>
-            <ac:spMk id="3" creationId="{954FA933-E669-425B-9B54-35366F634A1D}"/>
-          </ac:spMkLst>
-        </pc:spChg>
-      </pc:sldChg>
-      <pc:sldChg chg="modSp add">
-        <pc:chgData name="Dirk Biesinger (HCL America Inc)" userId="20764644-2ac5-4ef0-92a4-c29f791506cf" providerId="ADAL" clId="{A8C04D21-7453-4CD4-96BC-F3933F631EB0}" dt="2018-06-11T15:14:40.039" v="10322" actId="20577"/>
-        <pc:sldMkLst>
-          <pc:docMk/>
-          <pc:sldMk cId="3951010364" sldId="271"/>
-        </pc:sldMkLst>
-        <pc:spChg chg="mod">
-          <ac:chgData name="Dirk Biesinger (HCL America Inc)" userId="20764644-2ac5-4ef0-92a4-c29f791506cf" providerId="ADAL" clId="{A8C04D21-7453-4CD4-96BC-F3933F631EB0}" dt="2018-06-06T16:01:29.208" v="6965" actId="20577"/>
-          <ac:spMkLst>
-            <pc:docMk/>
-            <pc:sldMk cId="3951010364" sldId="271"/>
-            <ac:spMk id="2" creationId="{E8E82C07-A41C-40AB-BFA2-F4E6A658B481}"/>
-          </ac:spMkLst>
-        </pc:spChg>
-        <pc:spChg chg="mod">
-          <ac:chgData name="Dirk Biesinger (HCL America Inc)" userId="20764644-2ac5-4ef0-92a4-c29f791506cf" providerId="ADAL" clId="{A8C04D21-7453-4CD4-96BC-F3933F631EB0}" dt="2018-06-11T15:14:40.039" v="10322" actId="20577"/>
-          <ac:spMkLst>
-            <pc:docMk/>
-            <pc:sldMk cId="3951010364" sldId="271"/>
-            <ac:spMk id="3" creationId="{8AB6428F-4C66-412A-BD89-AE4FF8BF4FB5}"/>
-          </ac:spMkLst>
-        </pc:spChg>
-      </pc:sldChg>
-      <pc:sldChg chg="modSp add">
-        <pc:chgData name="Dirk Biesinger (HCL America Inc)" userId="20764644-2ac5-4ef0-92a4-c29f791506cf" providerId="ADAL" clId="{A8C04D21-7453-4CD4-96BC-F3933F631EB0}" dt="2018-06-06T16:48:13.100" v="7685" actId="20577"/>
-        <pc:sldMkLst>
-          <pc:docMk/>
-          <pc:sldMk cId="345458271" sldId="272"/>
-        </pc:sldMkLst>
-        <pc:spChg chg="mod">
-          <ac:chgData name="Dirk Biesinger (HCL America Inc)" userId="20764644-2ac5-4ef0-92a4-c29f791506cf" providerId="ADAL" clId="{A8C04D21-7453-4CD4-96BC-F3933F631EB0}" dt="2018-06-06T16:48:13.100" v="7685" actId="20577"/>
-          <ac:spMkLst>
-            <pc:docMk/>
-            <pc:sldMk cId="345458271" sldId="272"/>
-            <ac:spMk id="2" creationId="{EFE87EF8-7A50-4129-8857-499950C78E13}"/>
-          </ac:spMkLst>
-        </pc:spChg>
-      </pc:sldChg>
-      <pc:sldChg chg="modSp add">
-        <pc:chgData name="Dirk Biesinger (HCL America Inc)" userId="20764644-2ac5-4ef0-92a4-c29f791506cf" providerId="ADAL" clId="{A8C04D21-7453-4CD4-96BC-F3933F631EB0}" dt="2018-06-06T20:05:57.058" v="8860" actId="20577"/>
-        <pc:sldMkLst>
-          <pc:docMk/>
-          <pc:sldMk cId="3019775472" sldId="273"/>
-        </pc:sldMkLst>
-        <pc:spChg chg="mod">
-          <ac:chgData name="Dirk Biesinger (HCL America Inc)" userId="20764644-2ac5-4ef0-92a4-c29f791506cf" providerId="ADAL" clId="{A8C04D21-7453-4CD4-96BC-F3933F631EB0}" dt="2018-06-06T16:48:36.329" v="7731" actId="20577"/>
-          <ac:spMkLst>
-            <pc:docMk/>
-            <pc:sldMk cId="3019775472" sldId="273"/>
-            <ac:spMk id="2" creationId="{A68BB4C7-CD8E-436E-A528-E45A1221B6A2}"/>
-          </ac:spMkLst>
-        </pc:spChg>
-        <pc:spChg chg="mod">
-          <ac:chgData name="Dirk Biesinger (HCL America Inc)" userId="20764644-2ac5-4ef0-92a4-c29f791506cf" providerId="ADAL" clId="{A8C04D21-7453-4CD4-96BC-F3933F631EB0}" dt="2018-06-06T20:05:57.058" v="8860" actId="20577"/>
-          <ac:spMkLst>
-            <pc:docMk/>
-            <pc:sldMk cId="3019775472" sldId="273"/>
-            <ac:spMk id="3" creationId="{81ED2567-66DC-43CA-964E-D29322DEE654}"/>
-          </ac:spMkLst>
-        </pc:spChg>
-      </pc:sldChg>
-      <pc:sldChg chg="modSp add">
-        <pc:chgData name="Dirk Biesinger (HCL America Inc)" userId="20764644-2ac5-4ef0-92a4-c29f791506cf" providerId="ADAL" clId="{A8C04D21-7453-4CD4-96BC-F3933F631EB0}" dt="2018-06-06T19:16:57.951" v="8502" actId="20577"/>
+      <pc:sldChg chg="modSp">
+        <pc:chgData name="Dirk Biesinger" userId="983bfd176bd8b1a7" providerId="LiveId" clId="{087A0E22-3A33-49B8-A1EC-4A9ACFB0704C}" dt="2019-07-03T03:45:16.328" v="980" actId="255"/>
         <pc:sldMkLst>
           <pc:docMk/>
           <pc:sldMk cId="2099005135" sldId="274"/>
         </pc:sldMkLst>
         <pc:spChg chg="mod">
-          <ac:chgData name="Dirk Biesinger (HCL America Inc)" userId="20764644-2ac5-4ef0-92a4-c29f791506cf" providerId="ADAL" clId="{A8C04D21-7453-4CD4-96BC-F3933F631EB0}" dt="2018-06-06T17:50:46.863" v="8092" actId="20577"/>
+          <ac:chgData name="Dirk Biesinger" userId="983bfd176bd8b1a7" providerId="LiveId" clId="{087A0E22-3A33-49B8-A1EC-4A9ACFB0704C}" dt="2019-07-03T03:40:48.916" v="977" actId="6549"/>
           <ac:spMkLst>
             <pc:docMk/>
             <pc:sldMk cId="2099005135" sldId="274"/>
@@ -692,7 +248,7 @@
           </ac:spMkLst>
         </pc:spChg>
         <pc:spChg chg="mod">
-          <ac:chgData name="Dirk Biesinger (HCL America Inc)" userId="20764644-2ac5-4ef0-92a4-c29f791506cf" providerId="ADAL" clId="{A8C04D21-7453-4CD4-96BC-F3933F631EB0}" dt="2018-06-06T19:16:57.951" v="8502" actId="20577"/>
+          <ac:chgData name="Dirk Biesinger" userId="983bfd176bd8b1a7" providerId="LiveId" clId="{087A0E22-3A33-49B8-A1EC-4A9ACFB0704C}" dt="2019-07-03T03:45:16.328" v="980" actId="255"/>
           <ac:spMkLst>
             <pc:docMk/>
             <pc:sldMk cId="2099005135" sldId="274"/>
@@ -700,159 +256,154 @@
           </ac:spMkLst>
         </pc:spChg>
       </pc:sldChg>
-      <pc:sldChg chg="modSp add">
-        <pc:chgData name="Dirk Biesinger (HCL America Inc)" userId="20764644-2ac5-4ef0-92a4-c29f791506cf" providerId="ADAL" clId="{A8C04D21-7453-4CD4-96BC-F3933F631EB0}" dt="2018-06-11T15:17:20.425" v="10387" actId="20577"/>
-        <pc:sldMkLst>
-          <pc:docMk/>
-          <pc:sldMk cId="3942905101" sldId="275"/>
-        </pc:sldMkLst>
-        <pc:spChg chg="mod">
-          <ac:chgData name="Dirk Biesinger (HCL America Inc)" userId="20764644-2ac5-4ef0-92a4-c29f791506cf" providerId="ADAL" clId="{A8C04D21-7453-4CD4-96BC-F3933F631EB0}" dt="2018-06-06T19:53:17.055" v="8847" actId="20577"/>
-          <ac:spMkLst>
-            <pc:docMk/>
-            <pc:sldMk cId="3942905101" sldId="275"/>
-            <ac:spMk id="2" creationId="{19764ED7-F15B-4240-BB3D-A22D34A02A20}"/>
-          </ac:spMkLst>
-        </pc:spChg>
-        <pc:spChg chg="mod">
-          <ac:chgData name="Dirk Biesinger (HCL America Inc)" userId="20764644-2ac5-4ef0-92a4-c29f791506cf" providerId="ADAL" clId="{A8C04D21-7453-4CD4-96BC-F3933F631EB0}" dt="2018-06-11T15:17:20.425" v="10387" actId="20577"/>
-          <ac:spMkLst>
-            <pc:docMk/>
-            <pc:sldMk cId="3942905101" sldId="275"/>
-            <ac:spMk id="3" creationId="{FA69E7B3-8370-4588-82EC-2D5771127B19}"/>
-          </ac:spMkLst>
-        </pc:spChg>
-      </pc:sldChg>
-      <pc:sldChg chg="modSp add">
-        <pc:chgData name="Dirk Biesinger (HCL America Inc)" userId="20764644-2ac5-4ef0-92a4-c29f791506cf" providerId="ADAL" clId="{A8C04D21-7453-4CD4-96BC-F3933F631EB0}" dt="2018-06-11T15:16:54.693" v="10363" actId="20577"/>
-        <pc:sldMkLst>
-          <pc:docMk/>
-          <pc:sldMk cId="2261955743" sldId="276"/>
-        </pc:sldMkLst>
-        <pc:spChg chg="mod">
-          <ac:chgData name="Dirk Biesinger (HCL America Inc)" userId="20764644-2ac5-4ef0-92a4-c29f791506cf" providerId="ADAL" clId="{A8C04D21-7453-4CD4-96BC-F3933F631EB0}" dt="2018-06-06T20:06:31.745" v="8889" actId="20577"/>
-          <ac:spMkLst>
-            <pc:docMk/>
-            <pc:sldMk cId="2261955743" sldId="276"/>
-            <ac:spMk id="2" creationId="{F7EBF774-25B9-46B9-9FD1-6F0EFCCEEBB3}"/>
-          </ac:spMkLst>
-        </pc:spChg>
-        <pc:spChg chg="mod">
-          <ac:chgData name="Dirk Biesinger (HCL America Inc)" userId="20764644-2ac5-4ef0-92a4-c29f791506cf" providerId="ADAL" clId="{A8C04D21-7453-4CD4-96BC-F3933F631EB0}" dt="2018-06-11T15:16:54.693" v="10363" actId="20577"/>
-          <ac:spMkLst>
-            <pc:docMk/>
-            <pc:sldMk cId="2261955743" sldId="276"/>
-            <ac:spMk id="3" creationId="{76436876-5D77-4C86-9031-AE79CB8AAD33}"/>
-          </ac:spMkLst>
-        </pc:spChg>
-      </pc:sldChg>
-      <pc:sldChg chg="modSp add ord">
-        <pc:chgData name="Dirk Biesinger (HCL America Inc)" userId="20764644-2ac5-4ef0-92a4-c29f791506cf" providerId="ADAL" clId="{A8C04D21-7453-4CD4-96BC-F3933F631EB0}" dt="2018-06-06T20:18:24.903" v="9801" actId="20577"/>
+      <pc:sldChg chg="modSp">
+        <pc:chgData name="Dirk Biesinger" userId="983bfd176bd8b1a7" providerId="LiveId" clId="{087A0E22-3A33-49B8-A1EC-4A9ACFB0704C}" dt="2019-07-03T04:29:07.445" v="1031" actId="20577"/>
         <pc:sldMkLst>
           <pc:docMk/>
           <pc:sldMk cId="301201003" sldId="277"/>
         </pc:sldMkLst>
         <pc:spChg chg="mod">
-          <ac:chgData name="Dirk Biesinger (HCL America Inc)" userId="20764644-2ac5-4ef0-92a4-c29f791506cf" providerId="ADAL" clId="{A8C04D21-7453-4CD4-96BC-F3933F631EB0}" dt="2018-06-06T20:18:24.903" v="9801" actId="20577"/>
+          <ac:chgData name="Dirk Biesinger" userId="983bfd176bd8b1a7" providerId="LiveId" clId="{087A0E22-3A33-49B8-A1EC-4A9ACFB0704C}" dt="2019-07-03T04:29:07.445" v="1031" actId="20577"/>
           <ac:spMkLst>
             <pc:docMk/>
             <pc:sldMk cId="301201003" sldId="277"/>
-            <ac:spMk id="3" creationId="{4DD14C89-D4AF-4F53-8931-DDD20E5E89A3}"/>
+            <ac:spMk id="4" creationId="{D661FB28-B8C6-4C5D-9B9B-E9D188C01675}"/>
           </ac:spMkLst>
         </pc:spChg>
       </pc:sldChg>
-      <pc:sldMasterChg chg="modSp modSldLayout">
-        <pc:chgData name="Dirk Biesinger (HCL America Inc)" userId="20764644-2ac5-4ef0-92a4-c29f791506cf" providerId="ADAL" clId="{A8C04D21-7453-4CD4-96BC-F3933F631EB0}" dt="2018-06-11T15:19:17.516" v="10397" actId="20577"/>
+      <pc:sldChg chg="addSp modSp add">
+        <pc:chgData name="Dirk Biesinger" userId="983bfd176bd8b1a7" providerId="LiveId" clId="{087A0E22-3A33-49B8-A1EC-4A9ACFB0704C}" dt="2019-07-04T16:30:32.555" v="1190" actId="20577"/>
+        <pc:sldMkLst>
+          <pc:docMk/>
+          <pc:sldMk cId="1790929828" sldId="278"/>
+        </pc:sldMkLst>
+        <pc:spChg chg="mod">
+          <ac:chgData name="Dirk Biesinger" userId="983bfd176bd8b1a7" providerId="LiveId" clId="{087A0E22-3A33-49B8-A1EC-4A9ACFB0704C}" dt="2019-07-03T00:07:07.653" v="146" actId="20577"/>
+          <ac:spMkLst>
+            <pc:docMk/>
+            <pc:sldMk cId="1790929828" sldId="278"/>
+            <ac:spMk id="2" creationId="{B688C416-A8F4-4CF4-8327-CECA6A6DEB9E}"/>
+          </ac:spMkLst>
+        </pc:spChg>
+        <pc:spChg chg="mod">
+          <ac:chgData name="Dirk Biesinger" userId="983bfd176bd8b1a7" providerId="LiveId" clId="{087A0E22-3A33-49B8-A1EC-4A9ACFB0704C}" dt="2019-07-04T16:30:32.555" v="1190" actId="20577"/>
+          <ac:spMkLst>
+            <pc:docMk/>
+            <pc:sldMk cId="1790929828" sldId="278"/>
+            <ac:spMk id="3" creationId="{9C1124A4-B85C-4123-91A3-8F59E1B80C64}"/>
+          </ac:spMkLst>
+        </pc:spChg>
+        <pc:spChg chg="add mod">
+          <ac:chgData name="Dirk Biesinger" userId="983bfd176bd8b1a7" providerId="LiveId" clId="{087A0E22-3A33-49B8-A1EC-4A9ACFB0704C}" dt="2019-07-04T16:20:28.814" v="1097" actId="20577"/>
+          <ac:spMkLst>
+            <pc:docMk/>
+            <pc:sldMk cId="1790929828" sldId="278"/>
+            <ac:spMk id="8" creationId="{90F5BE42-31E1-438A-A591-6FD834AE8FA2}"/>
+          </ac:spMkLst>
+        </pc:spChg>
+        <pc:spChg chg="add mod">
+          <ac:chgData name="Dirk Biesinger" userId="983bfd176bd8b1a7" providerId="LiveId" clId="{087A0E22-3A33-49B8-A1EC-4A9ACFB0704C}" dt="2019-07-04T16:20:45.341" v="1098" actId="164"/>
+          <ac:spMkLst>
+            <pc:docMk/>
+            <pc:sldMk cId="1790929828" sldId="278"/>
+            <ac:spMk id="12" creationId="{2EC6681D-AA61-41B1-B704-9CEB79298CDC}"/>
+          </ac:spMkLst>
+        </pc:spChg>
+        <pc:spChg chg="add mod">
+          <ac:chgData name="Dirk Biesinger" userId="983bfd176bd8b1a7" providerId="LiveId" clId="{087A0E22-3A33-49B8-A1EC-4A9ACFB0704C}" dt="2019-07-04T16:27:58.228" v="1131" actId="164"/>
+          <ac:spMkLst>
+            <pc:docMk/>
+            <pc:sldMk cId="1790929828" sldId="278"/>
+            <ac:spMk id="16" creationId="{A3157CC8-E2E2-4581-AAF2-319CAB074187}"/>
+          </ac:spMkLst>
+        </pc:spChg>
+        <pc:grpChg chg="add mod">
+          <ac:chgData name="Dirk Biesinger" userId="983bfd176bd8b1a7" providerId="LiveId" clId="{087A0E22-3A33-49B8-A1EC-4A9ACFB0704C}" dt="2019-07-04T16:29:32.548" v="1132" actId="1076"/>
+          <ac:grpSpMkLst>
+            <pc:docMk/>
+            <pc:sldMk cId="1790929828" sldId="278"/>
+            <ac:grpSpMk id="9" creationId="{8696E3AD-85A7-4A52-B240-D5D07DE28F89}"/>
+          </ac:grpSpMkLst>
+        </pc:grpChg>
+        <pc:grpChg chg="add mod">
+          <ac:chgData name="Dirk Biesinger" userId="983bfd176bd8b1a7" providerId="LiveId" clId="{087A0E22-3A33-49B8-A1EC-4A9ACFB0704C}" dt="2019-07-04T16:29:32.548" v="1132" actId="1076"/>
+          <ac:grpSpMkLst>
+            <pc:docMk/>
+            <pc:sldMk cId="1790929828" sldId="278"/>
+            <ac:grpSpMk id="13" creationId="{99A884F9-7F5F-4404-A21A-043676CC3542}"/>
+          </ac:grpSpMkLst>
+        </pc:grpChg>
+        <pc:grpChg chg="add mod">
+          <ac:chgData name="Dirk Biesinger" userId="983bfd176bd8b1a7" providerId="LiveId" clId="{087A0E22-3A33-49B8-A1EC-4A9ACFB0704C}" dt="2019-07-04T16:29:32.548" v="1132" actId="1076"/>
+          <ac:grpSpMkLst>
+            <pc:docMk/>
+            <pc:sldMk cId="1790929828" sldId="278"/>
+            <ac:grpSpMk id="17" creationId="{55E58BA9-0F62-4DCE-86D2-1665F09C04FA}"/>
+          </ac:grpSpMkLst>
+        </pc:grpChg>
+        <pc:picChg chg="add mod">
+          <ac:chgData name="Dirk Biesinger" userId="983bfd176bd8b1a7" providerId="LiveId" clId="{087A0E22-3A33-49B8-A1EC-4A9ACFB0704C}" dt="2019-07-04T16:16:46.376" v="1063" actId="164"/>
+          <ac:picMkLst>
+            <pc:docMk/>
+            <pc:sldMk cId="1790929828" sldId="278"/>
+            <ac:picMk id="6" creationId="{9CB75FE9-EF14-4564-AB3B-157875194F8A}"/>
+          </ac:picMkLst>
+        </pc:picChg>
+        <pc:picChg chg="add mod">
+          <ac:chgData name="Dirk Biesinger" userId="983bfd176bd8b1a7" providerId="LiveId" clId="{087A0E22-3A33-49B8-A1EC-4A9ACFB0704C}" dt="2019-07-04T16:20:45.341" v="1098" actId="164"/>
+          <ac:picMkLst>
+            <pc:docMk/>
+            <pc:sldMk cId="1790929828" sldId="278"/>
+            <ac:picMk id="11" creationId="{2ACA1107-8698-49F9-A9C8-409521E62CD9}"/>
+          </ac:picMkLst>
+        </pc:picChg>
+        <pc:picChg chg="add mod">
+          <ac:chgData name="Dirk Biesinger" userId="983bfd176bd8b1a7" providerId="LiveId" clId="{087A0E22-3A33-49B8-A1EC-4A9ACFB0704C}" dt="2019-07-04T16:27:58.228" v="1131" actId="164"/>
+          <ac:picMkLst>
+            <pc:docMk/>
+            <pc:sldMk cId="1790929828" sldId="278"/>
+            <ac:picMk id="15" creationId="{FE36A097-F1EC-44E8-9E4E-7B827D156991}"/>
+          </ac:picMkLst>
+        </pc:picChg>
+      </pc:sldChg>
+      <pc:sldChg chg="modSp add">
+        <pc:chgData name="Dirk Biesinger" userId="983bfd176bd8b1a7" providerId="LiveId" clId="{087A0E22-3A33-49B8-A1EC-4A9ACFB0704C}" dt="2019-07-03T03:37:19.281" v="963" actId="255"/>
+        <pc:sldMkLst>
+          <pc:docMk/>
+          <pc:sldMk cId="3369315876" sldId="279"/>
+        </pc:sldMkLst>
+        <pc:spChg chg="mod">
+          <ac:chgData name="Dirk Biesinger" userId="983bfd176bd8b1a7" providerId="LiveId" clId="{087A0E22-3A33-49B8-A1EC-4A9ACFB0704C}" dt="2019-07-03T00:11:37.589" v="580" actId="20577"/>
+          <ac:spMkLst>
+            <pc:docMk/>
+            <pc:sldMk cId="3369315876" sldId="279"/>
+            <ac:spMk id="2" creationId="{B688C416-A8F4-4CF4-8327-CECA6A6DEB9E}"/>
+          </ac:spMkLst>
+        </pc:spChg>
+        <pc:spChg chg="mod">
+          <ac:chgData name="Dirk Biesinger" userId="983bfd176bd8b1a7" providerId="LiveId" clId="{087A0E22-3A33-49B8-A1EC-4A9ACFB0704C}" dt="2019-07-03T03:37:19.281" v="963" actId="255"/>
+          <ac:spMkLst>
+            <pc:docMk/>
+            <pc:sldMk cId="3369315876" sldId="279"/>
+            <ac:spMk id="3" creationId="{9C1124A4-B85C-4123-91A3-8F59E1B80C64}"/>
+          </ac:spMkLst>
+        </pc:spChg>
+      </pc:sldChg>
+      <pc:sldMasterChg chg="modSldLayout">
+        <pc:chgData name="Dirk Biesinger" userId="983bfd176bd8b1a7" providerId="LiveId" clId="{087A0E22-3A33-49B8-A1EC-4A9ACFB0704C}" dt="2019-07-03T04:47:00.504" v="1035" actId="20577"/>
         <pc:sldMasterMkLst>
           <pc:docMk/>
           <pc:sldMasterMk cId="2382474752" sldId="2147483648"/>
         </pc:sldMasterMkLst>
-        <pc:spChg chg="mod">
-          <ac:chgData name="Dirk Biesinger (HCL America Inc)" userId="20764644-2ac5-4ef0-92a4-c29f791506cf" providerId="ADAL" clId="{A8C04D21-7453-4CD4-96BC-F3933F631EB0}" dt="2018-06-07T15:49:07.823" v="9848" actId="122"/>
-          <ac:spMkLst>
-            <pc:docMk/>
-            <pc:sldMasterMk cId="2382474752" sldId="2147483648"/>
-            <ac:spMk id="4" creationId="{1CB40A3F-6079-4CC0-9606-3886D240EC3C}"/>
-          </ac:spMkLst>
-        </pc:spChg>
-        <pc:spChg chg="mod">
-          <ac:chgData name="Dirk Biesinger (HCL America Inc)" userId="20764644-2ac5-4ef0-92a4-c29f791506cf" providerId="ADAL" clId="{A8C04D21-7453-4CD4-96BC-F3933F631EB0}" dt="2018-06-07T15:48:54.655" v="9846" actId="1076"/>
-          <ac:spMkLst>
-            <pc:docMk/>
-            <pc:sldMasterMk cId="2382474752" sldId="2147483648"/>
-            <ac:spMk id="5" creationId="{3A0D357A-B23B-415D-91E3-A8D8BE11BC69}"/>
-          </ac:spMkLst>
-        </pc:spChg>
-        <pc:spChg chg="mod">
-          <ac:chgData name="Dirk Biesinger (HCL America Inc)" userId="20764644-2ac5-4ef0-92a4-c29f791506cf" providerId="ADAL" clId="{A8C04D21-7453-4CD4-96BC-F3933F631EB0}" dt="2018-06-07T15:55:45.482" v="9912" actId="20577"/>
-          <ac:spMkLst>
-            <pc:docMk/>
-            <pc:sldMasterMk cId="2382474752" sldId="2147483648"/>
-            <ac:spMk id="6" creationId="{36AB2863-0629-4FD1-90FC-C2B4818EFD2C}"/>
-          </ac:spMkLst>
-        </pc:spChg>
         <pc:sldLayoutChg chg="modSp">
-          <pc:chgData name="Dirk Biesinger (HCL America Inc)" userId="20764644-2ac5-4ef0-92a4-c29f791506cf" providerId="ADAL" clId="{A8C04D21-7453-4CD4-96BC-F3933F631EB0}" dt="2018-06-11T15:19:17.516" v="10397" actId="20577"/>
-          <pc:sldLayoutMkLst>
-            <pc:docMk/>
-            <pc:sldMasterMk cId="2382474752" sldId="2147483648"/>
-            <pc:sldLayoutMk cId="1265314983" sldId="2147483649"/>
-          </pc:sldLayoutMkLst>
-          <pc:spChg chg="mod">
-            <ac:chgData name="Dirk Biesinger (HCL America Inc)" userId="20764644-2ac5-4ef0-92a4-c29f791506cf" providerId="ADAL" clId="{A8C04D21-7453-4CD4-96BC-F3933F631EB0}" dt="2018-06-07T15:51:01.451" v="9861" actId="1076"/>
-            <ac:spMkLst>
-              <pc:docMk/>
-              <pc:sldMasterMk cId="2382474752" sldId="2147483648"/>
-              <pc:sldLayoutMk cId="1265314983" sldId="2147483649"/>
-              <ac:spMk id="4" creationId="{4326240B-0C45-4CE5-8167-4A45B3965EF1}"/>
-            </ac:spMkLst>
-          </pc:spChg>
-          <pc:spChg chg="mod">
-            <ac:chgData name="Dirk Biesinger (HCL America Inc)" userId="20764644-2ac5-4ef0-92a4-c29f791506cf" providerId="ADAL" clId="{A8C04D21-7453-4CD4-96BC-F3933F631EB0}" dt="2018-06-07T15:50:53.090" v="9859" actId="120"/>
-            <ac:spMkLst>
-              <pc:docMk/>
-              <pc:sldMasterMk cId="2382474752" sldId="2147483648"/>
-              <pc:sldLayoutMk cId="1265314983" sldId="2147483649"/>
-              <ac:spMk id="5" creationId="{9A0F820E-11A8-4D7C-953F-CF0D155397AB}"/>
-            </ac:spMkLst>
-          </pc:spChg>
-          <pc:spChg chg="mod">
-            <ac:chgData name="Dirk Biesinger (HCL America Inc)" userId="20764644-2ac5-4ef0-92a4-c29f791506cf" providerId="ADAL" clId="{A8C04D21-7453-4CD4-96BC-F3933F631EB0}" dt="2018-06-11T15:19:17.516" v="10397" actId="20577"/>
-            <ac:spMkLst>
-              <pc:docMk/>
-              <pc:sldMasterMk cId="2382474752" sldId="2147483648"/>
-              <pc:sldLayoutMk cId="1265314983" sldId="2147483649"/>
-              <ac:spMk id="6" creationId="{3D9C6319-0428-4216-B319-E78D255C4A89}"/>
-            </ac:spMkLst>
-          </pc:spChg>
-        </pc:sldLayoutChg>
-        <pc:sldLayoutChg chg="modSp">
-          <pc:chgData name="Dirk Biesinger (HCL America Inc)" userId="20764644-2ac5-4ef0-92a4-c29f791506cf" providerId="ADAL" clId="{A8C04D21-7453-4CD4-96BC-F3933F631EB0}" dt="2018-06-11T15:18:03.043" v="10389" actId="20577"/>
+          <pc:chgData name="Dirk Biesinger" userId="983bfd176bd8b1a7" providerId="LiveId" clId="{087A0E22-3A33-49B8-A1EC-4A9ACFB0704C}" dt="2019-07-03T04:47:00.504" v="1035" actId="20577"/>
           <pc:sldLayoutMkLst>
             <pc:docMk/>
             <pc:sldMasterMk cId="2382474752" sldId="2147483648"/>
             <pc:sldLayoutMk cId="844306412" sldId="2147483650"/>
           </pc:sldLayoutMkLst>
           <pc:spChg chg="mod">
-            <ac:chgData name="Dirk Biesinger (HCL America Inc)" userId="20764644-2ac5-4ef0-92a4-c29f791506cf" providerId="ADAL" clId="{A8C04D21-7453-4CD4-96BC-F3933F631EB0}" dt="2018-06-07T15:52:29.863" v="9870" actId="122"/>
-            <ac:spMkLst>
-              <pc:docMk/>
-              <pc:sldMasterMk cId="2382474752" sldId="2147483648"/>
-              <pc:sldLayoutMk cId="844306412" sldId="2147483650"/>
-              <ac:spMk id="4" creationId="{594ECBC4-BBA4-4D27-BACB-AA70530B2311}"/>
-            </ac:spMkLst>
-          </pc:spChg>
-          <pc:spChg chg="mod">
-            <ac:chgData name="Dirk Biesinger (HCL America Inc)" userId="20764644-2ac5-4ef0-92a4-c29f791506cf" providerId="ADAL" clId="{A8C04D21-7453-4CD4-96BC-F3933F631EB0}" dt="2018-06-07T15:52:25.480" v="9869" actId="120"/>
-            <ac:spMkLst>
-              <pc:docMk/>
-              <pc:sldMasterMk cId="2382474752" sldId="2147483648"/>
-              <pc:sldLayoutMk cId="844306412" sldId="2147483650"/>
-              <ac:spMk id="5" creationId="{699CB980-08DA-4B50-A1E0-199A315791A6}"/>
-            </ac:spMkLst>
-          </pc:spChg>
-          <pc:spChg chg="mod">
-            <ac:chgData name="Dirk Biesinger (HCL America Inc)" userId="20764644-2ac5-4ef0-92a4-c29f791506cf" providerId="ADAL" clId="{A8C04D21-7453-4CD4-96BC-F3933F631EB0}" dt="2018-06-11T15:18:03.043" v="10389" actId="20577"/>
+            <ac:chgData name="Dirk Biesinger" userId="983bfd176bd8b1a7" providerId="LiveId" clId="{087A0E22-3A33-49B8-A1EC-4A9ACFB0704C}" dt="2019-07-03T04:47:00.504" v="1035" actId="20577"/>
             <ac:spMkLst>
               <pc:docMk/>
               <pc:sldMasterMk cId="2382474752" sldId="2147483648"/>
@@ -861,113 +412,14 @@
             </ac:spMkLst>
           </pc:spChg>
         </pc:sldLayoutChg>
-        <pc:sldLayoutChg chg="modSp">
-          <pc:chgData name="Dirk Biesinger (HCL America Inc)" userId="20764644-2ac5-4ef0-92a4-c29f791506cf" providerId="ADAL" clId="{A8C04D21-7453-4CD4-96BC-F3933F631EB0}" dt="2018-06-11T15:18:08.264" v="10391" actId="20577"/>
-          <pc:sldLayoutMkLst>
-            <pc:docMk/>
-            <pc:sldMasterMk cId="2382474752" sldId="2147483648"/>
-            <pc:sldLayoutMk cId="1182563811" sldId="2147483651"/>
-          </pc:sldLayoutMkLst>
-          <pc:spChg chg="mod">
-            <ac:chgData name="Dirk Biesinger (HCL America Inc)" userId="20764644-2ac5-4ef0-92a4-c29f791506cf" providerId="ADAL" clId="{A8C04D21-7453-4CD4-96BC-F3933F631EB0}" dt="2018-06-07T15:53:18.537" v="9886" actId="122"/>
-            <ac:spMkLst>
-              <pc:docMk/>
-              <pc:sldMasterMk cId="2382474752" sldId="2147483648"/>
-              <pc:sldLayoutMk cId="1182563811" sldId="2147483651"/>
-              <ac:spMk id="4" creationId="{8B4C7D62-AF7D-4F5E-903F-EFDDEC591983}"/>
-            </ac:spMkLst>
-          </pc:spChg>
-          <pc:spChg chg="mod">
-            <ac:chgData name="Dirk Biesinger (HCL America Inc)" userId="20764644-2ac5-4ef0-92a4-c29f791506cf" providerId="ADAL" clId="{A8C04D21-7453-4CD4-96BC-F3933F631EB0}" dt="2018-06-07T15:53:14.892" v="9885" actId="120"/>
-            <ac:spMkLst>
-              <pc:docMk/>
-              <pc:sldMasterMk cId="2382474752" sldId="2147483648"/>
-              <pc:sldLayoutMk cId="1182563811" sldId="2147483651"/>
-              <ac:spMk id="5" creationId="{E55D3339-51EF-48A2-BA25-7DD83480AB70}"/>
-            </ac:spMkLst>
-          </pc:spChg>
-          <pc:spChg chg="mod">
-            <ac:chgData name="Dirk Biesinger (HCL America Inc)" userId="20764644-2ac5-4ef0-92a4-c29f791506cf" providerId="ADAL" clId="{A8C04D21-7453-4CD4-96BC-F3933F631EB0}" dt="2018-06-11T15:18:08.264" v="10391" actId="20577"/>
-            <ac:spMkLst>
-              <pc:docMk/>
-              <pc:sldMasterMk cId="2382474752" sldId="2147483648"/>
-              <pc:sldLayoutMk cId="1182563811" sldId="2147483651"/>
-              <ac:spMk id="6" creationId="{68A07338-273D-4E16-8CD5-5C8D7C969A6F}"/>
-            </ac:spMkLst>
-          </pc:spChg>
-        </pc:sldLayoutChg>
-        <pc:sldLayoutChg chg="modSp">
-          <pc:chgData name="Dirk Biesinger (HCL America Inc)" userId="20764644-2ac5-4ef0-92a4-c29f791506cf" providerId="ADAL" clId="{A8C04D21-7453-4CD4-96BC-F3933F631EB0}" dt="2018-06-11T15:18:15.538" v="10393" actId="20577"/>
-          <pc:sldLayoutMkLst>
-            <pc:docMk/>
-            <pc:sldMasterMk cId="2382474752" sldId="2147483648"/>
-            <pc:sldLayoutMk cId="3862828696" sldId="2147483654"/>
-          </pc:sldLayoutMkLst>
-          <pc:spChg chg="mod">
-            <ac:chgData name="Dirk Biesinger (HCL America Inc)" userId="20764644-2ac5-4ef0-92a4-c29f791506cf" providerId="ADAL" clId="{A8C04D21-7453-4CD4-96BC-F3933F631EB0}" dt="2018-06-07T15:53:37.434" v="9894" actId="122"/>
-            <ac:spMkLst>
-              <pc:docMk/>
-              <pc:sldMasterMk cId="2382474752" sldId="2147483648"/>
-              <pc:sldLayoutMk cId="3862828696" sldId="2147483654"/>
-              <ac:spMk id="3" creationId="{AE218D4B-5C5D-4E57-B7A8-D88B35B57C72}"/>
-            </ac:spMkLst>
-          </pc:spChg>
-          <pc:spChg chg="mod">
-            <ac:chgData name="Dirk Biesinger (HCL America Inc)" userId="20764644-2ac5-4ef0-92a4-c29f791506cf" providerId="ADAL" clId="{A8C04D21-7453-4CD4-96BC-F3933F631EB0}" dt="2018-06-07T15:53:33.715" v="9893" actId="120"/>
-            <ac:spMkLst>
-              <pc:docMk/>
-              <pc:sldMasterMk cId="2382474752" sldId="2147483648"/>
-              <pc:sldLayoutMk cId="3862828696" sldId="2147483654"/>
-              <ac:spMk id="4" creationId="{2B629B77-0404-42F1-BE19-39268F8E6E62}"/>
-            </ac:spMkLst>
-          </pc:spChg>
-          <pc:spChg chg="mod">
-            <ac:chgData name="Dirk Biesinger (HCL America Inc)" userId="20764644-2ac5-4ef0-92a4-c29f791506cf" providerId="ADAL" clId="{A8C04D21-7453-4CD4-96BC-F3933F631EB0}" dt="2018-06-11T15:18:15.538" v="10393" actId="20577"/>
-            <ac:spMkLst>
-              <pc:docMk/>
-              <pc:sldMasterMk cId="2382474752" sldId="2147483648"/>
-              <pc:sldLayoutMk cId="3862828696" sldId="2147483654"/>
-              <ac:spMk id="5" creationId="{83E4F57C-B77E-4299-9C8C-F4366EF8F4A7}"/>
-            </ac:spMkLst>
-          </pc:spChg>
-        </pc:sldLayoutChg>
-        <pc:sldLayoutChg chg="modSp">
-          <pc:chgData name="Dirk Biesinger (HCL America Inc)" userId="20764644-2ac5-4ef0-92a4-c29f791506cf" providerId="ADAL" clId="{A8C04D21-7453-4CD4-96BC-F3933F631EB0}" dt="2018-06-11T15:18:19.809" v="10395" actId="20577"/>
-          <pc:sldLayoutMkLst>
-            <pc:docMk/>
-            <pc:sldMasterMk cId="2382474752" sldId="2147483648"/>
-            <pc:sldLayoutMk cId="2249183358" sldId="2147483655"/>
-          </pc:sldLayoutMkLst>
-          <pc:spChg chg="mod">
-            <ac:chgData name="Dirk Biesinger (HCL America Inc)" userId="20764644-2ac5-4ef0-92a4-c29f791506cf" providerId="ADAL" clId="{A8C04D21-7453-4CD4-96BC-F3933F631EB0}" dt="2018-06-07T15:54:18.671" v="9902" actId="122"/>
-            <ac:spMkLst>
-              <pc:docMk/>
-              <pc:sldMasterMk cId="2382474752" sldId="2147483648"/>
-              <pc:sldLayoutMk cId="2249183358" sldId="2147483655"/>
-              <ac:spMk id="2" creationId="{E6DB4043-D016-4C2B-8A83-43130A32C4CB}"/>
-            </ac:spMkLst>
-          </pc:spChg>
-          <pc:spChg chg="mod">
-            <ac:chgData name="Dirk Biesinger (HCL America Inc)" userId="20764644-2ac5-4ef0-92a4-c29f791506cf" providerId="ADAL" clId="{A8C04D21-7453-4CD4-96BC-F3933F631EB0}" dt="2018-06-07T15:54:15.459" v="9901" actId="120"/>
-            <ac:spMkLst>
-              <pc:docMk/>
-              <pc:sldMasterMk cId="2382474752" sldId="2147483648"/>
-              <pc:sldLayoutMk cId="2249183358" sldId="2147483655"/>
-              <ac:spMk id="3" creationId="{18B96DB4-B7F8-4D04-AB5C-A50F64ED0ED7}"/>
-            </ac:spMkLst>
-          </pc:spChg>
-          <pc:spChg chg="mod">
-            <ac:chgData name="Dirk Biesinger (HCL America Inc)" userId="20764644-2ac5-4ef0-92a4-c29f791506cf" providerId="ADAL" clId="{A8C04D21-7453-4CD4-96BC-F3933F631EB0}" dt="2018-06-11T15:18:19.809" v="10395" actId="20577"/>
-            <ac:spMkLst>
-              <pc:docMk/>
-              <pc:sldMasterMk cId="2382474752" sldId="2147483648"/>
-              <pc:sldLayoutMk cId="2249183358" sldId="2147483655"/>
-              <ac:spMk id="4" creationId="{CFD92BC4-A43C-42E9-B516-48EDAFCADEE6}"/>
-            </ac:spMkLst>
-          </pc:spChg>
-        </pc:sldLayoutChg>
       </pc:sldMasterChg>
     </pc:docChg>
+  </pc:docChgLst>
+  <pc:docChgLst>
+    <pc:chgData name="Dirk Biesinger (HCL America Inc)" userId="20764644-2ac5-4ef0-92a4-c29f791506cf" providerId="ADAL" clId="{C0CFA6E2-4978-46AC-90E9-1B5398B4B9E2}"/>
+  </pc:docChgLst>
+  <pc:docChgLst>
+    <pc:chgData name="Dirk Biesinger (HCL America Inc)" userId="20764644-2ac5-4ef0-92a4-c29f791506cf" providerId="ADAL" clId="{A8C04D21-7453-4CD4-96BC-F3933F631EB0}"/>
   </pc:docChgLst>
 </pc:chgInfo>
 </file>
@@ -1054,7 +506,7 @@
           <a:p>
             <a:fld id="{2074EC4D-2815-4148-B417-C287FEEA2393}" type="datetimeFigureOut">
               <a:rPr lang="en-US" smtClean="0"/>
-              <a:t>2018-06-13</a:t>
+              <a:t>04-Jul-19</a:t>
             </a:fld>
             <a:endParaRPr lang="en-US"/>
           </a:p>
@@ -1365,7 +817,7 @@
           <a:bodyPr/>
           <a:lstStyle/>
           <a:p>
-            <a:endParaRPr lang="en-US"/>
+            <a:endParaRPr lang="en-US" dirty="0"/>
           </a:p>
         </p:txBody>
       </p:sp>
@@ -1388,7 +840,7 @@
               <a:rPr lang="en-US" smtClean="0"/>
               <a:t>1</a:t>
             </a:fld>
-            <a:endParaRPr lang="en-US"/>
+            <a:endParaRPr lang="en-US" dirty="0"/>
           </a:p>
         </p:txBody>
       </p:sp>
@@ -1638,7 +1090,175 @@
           <a:p>
             <a:fld id="{977787DF-3530-4025-8E03-293560D56FE9}" type="slidenum">
               <a:rPr lang="en-US" smtClean="0"/>
-              <a:t>21</a:t>
+              <a:t>4</a:t>
+            </a:fld>
+            <a:endParaRPr lang="en-US"/>
+          </a:p>
+        </p:txBody>
+      </p:sp>
+    </p:spTree>
+    <p:extLst>
+      <p:ext uri="{BB962C8B-B14F-4D97-AF65-F5344CB8AC3E}">
+        <p14:creationId xmlns:p14="http://schemas.microsoft.com/office/powerpoint/2010/main" val="3756824037"/>
+      </p:ext>
+    </p:extLst>
+  </p:cSld>
+  <p:clrMapOvr>
+    <a:masterClrMapping/>
+  </p:clrMapOvr>
+</p:notes>
+</file>
+
+<file path=ppt/notesSlides/notesSlide5.xml><?xml version="1.0" encoding="utf-8"?>
+<p:notes xmlns:a="http://schemas.openxmlformats.org/drawingml/2006/main" xmlns:r="http://schemas.openxmlformats.org/officeDocument/2006/relationships" xmlns:p="http://schemas.openxmlformats.org/presentationml/2006/main">
+  <p:cSld>
+    <p:spTree>
+      <p:nvGrpSpPr>
+        <p:cNvPr id="1" name=""/>
+        <p:cNvGrpSpPr/>
+        <p:nvPr/>
+      </p:nvGrpSpPr>
+      <p:grpSpPr>
+        <a:xfrm>
+          <a:off x="0" y="0"/>
+          <a:ext cx="0" cy="0"/>
+          <a:chOff x="0" y="0"/>
+          <a:chExt cx="0" cy="0"/>
+        </a:xfrm>
+      </p:grpSpPr>
+      <p:sp>
+        <p:nvSpPr>
+          <p:cNvPr id="2" name="Slide Image Placeholder 1"/>
+          <p:cNvSpPr>
+            <a:spLocks noGrp="1" noRot="1" noChangeAspect="1"/>
+          </p:cNvSpPr>
+          <p:nvPr>
+            <p:ph type="sldImg"/>
+          </p:nvPr>
+        </p:nvSpPr>
+        <p:spPr/>
+      </p:sp>
+      <p:sp>
+        <p:nvSpPr>
+          <p:cNvPr id="3" name="Notes Placeholder 2"/>
+          <p:cNvSpPr>
+            <a:spLocks noGrp="1"/>
+          </p:cNvSpPr>
+          <p:nvPr>
+            <p:ph type="body" idx="1"/>
+          </p:nvPr>
+        </p:nvSpPr>
+        <p:spPr/>
+        <p:txBody>
+          <a:bodyPr/>
+          <a:lstStyle/>
+          <a:p>
+            <a:endParaRPr lang="en-US"/>
+          </a:p>
+        </p:txBody>
+      </p:sp>
+      <p:sp>
+        <p:nvSpPr>
+          <p:cNvPr id="4" name="Slide Number Placeholder 3"/>
+          <p:cNvSpPr>
+            <a:spLocks noGrp="1"/>
+          </p:cNvSpPr>
+          <p:nvPr>
+            <p:ph type="sldNum" sz="quarter" idx="10"/>
+          </p:nvPr>
+        </p:nvSpPr>
+        <p:spPr/>
+        <p:txBody>
+          <a:bodyPr/>
+          <a:lstStyle/>
+          <a:p>
+            <a:fld id="{977787DF-3530-4025-8E03-293560D56FE9}" type="slidenum">
+              <a:rPr lang="en-US" smtClean="0"/>
+              <a:t>5</a:t>
+            </a:fld>
+            <a:endParaRPr lang="en-US"/>
+          </a:p>
+        </p:txBody>
+      </p:sp>
+    </p:spTree>
+    <p:extLst>
+      <p:ext uri="{BB962C8B-B14F-4D97-AF65-F5344CB8AC3E}">
+        <p14:creationId xmlns:p14="http://schemas.microsoft.com/office/powerpoint/2010/main" val="1217287550"/>
+      </p:ext>
+    </p:extLst>
+  </p:cSld>
+  <p:clrMapOvr>
+    <a:masterClrMapping/>
+  </p:clrMapOvr>
+</p:notes>
+</file>
+
+<file path=ppt/notesSlides/notesSlide6.xml><?xml version="1.0" encoding="utf-8"?>
+<p:notes xmlns:a="http://schemas.openxmlformats.org/drawingml/2006/main" xmlns:r="http://schemas.openxmlformats.org/officeDocument/2006/relationships" xmlns:p="http://schemas.openxmlformats.org/presentationml/2006/main">
+  <p:cSld>
+    <p:spTree>
+      <p:nvGrpSpPr>
+        <p:cNvPr id="1" name=""/>
+        <p:cNvGrpSpPr/>
+        <p:nvPr/>
+      </p:nvGrpSpPr>
+      <p:grpSpPr>
+        <a:xfrm>
+          <a:off x="0" y="0"/>
+          <a:ext cx="0" cy="0"/>
+          <a:chOff x="0" y="0"/>
+          <a:chExt cx="0" cy="0"/>
+        </a:xfrm>
+      </p:grpSpPr>
+      <p:sp>
+        <p:nvSpPr>
+          <p:cNvPr id="2" name="Slide Image Placeholder 1"/>
+          <p:cNvSpPr>
+            <a:spLocks noGrp="1" noRot="1" noChangeAspect="1"/>
+          </p:cNvSpPr>
+          <p:nvPr>
+            <p:ph type="sldImg"/>
+          </p:nvPr>
+        </p:nvSpPr>
+        <p:spPr/>
+      </p:sp>
+      <p:sp>
+        <p:nvSpPr>
+          <p:cNvPr id="3" name="Notes Placeholder 2"/>
+          <p:cNvSpPr>
+            <a:spLocks noGrp="1"/>
+          </p:cNvSpPr>
+          <p:nvPr>
+            <p:ph type="body" idx="1"/>
+          </p:nvPr>
+        </p:nvSpPr>
+        <p:spPr/>
+        <p:txBody>
+          <a:bodyPr/>
+          <a:lstStyle/>
+          <a:p>
+            <a:endParaRPr lang="en-US"/>
+          </a:p>
+        </p:txBody>
+      </p:sp>
+      <p:sp>
+        <p:nvSpPr>
+          <p:cNvPr id="4" name="Slide Number Placeholder 3"/>
+          <p:cNvSpPr>
+            <a:spLocks noGrp="1"/>
+          </p:cNvSpPr>
+          <p:nvPr>
+            <p:ph type="sldNum" sz="quarter" idx="10"/>
+          </p:nvPr>
+        </p:nvSpPr>
+        <p:spPr/>
+        <p:txBody>
+          <a:bodyPr/>
+          <a:lstStyle/>
+          <a:p>
+            <a:fld id="{977787DF-3530-4025-8E03-293560D56FE9}" type="slidenum">
+              <a:rPr lang="en-US" smtClean="0"/>
+              <a:t>23</a:t>
             </a:fld>
             <a:endParaRPr lang="en-US"/>
           </a:p>
@@ -1813,7 +1433,7 @@
           <a:p>
             <a:fld id="{7B90E4D5-86EF-4440-8D58-5D468965D52E}" type="datetime1">
               <a:rPr lang="en-US" smtClean="0"/>
-              <a:t>2018-06-13</a:t>
+              <a:t>04-Jul-19</a:t>
             </a:fld>
             <a:endParaRPr lang="en-US" dirty="0"/>
           </a:p>
@@ -2029,7 +1649,7 @@
           <a:p>
             <a:fld id="{58656791-5461-4712-9AA9-08D7D5A7B5CF}" type="datetime1">
               <a:rPr lang="en-US" smtClean="0"/>
-              <a:t>2018-06-13</a:t>
+              <a:t>04-Jul-19</a:t>
             </a:fld>
             <a:endParaRPr lang="en-US"/>
           </a:p>
@@ -2240,7 +1860,7 @@
           <a:p>
             <a:fld id="{B443F1B2-5569-4056-84F1-18B2AEB7F3D6}" type="datetime1">
               <a:rPr lang="en-US" smtClean="0"/>
-              <a:t>2018-06-13</a:t>
+              <a:t>04-Jul-19</a:t>
             </a:fld>
             <a:endParaRPr lang="en-US"/>
           </a:p>
@@ -2445,7 +2065,7 @@
           <a:p>
             <a:fld id="{1B1F30EA-4695-4D00-BE1D-23E8656E7573}" type="datetime1">
               <a:rPr lang="en-US" smtClean="0"/>
-              <a:t>2018-06-13</a:t>
+              <a:t>04-Jul-19</a:t>
             </a:fld>
             <a:endParaRPr lang="en-US" dirty="0"/>
           </a:p>
@@ -2508,7 +2128,7 @@
             </a:fld>
             <a:r>
               <a:rPr lang="en-US" dirty="0"/>
-              <a:t> of 21</a:t>
+              <a:t> of 23</a:t>
             </a:r>
           </a:p>
         </p:txBody>
@@ -2732,7 +2352,7 @@
           <a:p>
             <a:fld id="{2AE5A791-F0AE-44A0-B048-DF3507E9C6D1}" type="datetime1">
               <a:rPr lang="en-US" smtClean="0"/>
-              <a:t>2018-06-13</a:t>
+              <a:t>04-Jul-19</a:t>
             </a:fld>
             <a:endParaRPr lang="en-US" dirty="0"/>
           </a:p>
@@ -3005,7 +2625,7 @@
           <a:p>
             <a:fld id="{CC36079C-2FF5-4218-99C4-27A8D2BF49D0}" type="datetime1">
               <a:rPr lang="en-US" smtClean="0"/>
-              <a:t>2018-06-13</a:t>
+              <a:t>04-Jul-19</a:t>
             </a:fld>
             <a:endParaRPr lang="en-US"/>
           </a:p>
@@ -3420,7 +3040,7 @@
           <a:p>
             <a:fld id="{9DA66DC7-8C53-4F90-862A-19CFAA006DBC}" type="datetime1">
               <a:rPr lang="en-US" smtClean="0"/>
-              <a:t>2018-06-13</a:t>
+              <a:t>04-Jul-19</a:t>
             </a:fld>
             <a:endParaRPr lang="en-US"/>
           </a:p>
@@ -3568,7 +3188,7 @@
           <a:p>
             <a:fld id="{1DBF42B2-531D-40C1-A9F9-69555AF759B9}" type="datetime1">
               <a:rPr lang="en-US" smtClean="0"/>
-              <a:t>2018-06-13</a:t>
+              <a:t>04-Jul-19</a:t>
             </a:fld>
             <a:endParaRPr lang="en-US" dirty="0"/>
           </a:p>
@@ -3693,7 +3313,7 @@
           <a:p>
             <a:fld id="{CC59D08B-9C8E-4FF4-9C6E-66930740B30E}" type="datetime1">
               <a:rPr lang="en-US" smtClean="0"/>
-              <a:t>2018-06-13</a:t>
+              <a:t>04-Jul-19</a:t>
             </a:fld>
             <a:endParaRPr lang="en-US" dirty="0"/>
           </a:p>
@@ -4012,7 +3632,7 @@
           <a:p>
             <a:fld id="{A1AFEB64-5C0D-42CF-AA42-AB020FA12946}" type="datetime1">
               <a:rPr lang="en-US" smtClean="0"/>
-              <a:t>2018-06-13</a:t>
+              <a:t>04-Jul-19</a:t>
             </a:fld>
             <a:endParaRPr lang="en-US"/>
           </a:p>
@@ -4303,7 +3923,7 @@
           <a:p>
             <a:fld id="{E61A6DD9-FD8E-468A-B648-D95AF660D2EC}" type="datetime1">
               <a:rPr lang="en-US" smtClean="0"/>
-              <a:t>2018-06-13</a:t>
+              <a:t>04-Jul-19</a:t>
             </a:fld>
             <a:endParaRPr lang="en-US"/>
           </a:p>
@@ -4548,7 +4168,7 @@
             <a:pPr algn="ctr"/>
             <a:fld id="{AC737F3C-74C2-4430-8644-4CBFBB0A2C8D}" type="datetime1">
               <a:rPr lang="en-US" smtClean="0"/>
-              <a:t>2018-06-13</a:t>
+              <a:t>04-Jul-19</a:t>
             </a:fld>
             <a:endParaRPr lang="en-US" dirty="0"/>
           </a:p>
@@ -4990,21 +4610,42 @@
             <p:ph type="ctrTitle"/>
           </p:nvPr>
         </p:nvSpPr>
-        <p:spPr/>
-        <p:txBody>
-          <a:bodyPr/>
-          <a:lstStyle/>
-          <a:p>
-            <a:r>
-              <a:rPr lang="en-US" dirty="0"/>
-              <a:t>The Art of Feature</a:t>
+        <p:spPr>
+          <a:xfrm>
+            <a:off x="1524000" y="2007573"/>
+            <a:ext cx="9144000" cy="2387600"/>
+          </a:xfrm>
+        </p:spPr>
+        <p:txBody>
+          <a:bodyPr>
+            <a:normAutofit fontScale="90000"/>
+          </a:bodyPr>
+          <a:lstStyle/>
+          <a:p>
+            <a:r>
+              <a:rPr lang="en-US" dirty="0"/>
+              <a:t>The Art of</a:t>
             </a:r>
             <a:br>
               <a:rPr lang="en-US" dirty="0"/>
             </a:br>
             <a:r>
               <a:rPr lang="en-US" dirty="0"/>
-              <a:t>Selection and Engineering</a:t>
+              <a:t>Feature Selection</a:t>
+            </a:r>
+            <a:br>
+              <a:rPr lang="en-US" dirty="0"/>
+            </a:br>
+            <a:r>
+              <a:rPr lang="en-US" dirty="0"/>
+              <a:t>and</a:t>
+            </a:r>
+            <a:br>
+              <a:rPr lang="en-US" dirty="0"/>
+            </a:br>
+            <a:r>
+              <a:rPr lang="en-US" dirty="0"/>
+              <a:t>Feature Engineering</a:t>
             </a:r>
           </a:p>
         </p:txBody>
@@ -5025,16 +4666,20 @@
             <p:ph type="subTitle" idx="1"/>
           </p:nvPr>
         </p:nvSpPr>
-        <p:spPr/>
-        <p:txBody>
-          <a:bodyPr/>
-          <a:lstStyle/>
-          <a:p>
-            <a:r>
-              <a:rPr lang="en-US"/>
+        <p:spPr>
+          <a:xfrm>
+            <a:off x="1517342" y="4858362"/>
+            <a:ext cx="9144000" cy="1655762"/>
+          </a:xfrm>
+        </p:spPr>
+        <p:txBody>
+          <a:bodyPr/>
+          <a:lstStyle/>
+          <a:p>
+            <a:r>
+              <a:rPr lang="en-US" dirty="0"/>
               <a:t>And why it Matters</a:t>
             </a:r>
-            <a:endParaRPr lang="en-US" dirty="0"/>
           </a:p>
         </p:txBody>
       </p:sp>
@@ -5061,10 +4706,9 @@
           <a:p>
             <a:pPr algn="l"/>
             <a:r>
-              <a:rPr lang="en-US"/>
+              <a:rPr lang="en-US" dirty="0"/>
               <a:t>prepared by: Dirk Biesinger</a:t>
             </a:r>
-            <a:endParaRPr lang="en-US" dirty="0"/>
           </a:p>
         </p:txBody>
       </p:sp>
@@ -5095,10 +4739,9 @@
               <a:t>1</a:t>
             </a:fld>
             <a:r>
-              <a:rPr lang="en-US"/>
-              <a:t> of 21</a:t>
-            </a:r>
-            <a:endParaRPr lang="en-US" dirty="0"/>
+              <a:rPr lang="en-US" dirty="0"/>
+              <a:t> of 23</a:t>
+            </a:r>
           </a:p>
         </p:txBody>
       </p:sp>
@@ -5137,7 +4780,7 @@
           <p:cNvPr id="2" name="Title 1">
             <a:extLst>
               <a:ext uri="{FF2B5EF4-FFF2-40B4-BE49-F238E27FC236}">
-                <a16:creationId xmlns:a16="http://schemas.microsoft.com/office/drawing/2014/main" id="{113289F2-4662-4107-9852-F921984E2309}"/>
+                <a16:creationId xmlns:a16="http://schemas.microsoft.com/office/drawing/2014/main" id="{D96264AC-3A40-4FF1-A9A5-A293BF53C39B}"/>
               </a:ext>
             </a:extLst>
           </p:cNvPr>
@@ -5155,7 +4798,7 @@
           <a:p>
             <a:r>
               <a:rPr lang="en-US" dirty="0"/>
-              <a:t>Feature Selection. Demo Notebook</a:t>
+              <a:t>Feature Selection. How?</a:t>
             </a:r>
           </a:p>
         </p:txBody>
@@ -5165,7 +4808,7 @@
           <p:cNvPr id="3" name="Content Placeholder 2">
             <a:extLst>
               <a:ext uri="{FF2B5EF4-FFF2-40B4-BE49-F238E27FC236}">
-                <a16:creationId xmlns:a16="http://schemas.microsoft.com/office/drawing/2014/main" id="{DDC0F02C-B352-458A-8787-2ED37963060D}"/>
+                <a16:creationId xmlns:a16="http://schemas.microsoft.com/office/drawing/2014/main" id="{5E9C271B-1BD0-4931-8D7E-A2B3A23C9910}"/>
               </a:ext>
             </a:extLst>
           </p:cNvPr>
@@ -5178,10 +4821,27 @@
         </p:nvSpPr>
         <p:spPr/>
         <p:txBody>
-          <a:bodyPr/>
-          <a:lstStyle/>
-          <a:p>
-            <a:endParaRPr lang="en-US" dirty="0"/>
+          <a:bodyPr>
+            <a:normAutofit lnSpcReduction="10000"/>
+          </a:bodyPr>
+          <a:lstStyle/>
+          <a:p>
+            <a:r>
+              <a:rPr lang="en-US" dirty="0"/>
+              <a:t>One method is to add one feature out of all not included features at a time and evaluate which one results in the biggest improvement. Repeat until no further improvement can be achieved. (Forward Selection)</a:t>
+            </a:r>
+          </a:p>
+          <a:p>
+            <a:r>
+              <a:rPr lang="en-US" dirty="0"/>
+              <a:t>One method is to subtract one feature out of all remaining features at a time and evaluate which one results in no or the least reduction in the result. Repeat until no feature can be removed without effecting the results. (Backward Elimination)</a:t>
+            </a:r>
+          </a:p>
+          <a:p>
+            <a:r>
+              <a:rPr lang="en-US" dirty="0"/>
+              <a:t>Both these approaches have the negative effect of being effected by the actual data (overfitting), the sequence (of adding / subtracting features), the evaluation method used and the remainder of features.</a:t>
+            </a:r>
           </a:p>
         </p:txBody>
       </p:sp>
@@ -5190,7 +4850,7 @@
           <p:cNvPr id="7" name="Footer Placeholder 6">
             <a:extLst>
               <a:ext uri="{FF2B5EF4-FFF2-40B4-BE49-F238E27FC236}">
-                <a16:creationId xmlns:a16="http://schemas.microsoft.com/office/drawing/2014/main" id="{6A5A7423-07E9-4382-9EC9-B2240AD9A47D}"/>
+                <a16:creationId xmlns:a16="http://schemas.microsoft.com/office/drawing/2014/main" id="{76E1F9B4-0FDC-4CBC-AC0F-2FBE2B582C14}"/>
               </a:ext>
             </a:extLst>
           </p:cNvPr>
@@ -5220,7 +4880,7 @@
           <p:cNvPr id="4" name="Slide Number Placeholder 3">
             <a:extLst>
               <a:ext uri="{FF2B5EF4-FFF2-40B4-BE49-F238E27FC236}">
-                <a16:creationId xmlns:a16="http://schemas.microsoft.com/office/drawing/2014/main" id="{4F0979DE-8A17-4324-9A90-8D482A362AE6}"/>
+                <a16:creationId xmlns:a16="http://schemas.microsoft.com/office/drawing/2014/main" id="{E1D6DC68-8385-4F03-AB8E-0F3B40B0155C}"/>
               </a:ext>
             </a:extLst>
           </p:cNvPr>
@@ -5242,17 +4902,16 @@
               <a:t>10</a:t>
             </a:fld>
             <a:r>
-              <a:rPr lang="en-US"/>
+              <a:rPr lang="en-US" dirty="0"/>
               <a:t> of 21</a:t>
             </a:r>
-            <a:endParaRPr lang="en-US" dirty="0"/>
           </a:p>
         </p:txBody>
       </p:sp>
     </p:spTree>
     <p:extLst>
       <p:ext uri="{BB962C8B-B14F-4D97-AF65-F5344CB8AC3E}">
-        <p14:creationId xmlns:p14="http://schemas.microsoft.com/office/powerpoint/2010/main" val="4276425096"/>
+        <p14:creationId xmlns:p14="http://schemas.microsoft.com/office/powerpoint/2010/main" val="266234623"/>
       </p:ext>
     </p:extLst>
   </p:cSld>
@@ -5284,7 +4943,7 @@
           <p:cNvPr id="2" name="Title 1">
             <a:extLst>
               <a:ext uri="{FF2B5EF4-FFF2-40B4-BE49-F238E27FC236}">
-                <a16:creationId xmlns:a16="http://schemas.microsoft.com/office/drawing/2014/main" id="{12668CCD-BA06-457F-A476-8D93B9393402}"/>
+                <a16:creationId xmlns:a16="http://schemas.microsoft.com/office/drawing/2014/main" id="{679E6DE1-93D3-48E9-A7E0-AE080C72C156}"/>
               </a:ext>
             </a:extLst>
           </p:cNvPr>
@@ -5302,7 +4961,7 @@
           <a:p>
             <a:r>
               <a:rPr lang="en-US" dirty="0"/>
-              <a:t>Feature Selection. The Results:</a:t>
+              <a:t>Feature Selection. Then How?</a:t>
             </a:r>
           </a:p>
         </p:txBody>
@@ -5312,7 +4971,7 @@
           <p:cNvPr id="3" name="Content Placeholder 2">
             <a:extLst>
               <a:ext uri="{FF2B5EF4-FFF2-40B4-BE49-F238E27FC236}">
-                <a16:creationId xmlns:a16="http://schemas.microsoft.com/office/drawing/2014/main" id="{5C1A2AD6-DD9A-41E7-95BA-3995BF0D9367}"/>
+                <a16:creationId xmlns:a16="http://schemas.microsoft.com/office/drawing/2014/main" id="{E63B6A77-4557-4FD8-ABCF-AC9C9F2EB412}"/>
               </a:ext>
             </a:extLst>
           </p:cNvPr>
@@ -5325,86 +4984,41 @@
         </p:nvSpPr>
         <p:spPr/>
         <p:txBody>
-          <a:bodyPr>
-            <a:normAutofit fontScale="92500"/>
-          </a:bodyPr>
-          <a:lstStyle/>
-          <a:p>
-            <a:pPr marL="0" indent="0">
-              <a:buNone/>
-            </a:pPr>
-            <a:r>
-              <a:rPr lang="en-US" sz="2200" i="1" dirty="0"/>
-              <a:t>Using MCC as evaluation metric</a:t>
-            </a:r>
-          </a:p>
-          <a:p>
-            <a:r>
-              <a:rPr lang="en-US" sz="2400" dirty="0"/>
-              <a:t>Naïve approach: (using all data and default models): Best: 0.51 in 45 sec.</a:t>
-            </a:r>
-          </a:p>
-          <a:p>
-            <a:r>
-              <a:rPr lang="en-US" sz="2400" dirty="0"/>
-              <a:t>Brute Force: (all data, parameter tuning in models): Best 0.72 in 99 hrs. (4 days, 3hrs.)</a:t>
-            </a:r>
-          </a:p>
-          <a:p>
-            <a:r>
-              <a:rPr lang="en-US" sz="2400" dirty="0"/>
-              <a:t>Univariant Feature Selection: (selective data and default models): Best 0.63, in &lt; 10 sec.</a:t>
-            </a:r>
-          </a:p>
-          <a:p>
-            <a:r>
-              <a:rPr lang="en-US" sz="2400" dirty="0"/>
-              <a:t>Recursive Feature Elimination: (reducing data and default models): Best 0.61, in &lt; 15 sec.</a:t>
-            </a:r>
-          </a:p>
-          <a:p>
-            <a:r>
-              <a:rPr lang="en-US" sz="2400" dirty="0"/>
-              <a:t>Dimensionality Reduction: (modified data and default models): Best 0.55, in &lt; 10 sec.</a:t>
-            </a:r>
-          </a:p>
-          <a:p>
-            <a:r>
-              <a:rPr lang="en-US" sz="2400" dirty="0"/>
-              <a:t>Selecting important features: (selective data and defaults models): Best 0.60, in &lt; 10 sec.</a:t>
-            </a:r>
-          </a:p>
-          <a:p>
-            <a:r>
-              <a:rPr lang="en-US" sz="2400" dirty="0"/>
-              <a:t>Feature Selection</a:t>
-            </a:r>
-            <a:r>
-              <a:rPr lang="en-US" sz="2400" dirty="0">
-                <a:sym typeface="Wingdings" panose="05000000000000000000" pitchFamily="2" charset="2"/>
-              </a:rPr>
-              <a:t>: (only selection of data and default models): Best 0.77, in &lt; 2 min.</a:t>
-            </a:r>
-          </a:p>
-          <a:p>
-            <a:pPr marL="0" indent="0">
-              <a:buNone/>
-            </a:pPr>
-            <a:endParaRPr lang="en-US" sz="2400" dirty="0">
-              <a:sym typeface="Wingdings" panose="05000000000000000000" pitchFamily="2" charset="2"/>
-            </a:endParaRPr>
-          </a:p>
-          <a:p>
-            <a:pPr marL="0" indent="0">
-              <a:buNone/>
-            </a:pPr>
-            <a:r>
-              <a:rPr lang="en-US" sz="1700" dirty="0">
-                <a:sym typeface="Wingdings" panose="05000000000000000000" pitchFamily="2" charset="2"/>
-              </a:rPr>
-              <a:t>Note: only deviation from default model is setting a random state for reproducibility and fair comparison</a:t>
-            </a:r>
-            <a:endParaRPr lang="en-US" sz="1700" dirty="0"/>
+          <a:bodyPr/>
+          <a:lstStyle/>
+          <a:p>
+            <a:r>
+              <a:rPr lang="en-US" dirty="0"/>
+              <a:t>One method evaluates each feature against itself:</a:t>
+            </a:r>
+          </a:p>
+          <a:p>
+            <a:pPr lvl="1"/>
+            <a:r>
+              <a:rPr lang="en-US" dirty="0"/>
+              <a:t>The feature to be evaluated is being copied as additional (shadow) feature into the same dataset.</a:t>
+            </a:r>
+          </a:p>
+          <a:p>
+            <a:pPr lvl="1"/>
+            <a:r>
+              <a:rPr lang="en-US" dirty="0"/>
+              <a:t>The sequence of the values in this feature gets randomized.</a:t>
+            </a:r>
+          </a:p>
+          <a:p>
+            <a:pPr lvl="1"/>
+            <a:r>
+              <a:rPr lang="en-US" dirty="0"/>
+              <a:t>The importance of the original feature and the shadow feature gets evaluated after several model runs. If the shadow feature has a higher or equal importance then the original feature, the original feature does not add value.</a:t>
+            </a:r>
+          </a:p>
+          <a:p>
+            <a:pPr lvl="1"/>
+            <a:r>
+              <a:rPr lang="en-US" dirty="0"/>
+              <a:t>Repeat for each feature.</a:t>
+            </a:r>
           </a:p>
         </p:txBody>
       </p:sp>
@@ -5413,7 +5027,7 @@
           <p:cNvPr id="7" name="Footer Placeholder 6">
             <a:extLst>
               <a:ext uri="{FF2B5EF4-FFF2-40B4-BE49-F238E27FC236}">
-                <a16:creationId xmlns:a16="http://schemas.microsoft.com/office/drawing/2014/main" id="{84C26678-4908-452A-929E-995350FA16E3}"/>
+                <a16:creationId xmlns:a16="http://schemas.microsoft.com/office/drawing/2014/main" id="{D30276A4-2DE9-4A9F-9C16-96D1BD470FE5}"/>
               </a:ext>
             </a:extLst>
           </p:cNvPr>
@@ -5443,7 +5057,7 @@
           <p:cNvPr id="4" name="Slide Number Placeholder 3">
             <a:extLst>
               <a:ext uri="{FF2B5EF4-FFF2-40B4-BE49-F238E27FC236}">
-                <a16:creationId xmlns:a16="http://schemas.microsoft.com/office/drawing/2014/main" id="{31CA6A1C-E708-476E-8E0B-51AC4F783A2B}"/>
+                <a16:creationId xmlns:a16="http://schemas.microsoft.com/office/drawing/2014/main" id="{C068AB98-5255-4525-8B59-914FFA67B25A}"/>
               </a:ext>
             </a:extLst>
           </p:cNvPr>
@@ -5475,7 +5089,7 @@
     </p:spTree>
     <p:extLst>
       <p:ext uri="{BB962C8B-B14F-4D97-AF65-F5344CB8AC3E}">
-        <p14:creationId xmlns:p14="http://schemas.microsoft.com/office/powerpoint/2010/main" val="180858494"/>
+        <p14:creationId xmlns:p14="http://schemas.microsoft.com/office/powerpoint/2010/main" val="2156862039"/>
       </p:ext>
     </p:extLst>
   </p:cSld>
@@ -5507,7 +5121,7 @@
           <p:cNvPr id="2" name="Title 1">
             <a:extLst>
               <a:ext uri="{FF2B5EF4-FFF2-40B4-BE49-F238E27FC236}">
-                <a16:creationId xmlns:a16="http://schemas.microsoft.com/office/drawing/2014/main" id="{05192F71-B3BE-4AC1-8383-5C4904E7D51A}"/>
+                <a16:creationId xmlns:a16="http://schemas.microsoft.com/office/drawing/2014/main" id="{113289F2-4662-4107-9852-F921984E2309}"/>
               </a:ext>
             </a:extLst>
           </p:cNvPr>
@@ -5525,7 +5139,7 @@
           <a:p>
             <a:r>
               <a:rPr lang="en-US" dirty="0"/>
-              <a:t>Feature Engineering. Why?</a:t>
+              <a:t>Feature Selection. Demo Notebook</a:t>
             </a:r>
           </a:p>
         </p:txBody>
@@ -5535,7 +5149,7 @@
           <p:cNvPr id="3" name="Content Placeholder 2">
             <a:extLst>
               <a:ext uri="{FF2B5EF4-FFF2-40B4-BE49-F238E27FC236}">
-                <a16:creationId xmlns:a16="http://schemas.microsoft.com/office/drawing/2014/main" id="{DBCDD311-0D21-452C-9AA9-18B5E9344818}"/>
+                <a16:creationId xmlns:a16="http://schemas.microsoft.com/office/drawing/2014/main" id="{DDC0F02C-B352-458A-8787-2ED37963060D}"/>
               </a:ext>
             </a:extLst>
           </p:cNvPr>
@@ -5551,64 +5165,7 @@
           <a:bodyPr/>
           <a:lstStyle/>
           <a:p>
-            <a:pPr>
-              <a:buFontTx/>
-              <a:buChar char="-"/>
-            </a:pPr>
-            <a:r>
-              <a:rPr lang="en-US" dirty="0"/>
-              <a:t>Equalizing the signal strength between features to establish equal importance between features.</a:t>
-            </a:r>
-          </a:p>
-          <a:p>
-            <a:pPr>
-              <a:buFontTx/>
-              <a:buChar char="-"/>
-            </a:pPr>
-            <a:r>
-              <a:rPr lang="en-US" dirty="0"/>
-              <a:t>Amplifying signal in features</a:t>
-            </a:r>
-          </a:p>
-          <a:p>
-            <a:pPr>
-              <a:buFontTx/>
-              <a:buChar char="-"/>
-            </a:pPr>
-            <a:r>
-              <a:rPr lang="en-US" dirty="0"/>
-              <a:t>Abstracting timeless meaning to allow application of past configurations to current configurations</a:t>
-            </a:r>
-          </a:p>
-          <a:p>
-            <a:pPr>
-              <a:buFontTx/>
-              <a:buChar char="-"/>
-            </a:pPr>
-            <a:r>
-              <a:rPr lang="en-US" dirty="0"/>
-              <a:t>Creating additional amplitude or distinction out of existing features</a:t>
-            </a:r>
-          </a:p>
-          <a:p>
-            <a:pPr>
-              <a:buFontTx/>
-              <a:buChar char="-"/>
-            </a:pPr>
-            <a:r>
-              <a:rPr lang="en-US" dirty="0"/>
-              <a:t>Creating additional dimensionality</a:t>
-            </a:r>
-          </a:p>
-          <a:p>
-            <a:pPr>
-              <a:buFontTx/>
-              <a:buChar char="-"/>
-            </a:pPr>
-            <a:r>
-              <a:rPr lang="en-US" dirty="0"/>
-              <a:t>Reducing dimensionality</a:t>
-            </a:r>
+            <a:endParaRPr lang="en-US" dirty="0"/>
           </a:p>
         </p:txBody>
       </p:sp>
@@ -5617,7 +5174,7 @@
           <p:cNvPr id="7" name="Footer Placeholder 6">
             <a:extLst>
               <a:ext uri="{FF2B5EF4-FFF2-40B4-BE49-F238E27FC236}">
-                <a16:creationId xmlns:a16="http://schemas.microsoft.com/office/drawing/2014/main" id="{351E8EF1-5DED-4D27-83C6-560E63EFB0ED}"/>
+                <a16:creationId xmlns:a16="http://schemas.microsoft.com/office/drawing/2014/main" id="{6A5A7423-07E9-4382-9EC9-B2240AD9A47D}"/>
               </a:ext>
             </a:extLst>
           </p:cNvPr>
@@ -5647,7 +5204,7 @@
           <p:cNvPr id="4" name="Slide Number Placeholder 3">
             <a:extLst>
               <a:ext uri="{FF2B5EF4-FFF2-40B4-BE49-F238E27FC236}">
-                <a16:creationId xmlns:a16="http://schemas.microsoft.com/office/drawing/2014/main" id="{EBCBDEC7-7A80-4388-917D-96406F5FB0C6}"/>
+                <a16:creationId xmlns:a16="http://schemas.microsoft.com/office/drawing/2014/main" id="{4F0979DE-8A17-4324-9A90-8D482A362AE6}"/>
               </a:ext>
             </a:extLst>
           </p:cNvPr>
@@ -5679,7 +5236,7 @@
     </p:spTree>
     <p:extLst>
       <p:ext uri="{BB962C8B-B14F-4D97-AF65-F5344CB8AC3E}">
-        <p14:creationId xmlns:p14="http://schemas.microsoft.com/office/powerpoint/2010/main" val="4205732716"/>
+        <p14:creationId xmlns:p14="http://schemas.microsoft.com/office/powerpoint/2010/main" val="4276425096"/>
       </p:ext>
     </p:extLst>
   </p:cSld>
@@ -5711,7 +5268,7 @@
           <p:cNvPr id="2" name="Title 1">
             <a:extLst>
               <a:ext uri="{FF2B5EF4-FFF2-40B4-BE49-F238E27FC236}">
-                <a16:creationId xmlns:a16="http://schemas.microsoft.com/office/drawing/2014/main" id="{F20C1DF7-AB5B-4ABB-9DCA-307A977BF13D}"/>
+                <a16:creationId xmlns:a16="http://schemas.microsoft.com/office/drawing/2014/main" id="{12668CCD-BA06-457F-A476-8D93B9393402}"/>
               </a:ext>
             </a:extLst>
           </p:cNvPr>
@@ -5729,7 +5286,7 @@
           <a:p>
             <a:r>
               <a:rPr lang="en-US" dirty="0"/>
-              <a:t>Feature Engineering. Is it necessary?</a:t>
+              <a:t>Feature Selection. The Results:</a:t>
             </a:r>
           </a:p>
         </p:txBody>
@@ -5739,7 +5296,7 @@
           <p:cNvPr id="3" name="Content Placeholder 2">
             <a:extLst>
               <a:ext uri="{FF2B5EF4-FFF2-40B4-BE49-F238E27FC236}">
-                <a16:creationId xmlns:a16="http://schemas.microsoft.com/office/drawing/2014/main" id="{407C3D8D-FFB1-456D-83B2-2878DD2BE8B3}"/>
+                <a16:creationId xmlns:a16="http://schemas.microsoft.com/office/drawing/2014/main" id="{5C1A2AD6-DD9A-41E7-95BA-3995BF0D9367}"/>
               </a:ext>
             </a:extLst>
           </p:cNvPr>
@@ -5753,7 +5310,7 @@
         <p:spPr/>
         <p:txBody>
           <a:bodyPr>
-            <a:normAutofit/>
+            <a:normAutofit fontScale="92500"/>
           </a:bodyPr>
           <a:lstStyle/>
           <a:p>
@@ -5761,36 +5318,77 @@
               <a:buNone/>
             </a:pPr>
             <a:r>
-              <a:rPr lang="en-US" dirty="0"/>
-              <a:t>More often then not, the data has features that have implicit meaning easily comprehendible to humans. But: ML algorithms don’t have these capabilities (yet).</a:t>
+              <a:rPr lang="en-US" sz="2200" i="1" dirty="0"/>
+              <a:t>Using MCC as evaluation metric</a:t>
+            </a:r>
+          </a:p>
+          <a:p>
+            <a:r>
+              <a:rPr lang="en-US" sz="2400" dirty="0"/>
+              <a:t>Naïve approach: (using all data and default models): Best: 0.51 in 45 sec.</a:t>
+            </a:r>
+          </a:p>
+          <a:p>
+            <a:r>
+              <a:rPr lang="en-US" sz="2400" dirty="0"/>
+              <a:t>Brute Force: (all data, parameter tuning in models): Best 0.72 in 99 hrs. (4 days, 3hrs.)</a:t>
+            </a:r>
+          </a:p>
+          <a:p>
+            <a:r>
+              <a:rPr lang="en-US" sz="2400" dirty="0"/>
+              <a:t>Univariant Feature Selection: (selective data and default models): Best 0.63, in &lt; 10 sec.</a:t>
+            </a:r>
+          </a:p>
+          <a:p>
+            <a:r>
+              <a:rPr lang="en-US" sz="2400" dirty="0"/>
+              <a:t>Recursive Feature Elimination: (reducing data and default models): Best 0.61, in &lt; 15 sec.</a:t>
+            </a:r>
+          </a:p>
+          <a:p>
+            <a:r>
+              <a:rPr lang="en-US" sz="2400" dirty="0"/>
+              <a:t>Dimensionality Reduction: (modified data and default models): Best 0.55, in &lt; 10 sec.</a:t>
+            </a:r>
+          </a:p>
+          <a:p>
+            <a:r>
+              <a:rPr lang="en-US" sz="2400" dirty="0"/>
+              <a:t>Selecting important features: (selective data and defaults models): Best 0.60, in &lt; 10 sec.</a:t>
+            </a:r>
+          </a:p>
+          <a:p>
+            <a:r>
+              <a:rPr lang="en-US" sz="2400" dirty="0"/>
+              <a:t>Feature Selection</a:t>
+            </a:r>
+            <a:r>
+              <a:rPr lang="en-US" sz="2400" dirty="0">
+                <a:sym typeface="Wingdings" panose="05000000000000000000" pitchFamily="2" charset="2"/>
+              </a:rPr>
+              <a:t>: (only selection of data and default models): Best 0.77, in &lt; 2 min.</a:t>
             </a:r>
           </a:p>
           <a:p>
             <a:pPr marL="0" indent="0">
               <a:buNone/>
             </a:pPr>
-            <a:r>
-              <a:rPr lang="en-US" dirty="0"/>
-              <a:t>It is important to complement the implicit data with these explicit features to ENABLE the ML algorithms to utilize this information.</a:t>
-            </a:r>
+            <a:endParaRPr lang="en-US" sz="2400" dirty="0">
+              <a:sym typeface="Wingdings" panose="05000000000000000000" pitchFamily="2" charset="2"/>
+            </a:endParaRPr>
           </a:p>
           <a:p>
             <a:pPr marL="0" indent="0">
               <a:buNone/>
             </a:pPr>
             <a:r>
-              <a:rPr lang="en-US" dirty="0"/>
-              <a:t>Feature Engineering is a vast field only limited by imagination. There are innumerable possibilities.</a:t>
-            </a:r>
-          </a:p>
-          <a:p>
-            <a:pPr marL="0" indent="0">
-              <a:buNone/>
-            </a:pPr>
-            <a:r>
-              <a:rPr lang="en-US" dirty="0"/>
-              <a:t>The following slides will be limited to a few basic approaches and ideas that can be used as starting points.</a:t>
-            </a:r>
+              <a:rPr lang="en-US" sz="1700" dirty="0">
+                <a:sym typeface="Wingdings" panose="05000000000000000000" pitchFamily="2" charset="2"/>
+              </a:rPr>
+              <a:t>Note: only deviation from default model is setting a random state for reproducibility and fair comparison</a:t>
+            </a:r>
+            <a:endParaRPr lang="en-US" sz="1700" dirty="0"/>
           </a:p>
         </p:txBody>
       </p:sp>
@@ -5799,7 +5397,7 @@
           <p:cNvPr id="7" name="Footer Placeholder 6">
             <a:extLst>
               <a:ext uri="{FF2B5EF4-FFF2-40B4-BE49-F238E27FC236}">
-                <a16:creationId xmlns:a16="http://schemas.microsoft.com/office/drawing/2014/main" id="{7BFF35A6-C0B7-46B1-B4C0-CE3F0B523E72}"/>
+                <a16:creationId xmlns:a16="http://schemas.microsoft.com/office/drawing/2014/main" id="{84C26678-4908-452A-929E-995350FA16E3}"/>
               </a:ext>
             </a:extLst>
           </p:cNvPr>
@@ -5829,7 +5427,7 @@
           <p:cNvPr id="4" name="Slide Number Placeholder 3">
             <a:extLst>
               <a:ext uri="{FF2B5EF4-FFF2-40B4-BE49-F238E27FC236}">
-                <a16:creationId xmlns:a16="http://schemas.microsoft.com/office/drawing/2014/main" id="{8A97FCAC-82F7-4B01-93BA-1CEE66796644}"/>
+                <a16:creationId xmlns:a16="http://schemas.microsoft.com/office/drawing/2014/main" id="{31CA6A1C-E708-476E-8E0B-51AC4F783A2B}"/>
               </a:ext>
             </a:extLst>
           </p:cNvPr>
@@ -5861,7 +5459,7 @@
     </p:spTree>
     <p:extLst>
       <p:ext uri="{BB962C8B-B14F-4D97-AF65-F5344CB8AC3E}">
-        <p14:creationId xmlns:p14="http://schemas.microsoft.com/office/powerpoint/2010/main" val="1247317194"/>
+        <p14:creationId xmlns:p14="http://schemas.microsoft.com/office/powerpoint/2010/main" val="180858494"/>
       </p:ext>
     </p:extLst>
   </p:cSld>
@@ -5893,7 +5491,7 @@
           <p:cNvPr id="2" name="Title 1">
             <a:extLst>
               <a:ext uri="{FF2B5EF4-FFF2-40B4-BE49-F238E27FC236}">
-                <a16:creationId xmlns:a16="http://schemas.microsoft.com/office/drawing/2014/main" id="{906B3125-56FD-4C24-BAF3-ACE7F80EE98D}"/>
+                <a16:creationId xmlns:a16="http://schemas.microsoft.com/office/drawing/2014/main" id="{05192F71-B3BE-4AC1-8383-5C4904E7D51A}"/>
               </a:ext>
             </a:extLst>
           </p:cNvPr>
@@ -5911,7 +5509,7 @@
           <a:p>
             <a:r>
               <a:rPr lang="en-US" dirty="0"/>
-              <a:t>Feature Engineering. Is it necessary?</a:t>
+              <a:t>Feature Engineering. Why?</a:t>
             </a:r>
           </a:p>
         </p:txBody>
@@ -5921,7 +5519,7 @@
           <p:cNvPr id="3" name="Content Placeholder 2">
             <a:extLst>
               <a:ext uri="{FF2B5EF4-FFF2-40B4-BE49-F238E27FC236}">
-                <a16:creationId xmlns:a16="http://schemas.microsoft.com/office/drawing/2014/main" id="{954FA933-E669-425B-9B54-35366F634A1D}"/>
+                <a16:creationId xmlns:a16="http://schemas.microsoft.com/office/drawing/2014/main" id="{DBCDD311-0D21-452C-9AA9-18B5E9344818}"/>
               </a:ext>
             </a:extLst>
           </p:cNvPr>
@@ -5934,9 +5532,7 @@
         </p:nvSpPr>
         <p:spPr/>
         <p:txBody>
-          <a:bodyPr>
-            <a:normAutofit/>
-          </a:bodyPr>
+          <a:bodyPr/>
           <a:lstStyle/>
           <a:p>
             <a:pPr>
@@ -5945,7 +5541,7 @@
             </a:pPr>
             <a:r>
               <a:rPr lang="en-US" dirty="0"/>
-              <a:t>If an important features is not presented, it can’t be fitted.</a:t>
+              <a:t>Equalizing the signal strength between features to establish equal importance between features.</a:t>
             </a:r>
           </a:p>
           <a:p>
@@ -5955,7 +5551,7 @@
             </a:pPr>
             <a:r>
               <a:rPr lang="en-US" dirty="0"/>
-              <a:t>If one feature dwarfs other features with its numbers, it may dominate.</a:t>
+              <a:t>Amplifying signal in features</a:t>
             </a:r>
           </a:p>
           <a:p>
@@ -5965,7 +5561,7 @@
             </a:pPr>
             <a:r>
               <a:rPr lang="en-US" dirty="0"/>
-              <a:t>If the signal is barely noticeable, it might not get picked up.</a:t>
+              <a:t>Abstracting timeless meaning to allow application of past configurations to current configurations</a:t>
             </a:r>
           </a:p>
           <a:p>
@@ -5975,7 +5571,7 @@
             </a:pPr>
             <a:r>
               <a:rPr lang="en-US" dirty="0"/>
-              <a:t>If the meaning is hidden within data presented, but not extracted, it will not get picked up.</a:t>
+              <a:t>Creating additional amplitude or distinction out of existing features</a:t>
             </a:r>
           </a:p>
           <a:p>
@@ -5983,13 +5579,20 @@
               <a:buFontTx/>
               <a:buChar char="-"/>
             </a:pPr>
-            <a:endParaRPr lang="en-US" dirty="0"/>
-          </a:p>
-          <a:p>
-            <a:pPr marL="0" indent="0">
-              <a:buNone/>
+            <a:r>
+              <a:rPr lang="en-US" dirty="0"/>
+              <a:t>Creating additional dimensionality</a:t>
+            </a:r>
+          </a:p>
+          <a:p>
+            <a:pPr>
+              <a:buFontTx/>
+              <a:buChar char="-"/>
             </a:pPr>
-            <a:endParaRPr lang="en-US" dirty="0"/>
+            <a:r>
+              <a:rPr lang="en-US" dirty="0"/>
+              <a:t>Reducing dimensionality</a:t>
+            </a:r>
           </a:p>
         </p:txBody>
       </p:sp>
@@ -5998,7 +5601,7 @@
           <p:cNvPr id="7" name="Footer Placeholder 6">
             <a:extLst>
               <a:ext uri="{FF2B5EF4-FFF2-40B4-BE49-F238E27FC236}">
-                <a16:creationId xmlns:a16="http://schemas.microsoft.com/office/drawing/2014/main" id="{4C4AC8F0-BC47-484D-B830-F1DA3E1FC2FE}"/>
+                <a16:creationId xmlns:a16="http://schemas.microsoft.com/office/drawing/2014/main" id="{351E8EF1-5DED-4D27-83C6-560E63EFB0ED}"/>
               </a:ext>
             </a:extLst>
           </p:cNvPr>
@@ -6028,7 +5631,7 @@
           <p:cNvPr id="4" name="Slide Number Placeholder 3">
             <a:extLst>
               <a:ext uri="{FF2B5EF4-FFF2-40B4-BE49-F238E27FC236}">
-                <a16:creationId xmlns:a16="http://schemas.microsoft.com/office/drawing/2014/main" id="{A6A448C4-5437-4A2B-8AF1-5323F9CF98AD}"/>
+                <a16:creationId xmlns:a16="http://schemas.microsoft.com/office/drawing/2014/main" id="{EBCBDEC7-7A80-4388-917D-96406F5FB0C6}"/>
               </a:ext>
             </a:extLst>
           </p:cNvPr>
@@ -6060,7 +5663,7 @@
     </p:spTree>
     <p:extLst>
       <p:ext uri="{BB962C8B-B14F-4D97-AF65-F5344CB8AC3E}">
-        <p14:creationId xmlns:p14="http://schemas.microsoft.com/office/powerpoint/2010/main" val="2544617510"/>
+        <p14:creationId xmlns:p14="http://schemas.microsoft.com/office/powerpoint/2010/main" val="4205732716"/>
       </p:ext>
     </p:extLst>
   </p:cSld>
@@ -6092,7 +5695,7 @@
           <p:cNvPr id="2" name="Title 1">
             <a:extLst>
               <a:ext uri="{FF2B5EF4-FFF2-40B4-BE49-F238E27FC236}">
-                <a16:creationId xmlns:a16="http://schemas.microsoft.com/office/drawing/2014/main" id="{9E65FF7E-0582-421B-879A-6B56A6205701}"/>
+                <a16:creationId xmlns:a16="http://schemas.microsoft.com/office/drawing/2014/main" id="{F20C1DF7-AB5B-4ABB-9DCA-307A977BF13D}"/>
               </a:ext>
             </a:extLst>
           </p:cNvPr>
@@ -6110,7 +5713,7 @@
           <a:p>
             <a:r>
               <a:rPr lang="en-US" dirty="0"/>
-              <a:t>Feature Engineering. How?</a:t>
+              <a:t>Feature Engineering. Is it necessary?</a:t>
             </a:r>
           </a:p>
         </p:txBody>
@@ -6120,7 +5723,7 @@
           <p:cNvPr id="3" name="Content Placeholder 2">
             <a:extLst>
               <a:ext uri="{FF2B5EF4-FFF2-40B4-BE49-F238E27FC236}">
-                <a16:creationId xmlns:a16="http://schemas.microsoft.com/office/drawing/2014/main" id="{4FB57A8E-01F6-4478-850B-E1BEF8B17974}"/>
+                <a16:creationId xmlns:a16="http://schemas.microsoft.com/office/drawing/2014/main" id="{407C3D8D-FFB1-456D-83B2-2878DD2BE8B3}"/>
               </a:ext>
             </a:extLst>
           </p:cNvPr>
@@ -6134,7 +5737,7 @@
         <p:spPr/>
         <p:txBody>
           <a:bodyPr>
-            <a:normAutofit fontScale="85000" lnSpcReduction="20000"/>
+            <a:normAutofit/>
           </a:bodyPr>
           <a:lstStyle/>
           <a:p>
@@ -6143,83 +5746,34 @@
             </a:pPr>
             <a:r>
               <a:rPr lang="en-US" dirty="0"/>
-              <a:t>Intuitive Approaches to Feature Engineering:</a:t>
-            </a:r>
-          </a:p>
-          <a:p>
-            <a:pPr>
-              <a:buFontTx/>
-              <a:buChar char="-"/>
+              <a:t>More often then not, the data has features that have implicit meaning easily comprehendible to humans. But: ML algorithms don’t have these capabilities (yet).</a:t>
+            </a:r>
+          </a:p>
+          <a:p>
+            <a:pPr marL="0" indent="0">
+              <a:buNone/>
             </a:pPr>
             <a:r>
               <a:rPr lang="en-US" dirty="0"/>
-              <a:t>Normalizing or standardizing features to eliminate range imbalances. Example: house price forecast (number bedrooms vs. </a:t>
-            </a:r>
-            <a:r>
-              <a:rPr lang="en-US" dirty="0" err="1"/>
-              <a:t>sq.ft</a:t>
-            </a:r>
-            <a:r>
-              <a:rPr lang="en-US" dirty="0"/>
-              <a:t>. house)</a:t>
-            </a:r>
-          </a:p>
-          <a:p>
-            <a:pPr>
-              <a:buFontTx/>
-              <a:buChar char="-"/>
+              <a:t>It is important to complement the implicit data with these explicit features to ENABLE the ML algorithms to utilize this information.</a:t>
+            </a:r>
+          </a:p>
+          <a:p>
+            <a:pPr marL="0" indent="0">
+              <a:buNone/>
             </a:pPr>
             <a:r>
               <a:rPr lang="en-US" dirty="0"/>
-              <a:t>Abstracting features to counter drift over time. Example: </a:t>
-            </a:r>
-            <a:r>
-              <a:rPr lang="en-US" dirty="0" err="1"/>
-              <a:t>Harddrives</a:t>
-            </a:r>
-            <a:r>
-              <a:rPr lang="en-US" dirty="0"/>
-              <a:t> / SSD  in laptops, stock prices after stock split</a:t>
-            </a:r>
-          </a:p>
-          <a:p>
-            <a:pPr>
-              <a:buFontTx/>
-              <a:buChar char="-"/>
+              <a:t>Feature Engineering is a vast field only limited by imagination. There are innumerable possibilities.</a:t>
+            </a:r>
+          </a:p>
+          <a:p>
+            <a:pPr marL="0" indent="0">
+              <a:buNone/>
             </a:pPr>
             <a:r>
               <a:rPr lang="en-US" dirty="0"/>
-              <a:t>Amplifying values to pronounce importance of a signal. Example: analyzing faint radio signals or background noise in audio / visual data.</a:t>
-            </a:r>
-          </a:p>
-          <a:p>
-            <a:pPr>
-              <a:buFontTx/>
-              <a:buChar char="-"/>
-            </a:pPr>
-            <a:r>
-              <a:rPr lang="en-US" dirty="0"/>
-              <a:t>Creating features out of existing data. Example: Creating Day-of-Week out of date for weekly pattern</a:t>
-            </a:r>
-          </a:p>
-          <a:p>
-            <a:pPr>
-              <a:buFontTx/>
-              <a:buChar char="-"/>
-            </a:pPr>
-            <a:r>
-              <a:rPr lang="en-US" dirty="0"/>
-              <a:t>Creating additional dimensionality. Example: volume out of three dimensions</a:t>
-            </a:r>
-          </a:p>
-          <a:p>
-            <a:pPr>
-              <a:buFontTx/>
-              <a:buChar char="-"/>
-            </a:pPr>
-            <a:r>
-              <a:rPr lang="en-US" dirty="0"/>
-              <a:t>Reducing dimensionality. Example: grouping data by region or grouping languages by family.</a:t>
+              <a:t>The following slides will be limited to a few basic approaches and ideas that can be used as starting points.</a:t>
             </a:r>
           </a:p>
         </p:txBody>
@@ -6229,7 +5783,7 @@
           <p:cNvPr id="7" name="Footer Placeholder 6">
             <a:extLst>
               <a:ext uri="{FF2B5EF4-FFF2-40B4-BE49-F238E27FC236}">
-                <a16:creationId xmlns:a16="http://schemas.microsoft.com/office/drawing/2014/main" id="{B8F08448-F4D6-4DF5-BEF2-9F57957584CC}"/>
+                <a16:creationId xmlns:a16="http://schemas.microsoft.com/office/drawing/2014/main" id="{7BFF35A6-C0B7-46B1-B4C0-CE3F0B523E72}"/>
               </a:ext>
             </a:extLst>
           </p:cNvPr>
@@ -6259,7 +5813,7 @@
           <p:cNvPr id="4" name="Slide Number Placeholder 3">
             <a:extLst>
               <a:ext uri="{FF2B5EF4-FFF2-40B4-BE49-F238E27FC236}">
-                <a16:creationId xmlns:a16="http://schemas.microsoft.com/office/drawing/2014/main" id="{F1C44EE4-C941-4147-828A-5F6AE650DADB}"/>
+                <a16:creationId xmlns:a16="http://schemas.microsoft.com/office/drawing/2014/main" id="{8A97FCAC-82F7-4B01-93BA-1CEE66796644}"/>
               </a:ext>
             </a:extLst>
           </p:cNvPr>
@@ -6291,7 +5845,7 @@
     </p:spTree>
     <p:extLst>
       <p:ext uri="{BB962C8B-B14F-4D97-AF65-F5344CB8AC3E}">
-        <p14:creationId xmlns:p14="http://schemas.microsoft.com/office/powerpoint/2010/main" val="2228275636"/>
+        <p14:creationId xmlns:p14="http://schemas.microsoft.com/office/powerpoint/2010/main" val="1247317194"/>
       </p:ext>
     </p:extLst>
   </p:cSld>
@@ -6323,7 +5877,7 @@
           <p:cNvPr id="2" name="Title 1">
             <a:extLst>
               <a:ext uri="{FF2B5EF4-FFF2-40B4-BE49-F238E27FC236}">
-                <a16:creationId xmlns:a16="http://schemas.microsoft.com/office/drawing/2014/main" id="{E8E82C07-A41C-40AB-BFA2-F4E6A658B481}"/>
+                <a16:creationId xmlns:a16="http://schemas.microsoft.com/office/drawing/2014/main" id="{906B3125-56FD-4C24-BAF3-ACE7F80EE98D}"/>
               </a:ext>
             </a:extLst>
           </p:cNvPr>
@@ -6341,7 +5895,7 @@
           <a:p>
             <a:r>
               <a:rPr lang="en-US" dirty="0"/>
-              <a:t>Feature Engineering. How?</a:t>
+              <a:t>Feature Engineering. Is it necessary?</a:t>
             </a:r>
           </a:p>
         </p:txBody>
@@ -6351,7 +5905,7 @@
           <p:cNvPr id="3" name="Content Placeholder 2">
             <a:extLst>
               <a:ext uri="{FF2B5EF4-FFF2-40B4-BE49-F238E27FC236}">
-                <a16:creationId xmlns:a16="http://schemas.microsoft.com/office/drawing/2014/main" id="{8AB6428F-4C66-412A-BD89-AE4FF8BF4FB5}"/>
+                <a16:creationId xmlns:a16="http://schemas.microsoft.com/office/drawing/2014/main" id="{954FA933-E669-425B-9B54-35366F634A1D}"/>
               </a:ext>
             </a:extLst>
           </p:cNvPr>
@@ -6365,18 +5919,9 @@
         <p:spPr/>
         <p:txBody>
           <a:bodyPr>
-            <a:normAutofit fontScale="85000" lnSpcReduction="20000"/>
+            <a:normAutofit/>
           </a:bodyPr>
           <a:lstStyle/>
-          <a:p>
-            <a:pPr marL="0" indent="0">
-              <a:buNone/>
-            </a:pPr>
-            <a:r>
-              <a:rPr lang="en-US" dirty="0"/>
-              <a:t>Creative Approaches to Feature Engineering:</a:t>
-            </a:r>
-          </a:p>
           <a:p>
             <a:pPr>
               <a:buFontTx/>
@@ -6384,7 +5929,7 @@
             </a:pPr>
             <a:r>
               <a:rPr lang="en-US" dirty="0"/>
-              <a:t>Combining existing numerical features mathematically</a:t>
+              <a:t>If an important features is not presented, it can’t be fitted.</a:t>
             </a:r>
           </a:p>
           <a:p>
@@ -6394,7 +5939,7 @@
             </a:pPr>
             <a:r>
               <a:rPr lang="en-US" dirty="0"/>
-              <a:t>Chaining existing categorical features</a:t>
+              <a:t>If one feature dwarfs other features with its numbers, it may dominate.</a:t>
             </a:r>
           </a:p>
           <a:p>
@@ -6404,7 +5949,7 @@
             </a:pPr>
             <a:r>
               <a:rPr lang="en-US" dirty="0"/>
-              <a:t>Grouping categories in dependence of available observations and additional dimensionality</a:t>
+              <a:t>If the signal is barely noticeable, it might not get picked up.</a:t>
             </a:r>
           </a:p>
           <a:p>
@@ -6414,7 +5959,7 @@
             </a:pPr>
             <a:r>
               <a:rPr lang="en-US" dirty="0"/>
-              <a:t>Creating categories based on statistically inferred threshold values in available data</a:t>
+              <a:t>If the meaning is hidden within data presented, but not extracted, it will not get picked up.</a:t>
             </a:r>
           </a:p>
           <a:p>
@@ -6422,39 +5967,13 @@
               <a:buFontTx/>
               <a:buChar char="-"/>
             </a:pPr>
-            <a:r>
-              <a:rPr lang="en-US" dirty="0"/>
-              <a:t>Combining categorical features to create a matrix of occurring combinations</a:t>
-            </a:r>
-          </a:p>
-          <a:p>
-            <a:pPr>
-              <a:buFontTx/>
-              <a:buChar char="-"/>
-            </a:pPr>
-            <a:r>
-              <a:rPr lang="en-US" dirty="0"/>
-              <a:t>Use ML algorithm output based on a sub-selection of features as additional feature for a second stage (be wary of data leakage)</a:t>
-            </a:r>
+            <a:endParaRPr lang="en-US" dirty="0"/>
           </a:p>
           <a:p>
             <a:pPr marL="0" indent="0">
               <a:buNone/>
             </a:pPr>
-            <a:r>
-              <a:rPr lang="en-US" dirty="0"/>
-              <a:t>Complimentary Approaches to Feature Engineering:</a:t>
-            </a:r>
-          </a:p>
-          <a:p>
-            <a:pPr>
-              <a:buFontTx/>
-              <a:buChar char="-"/>
-            </a:pPr>
-            <a:r>
-              <a:rPr lang="en-US" dirty="0"/>
-              <a:t>Add external data</a:t>
-            </a:r>
+            <a:endParaRPr lang="en-US" dirty="0"/>
           </a:p>
         </p:txBody>
       </p:sp>
@@ -6463,7 +5982,7 @@
           <p:cNvPr id="7" name="Footer Placeholder 6">
             <a:extLst>
               <a:ext uri="{FF2B5EF4-FFF2-40B4-BE49-F238E27FC236}">
-                <a16:creationId xmlns:a16="http://schemas.microsoft.com/office/drawing/2014/main" id="{B0845941-6410-4170-A36C-0C3F5E7C078C}"/>
+                <a16:creationId xmlns:a16="http://schemas.microsoft.com/office/drawing/2014/main" id="{4C4AC8F0-BC47-484D-B830-F1DA3E1FC2FE}"/>
               </a:ext>
             </a:extLst>
           </p:cNvPr>
@@ -6493,7 +6012,7 @@
           <p:cNvPr id="4" name="Slide Number Placeholder 3">
             <a:extLst>
               <a:ext uri="{FF2B5EF4-FFF2-40B4-BE49-F238E27FC236}">
-                <a16:creationId xmlns:a16="http://schemas.microsoft.com/office/drawing/2014/main" id="{8C0CD551-9F25-4EBC-A81E-B03145697A7C}"/>
+                <a16:creationId xmlns:a16="http://schemas.microsoft.com/office/drawing/2014/main" id="{A6A448C4-5437-4A2B-8AF1-5323F9CF98AD}"/>
               </a:ext>
             </a:extLst>
           </p:cNvPr>
@@ -6525,7 +6044,7 @@
     </p:spTree>
     <p:extLst>
       <p:ext uri="{BB962C8B-B14F-4D97-AF65-F5344CB8AC3E}">
-        <p14:creationId xmlns:p14="http://schemas.microsoft.com/office/powerpoint/2010/main" val="3951010364"/>
+        <p14:creationId xmlns:p14="http://schemas.microsoft.com/office/powerpoint/2010/main" val="2544617510"/>
       </p:ext>
     </p:extLst>
   </p:cSld>
@@ -6557,7 +6076,7 @@
           <p:cNvPr id="2" name="Title 1">
             <a:extLst>
               <a:ext uri="{FF2B5EF4-FFF2-40B4-BE49-F238E27FC236}">
-                <a16:creationId xmlns:a16="http://schemas.microsoft.com/office/drawing/2014/main" id="{EFE87EF8-7A50-4129-8857-499950C78E13}"/>
+                <a16:creationId xmlns:a16="http://schemas.microsoft.com/office/drawing/2014/main" id="{9E65FF7E-0582-421B-879A-6B56A6205701}"/>
               </a:ext>
             </a:extLst>
           </p:cNvPr>
@@ -6575,7 +6094,7 @@
           <a:p>
             <a:r>
               <a:rPr lang="en-US" dirty="0"/>
-              <a:t>Feature Engineering. Demo Notebook:</a:t>
+              <a:t>Feature Engineering. How?</a:t>
             </a:r>
           </a:p>
         </p:txBody>
@@ -6585,7 +6104,7 @@
           <p:cNvPr id="3" name="Content Placeholder 2">
             <a:extLst>
               <a:ext uri="{FF2B5EF4-FFF2-40B4-BE49-F238E27FC236}">
-                <a16:creationId xmlns:a16="http://schemas.microsoft.com/office/drawing/2014/main" id="{643B846A-E557-4D02-9A0C-58205DA08CA0}"/>
+                <a16:creationId xmlns:a16="http://schemas.microsoft.com/office/drawing/2014/main" id="{4FB57A8E-01F6-4478-850B-E1BEF8B17974}"/>
               </a:ext>
             </a:extLst>
           </p:cNvPr>
@@ -6598,10 +6117,94 @@
         </p:nvSpPr>
         <p:spPr/>
         <p:txBody>
-          <a:bodyPr/>
-          <a:lstStyle/>
-          <a:p>
-            <a:endParaRPr lang="en-US"/>
+          <a:bodyPr>
+            <a:normAutofit fontScale="85000" lnSpcReduction="20000"/>
+          </a:bodyPr>
+          <a:lstStyle/>
+          <a:p>
+            <a:pPr marL="0" indent="0">
+              <a:buNone/>
+            </a:pPr>
+            <a:r>
+              <a:rPr lang="en-US" dirty="0"/>
+              <a:t>Intuitive Approaches to Feature Engineering:</a:t>
+            </a:r>
+          </a:p>
+          <a:p>
+            <a:pPr>
+              <a:buFontTx/>
+              <a:buChar char="-"/>
+            </a:pPr>
+            <a:r>
+              <a:rPr lang="en-US" dirty="0"/>
+              <a:t>Normalizing or standardizing features to eliminate range imbalances. Example: house price forecast (number bedrooms vs. </a:t>
+            </a:r>
+            <a:r>
+              <a:rPr lang="en-US" dirty="0" err="1"/>
+              <a:t>sq.ft</a:t>
+            </a:r>
+            <a:r>
+              <a:rPr lang="en-US" dirty="0"/>
+              <a:t>. house)</a:t>
+            </a:r>
+          </a:p>
+          <a:p>
+            <a:pPr>
+              <a:buFontTx/>
+              <a:buChar char="-"/>
+            </a:pPr>
+            <a:r>
+              <a:rPr lang="en-US" dirty="0"/>
+              <a:t>Abstracting features to counter drift over time. Example: </a:t>
+            </a:r>
+            <a:r>
+              <a:rPr lang="en-US" dirty="0" err="1"/>
+              <a:t>Harddrives</a:t>
+            </a:r>
+            <a:r>
+              <a:rPr lang="en-US" dirty="0"/>
+              <a:t> / SSD  in laptops, stock prices after stock split</a:t>
+            </a:r>
+          </a:p>
+          <a:p>
+            <a:pPr>
+              <a:buFontTx/>
+              <a:buChar char="-"/>
+            </a:pPr>
+            <a:r>
+              <a:rPr lang="en-US" dirty="0"/>
+              <a:t>Amplifying values to pronounce importance of a signal. Example: analyzing faint radio signals or background noise in audio / visual data.</a:t>
+            </a:r>
+          </a:p>
+          <a:p>
+            <a:pPr>
+              <a:buFontTx/>
+              <a:buChar char="-"/>
+            </a:pPr>
+            <a:r>
+              <a:rPr lang="en-US" dirty="0"/>
+              <a:t>Creating features out of existing data. Example: Creating Day-of-Week out of date for weekly pattern</a:t>
+            </a:r>
+          </a:p>
+          <a:p>
+            <a:pPr>
+              <a:buFontTx/>
+              <a:buChar char="-"/>
+            </a:pPr>
+            <a:r>
+              <a:rPr lang="en-US" dirty="0"/>
+              <a:t>Creating additional dimensionality. Example: volume out of three dimensions</a:t>
+            </a:r>
+          </a:p>
+          <a:p>
+            <a:pPr>
+              <a:buFontTx/>
+              <a:buChar char="-"/>
+            </a:pPr>
+            <a:r>
+              <a:rPr lang="en-US" dirty="0"/>
+              <a:t>Reducing dimensionality. Example: grouping data by region or grouping languages by family.</a:t>
+            </a:r>
           </a:p>
         </p:txBody>
       </p:sp>
@@ -6610,7 +6213,7 @@
           <p:cNvPr id="7" name="Footer Placeholder 6">
             <a:extLst>
               <a:ext uri="{FF2B5EF4-FFF2-40B4-BE49-F238E27FC236}">
-                <a16:creationId xmlns:a16="http://schemas.microsoft.com/office/drawing/2014/main" id="{0D84DC33-28CE-40AF-ABBF-D5E028AE367A}"/>
+                <a16:creationId xmlns:a16="http://schemas.microsoft.com/office/drawing/2014/main" id="{B8F08448-F4D6-4DF5-BEF2-9F57957584CC}"/>
               </a:ext>
             </a:extLst>
           </p:cNvPr>
@@ -6640,7 +6243,7 @@
           <p:cNvPr id="4" name="Slide Number Placeholder 3">
             <a:extLst>
               <a:ext uri="{FF2B5EF4-FFF2-40B4-BE49-F238E27FC236}">
-                <a16:creationId xmlns:a16="http://schemas.microsoft.com/office/drawing/2014/main" id="{8E5C7E64-67C0-4887-9B74-D97DA5542103}"/>
+                <a16:creationId xmlns:a16="http://schemas.microsoft.com/office/drawing/2014/main" id="{F1C44EE4-C941-4147-828A-5F6AE650DADB}"/>
               </a:ext>
             </a:extLst>
           </p:cNvPr>
@@ -6672,7 +6275,7 @@
     </p:spTree>
     <p:extLst>
       <p:ext uri="{BB962C8B-B14F-4D97-AF65-F5344CB8AC3E}">
-        <p14:creationId xmlns:p14="http://schemas.microsoft.com/office/powerpoint/2010/main" val="345458271"/>
+        <p14:creationId xmlns:p14="http://schemas.microsoft.com/office/powerpoint/2010/main" val="2228275636"/>
       </p:ext>
     </p:extLst>
   </p:cSld>
@@ -6704,7 +6307,7 @@
           <p:cNvPr id="2" name="Title 1">
             <a:extLst>
               <a:ext uri="{FF2B5EF4-FFF2-40B4-BE49-F238E27FC236}">
-                <a16:creationId xmlns:a16="http://schemas.microsoft.com/office/drawing/2014/main" id="{A68BB4C7-CD8E-436E-A528-E45A1221B6A2}"/>
+                <a16:creationId xmlns:a16="http://schemas.microsoft.com/office/drawing/2014/main" id="{E8E82C07-A41C-40AB-BFA2-F4E6A658B481}"/>
               </a:ext>
             </a:extLst>
           </p:cNvPr>
@@ -6722,7 +6325,7 @@
           <a:p>
             <a:r>
               <a:rPr lang="en-US" dirty="0"/>
-              <a:t>Feature Engineering. Results:</a:t>
+              <a:t>Feature Engineering. How?</a:t>
             </a:r>
           </a:p>
         </p:txBody>
@@ -6732,7 +6335,7 @@
           <p:cNvPr id="3" name="Content Placeholder 2">
             <a:extLst>
               <a:ext uri="{FF2B5EF4-FFF2-40B4-BE49-F238E27FC236}">
-                <a16:creationId xmlns:a16="http://schemas.microsoft.com/office/drawing/2014/main" id="{81ED2567-66DC-43CA-964E-D29322DEE654}"/>
+                <a16:creationId xmlns:a16="http://schemas.microsoft.com/office/drawing/2014/main" id="{8AB6428F-4C66-412A-BD89-AE4FF8BF4FB5}"/>
               </a:ext>
             </a:extLst>
           </p:cNvPr>
@@ -6743,15 +6346,10 @@
             <p:ph idx="1"/>
           </p:nvPr>
         </p:nvSpPr>
-        <p:spPr>
-          <a:xfrm>
-            <a:off x="838200" y="1825624"/>
-            <a:ext cx="10515600" cy="4788239"/>
-          </a:xfrm>
-        </p:spPr>
+        <p:spPr/>
         <p:txBody>
           <a:bodyPr>
-            <a:normAutofit fontScale="70000" lnSpcReduction="20000"/>
+            <a:normAutofit fontScale="85000" lnSpcReduction="20000"/>
           </a:bodyPr>
           <a:lstStyle/>
           <a:p>
@@ -6759,151 +6357,88 @@
               <a:buNone/>
             </a:pPr>
             <a:r>
-              <a:rPr lang="en-US" i="1" dirty="0"/>
-              <a:t>Using MCC as evaluation metric and selected Features</a:t>
-            </a:r>
-          </a:p>
-          <a:p>
-            <a:r>
-              <a:rPr lang="en-US" dirty="0"/>
-              <a:t>Baseline: (default models): Best: 0.763 in &lt; 2 min.</a:t>
-            </a:r>
-          </a:p>
-          <a:p>
-            <a:r>
-              <a:rPr lang="en-US" dirty="0"/>
-              <a:t>Deep Dive: (modified feature selection, default models): Best 0.793 in &lt; 10 sec.</a:t>
-            </a:r>
-          </a:p>
-          <a:p>
-            <a:r>
-              <a:rPr lang="en-US" dirty="0"/>
-              <a:t>Standard Scaler: (modified feature selection, default models): Best 0.860, in &lt; 10 sec.</a:t>
-            </a:r>
-          </a:p>
-          <a:p>
-            <a:r>
-              <a:rPr lang="en-US" dirty="0" err="1"/>
-              <a:t>MinMax</a:t>
-            </a:r>
-            <a:r>
-              <a:rPr lang="en-US" dirty="0"/>
-              <a:t> Scaler: (modified feature selection, default models): Best 0.834, in &lt; 10 sec.</a:t>
-            </a:r>
-          </a:p>
-          <a:p>
-            <a:r>
-              <a:rPr lang="en-US" dirty="0"/>
-              <a:t>PCA: (modified feature selection, default models): Best 0.777, in &lt; 10 sec.</a:t>
-            </a:r>
-          </a:p>
-          <a:p>
-            <a:r>
-              <a:rPr lang="en-US" dirty="0"/>
-              <a:t>Std Scaler plus PCA: (modified feature selection, default models): Best 0.857, in &lt; 10 sec.</a:t>
-            </a:r>
-          </a:p>
-          <a:p>
-            <a:r>
-              <a:rPr lang="en-US" dirty="0" err="1"/>
-              <a:t>MinMax</a:t>
-            </a:r>
-            <a:r>
-              <a:rPr lang="en-US" dirty="0"/>
-              <a:t> </a:t>
-            </a:r>
-            <a:r>
-              <a:rPr lang="en-US" dirty="0" err="1"/>
-              <a:t>Sclr</a:t>
-            </a:r>
-            <a:r>
-              <a:rPr lang="en-US" dirty="0"/>
-              <a:t> pls PCA</a:t>
-            </a:r>
-            <a:r>
-              <a:rPr lang="en-US" dirty="0">
-                <a:sym typeface="Wingdings" panose="05000000000000000000" pitchFamily="2" charset="2"/>
-              </a:rPr>
-              <a:t>: (</a:t>
-            </a:r>
-            <a:r>
-              <a:rPr lang="en-US" dirty="0"/>
-              <a:t>modified feature selection, default models</a:t>
-            </a:r>
-            <a:r>
-              <a:rPr lang="en-US" dirty="0">
-                <a:sym typeface="Wingdings" panose="05000000000000000000" pitchFamily="2" charset="2"/>
-              </a:rPr>
-              <a:t>): Best 0.824, in &lt; 10 sec.</a:t>
-            </a:r>
-          </a:p>
-          <a:p>
-            <a:r>
-              <a:rPr lang="en-US" dirty="0">
-                <a:sym typeface="Wingdings" panose="05000000000000000000" pitchFamily="2" charset="2"/>
-              </a:rPr>
-              <a:t>Std </a:t>
-            </a:r>
-            <a:r>
-              <a:rPr lang="en-US" dirty="0" err="1">
-                <a:sym typeface="Wingdings" panose="05000000000000000000" pitchFamily="2" charset="2"/>
-              </a:rPr>
-              <a:t>Sclr</a:t>
-            </a:r>
-            <a:r>
-              <a:rPr lang="en-US" dirty="0">
-                <a:sym typeface="Wingdings" panose="05000000000000000000" pitchFamily="2" charset="2"/>
-              </a:rPr>
-              <a:t>, PCA, Std </a:t>
-            </a:r>
-            <a:r>
-              <a:rPr lang="en-US" dirty="0" err="1">
-                <a:sym typeface="Wingdings" panose="05000000000000000000" pitchFamily="2" charset="2"/>
-              </a:rPr>
-              <a:t>Sclr</a:t>
-            </a:r>
-            <a:r>
-              <a:rPr lang="en-US" dirty="0">
-                <a:sym typeface="Wingdings" panose="05000000000000000000" pitchFamily="2" charset="2"/>
-              </a:rPr>
-              <a:t>: (modified feature selection, tuned models): Best 0.863, in &lt; 15 sec.</a:t>
-            </a:r>
-          </a:p>
-          <a:p>
-            <a:endParaRPr lang="en-US" dirty="0">
-              <a:sym typeface="Wingdings" panose="05000000000000000000" pitchFamily="2" charset="2"/>
-            </a:endParaRPr>
+              <a:rPr lang="en-US" dirty="0"/>
+              <a:t>Creative Approaches to Feature Engineering:</a:t>
+            </a:r>
+          </a:p>
+          <a:p>
+            <a:pPr>
+              <a:buFontTx/>
+              <a:buChar char="-"/>
+            </a:pPr>
+            <a:r>
+              <a:rPr lang="en-US" dirty="0"/>
+              <a:t>Combining existing numerical features mathematically</a:t>
+            </a:r>
+          </a:p>
+          <a:p>
+            <a:pPr>
+              <a:buFontTx/>
+              <a:buChar char="-"/>
+            </a:pPr>
+            <a:r>
+              <a:rPr lang="en-US" dirty="0"/>
+              <a:t>Chaining existing categorical features</a:t>
+            </a:r>
+          </a:p>
+          <a:p>
+            <a:pPr>
+              <a:buFontTx/>
+              <a:buChar char="-"/>
+            </a:pPr>
+            <a:r>
+              <a:rPr lang="en-US" dirty="0"/>
+              <a:t>Grouping categories in dependence of available observations and additional dimensionality</a:t>
+            </a:r>
+          </a:p>
+          <a:p>
+            <a:pPr>
+              <a:buFontTx/>
+              <a:buChar char="-"/>
+            </a:pPr>
+            <a:r>
+              <a:rPr lang="en-US" dirty="0"/>
+              <a:t>Creating categories based on statistically inferred threshold values in available data</a:t>
+            </a:r>
+          </a:p>
+          <a:p>
+            <a:pPr>
+              <a:buFontTx/>
+              <a:buChar char="-"/>
+            </a:pPr>
+            <a:r>
+              <a:rPr lang="en-US" dirty="0"/>
+              <a:t>Combining categorical features to create a matrix of occurring combinations</a:t>
+            </a:r>
+          </a:p>
+          <a:p>
+            <a:pPr>
+              <a:buFontTx/>
+              <a:buChar char="-"/>
+            </a:pPr>
+            <a:r>
+              <a:rPr lang="en-US" dirty="0"/>
+              <a:t>Use ML algorithm output based on a sub-selection of features as additional feature for a second stage (be wary of data leakage)</a:t>
+            </a:r>
           </a:p>
           <a:p>
             <a:pPr marL="0" indent="0">
               <a:buNone/>
             </a:pPr>
             <a:r>
-              <a:rPr lang="en-US" dirty="0">
-                <a:sym typeface="Wingdings" panose="05000000000000000000" pitchFamily="2" charset="2"/>
-              </a:rPr>
-              <a:t>The results of 0.86 and 0.863 mean: 43 and 41 incorrectly classified observations or an error rate of 7.167% and 6.83% respectively (relative to the target which has deliberately flipped labels)</a:t>
-            </a:r>
-          </a:p>
-          <a:p>
-            <a:pPr marL="0" indent="0">
-              <a:buNone/>
+              <a:rPr lang="en-US" dirty="0"/>
+              <a:t>Complimentary Approaches to Feature Engineering:</a:t>
+            </a:r>
+          </a:p>
+          <a:p>
+            <a:pPr>
+              <a:buFontTx/>
+              <a:buChar char="-"/>
             </a:pPr>
-            <a:endParaRPr lang="en-US" dirty="0">
-              <a:sym typeface="Wingdings" panose="05000000000000000000" pitchFamily="2" charset="2"/>
-            </a:endParaRPr>
-          </a:p>
-          <a:p>
-            <a:pPr marL="0" indent="0">
-              <a:buNone/>
-            </a:pPr>
-            <a:r>
-              <a:rPr lang="en-US" sz="2000" dirty="0">
-                <a:sym typeface="Wingdings" panose="05000000000000000000" pitchFamily="2" charset="2"/>
-              </a:rPr>
-              <a:t>Note: only deviation from default model is setting a random state for reproducibility and fair comparison</a:t>
-            </a:r>
-            <a:endParaRPr lang="en-US" sz="2000" dirty="0"/>
+            <a:r>
+              <a:rPr lang="en-US" dirty="0"/>
+              <a:t>Add external data</a:t>
+            </a:r>
           </a:p>
         </p:txBody>
       </p:sp>
@@ -6912,7 +6447,7 @@
           <p:cNvPr id="7" name="Footer Placeholder 6">
             <a:extLst>
               <a:ext uri="{FF2B5EF4-FFF2-40B4-BE49-F238E27FC236}">
-                <a16:creationId xmlns:a16="http://schemas.microsoft.com/office/drawing/2014/main" id="{9BAC1B0F-52B2-4B49-BBBB-25BE21DF9E0B}"/>
+                <a16:creationId xmlns:a16="http://schemas.microsoft.com/office/drawing/2014/main" id="{B0845941-6410-4170-A36C-0C3F5E7C078C}"/>
               </a:ext>
             </a:extLst>
           </p:cNvPr>
@@ -6942,7 +6477,7 @@
           <p:cNvPr id="4" name="Slide Number Placeholder 3">
             <a:extLst>
               <a:ext uri="{FF2B5EF4-FFF2-40B4-BE49-F238E27FC236}">
-                <a16:creationId xmlns:a16="http://schemas.microsoft.com/office/drawing/2014/main" id="{53FF59B2-F7F5-41BD-AC89-F52B7522BC82}"/>
+                <a16:creationId xmlns:a16="http://schemas.microsoft.com/office/drawing/2014/main" id="{8C0CD551-9F25-4EBC-A81E-B03145697A7C}"/>
               </a:ext>
             </a:extLst>
           </p:cNvPr>
@@ -6974,7 +6509,7 @@
     </p:spTree>
     <p:extLst>
       <p:ext uri="{BB962C8B-B14F-4D97-AF65-F5344CB8AC3E}">
-        <p14:creationId xmlns:p14="http://schemas.microsoft.com/office/powerpoint/2010/main" val="3019775472"/>
+        <p14:creationId xmlns:p14="http://schemas.microsoft.com/office/powerpoint/2010/main" val="3951010364"/>
       </p:ext>
     </p:extLst>
   </p:cSld>
@@ -7006,7 +6541,7 @@
           <p:cNvPr id="2" name="Title 1">
             <a:extLst>
               <a:ext uri="{FF2B5EF4-FFF2-40B4-BE49-F238E27FC236}">
-                <a16:creationId xmlns:a16="http://schemas.microsoft.com/office/drawing/2014/main" id="{F7EBF774-25B9-46B9-9FD1-6F0EFCCEEBB3}"/>
+                <a16:creationId xmlns:a16="http://schemas.microsoft.com/office/drawing/2014/main" id="{EFE87EF8-7A50-4129-8857-499950C78E13}"/>
               </a:ext>
             </a:extLst>
           </p:cNvPr>
@@ -7024,7 +6559,7 @@
           <a:p>
             <a:r>
               <a:rPr lang="en-US" dirty="0"/>
-              <a:t>Feature Engineering: Remarks</a:t>
+              <a:t>Feature Engineering. Demo Notebook:</a:t>
             </a:r>
           </a:p>
         </p:txBody>
@@ -7034,7 +6569,7 @@
           <p:cNvPr id="3" name="Content Placeholder 2">
             <a:extLst>
               <a:ext uri="{FF2B5EF4-FFF2-40B4-BE49-F238E27FC236}">
-                <a16:creationId xmlns:a16="http://schemas.microsoft.com/office/drawing/2014/main" id="{76436876-5D77-4C86-9031-AE79CB8AAD33}"/>
+                <a16:creationId xmlns:a16="http://schemas.microsoft.com/office/drawing/2014/main" id="{643B846A-E557-4D02-9A0C-58205DA08CA0}"/>
               </a:ext>
             </a:extLst>
           </p:cNvPr>
@@ -7047,33 +6582,10 @@
         </p:nvSpPr>
         <p:spPr/>
         <p:txBody>
-          <a:bodyPr>
-            <a:normAutofit fontScale="92500" lnSpcReduction="10000"/>
-          </a:bodyPr>
-          <a:lstStyle/>
-          <a:p>
-            <a:r>
-              <a:rPr lang="en-US" dirty="0"/>
-              <a:t>The Boruta package utilized for Feature Selection is a convenient shortcut. The paper it is based on has a few shortcomings which result in inconsistent - and depending on the dataset unintentional - results. The implementation does not follow the paper and is at best a rough approximation on some of the core principles. Use cautiously and verify results.</a:t>
-            </a:r>
-          </a:p>
-          <a:p>
-            <a:r>
-              <a:rPr lang="en-US" dirty="0"/>
-              <a:t>As demonstrated, a better feature selection is available.</a:t>
-            </a:r>
-          </a:p>
-          <a:p>
-            <a:r>
-              <a:rPr lang="en-US" dirty="0"/>
-              <a:t>As demonstrated, Feature Selection and Feature Engineering outperform algorithm tuning by a wide margin, especially when combined.</a:t>
-            </a:r>
-          </a:p>
-          <a:p>
-            <a:r>
-              <a:rPr lang="en-US" dirty="0"/>
-              <a:t>On this dataset, it is hard and taxed with significant effort to get two (2) observations more correctly classified.</a:t>
-            </a:r>
+          <a:bodyPr/>
+          <a:lstStyle/>
+          <a:p>
+            <a:endParaRPr lang="en-US"/>
           </a:p>
         </p:txBody>
       </p:sp>
@@ -7082,7 +6594,7 @@
           <p:cNvPr id="7" name="Footer Placeholder 6">
             <a:extLst>
               <a:ext uri="{FF2B5EF4-FFF2-40B4-BE49-F238E27FC236}">
-                <a16:creationId xmlns:a16="http://schemas.microsoft.com/office/drawing/2014/main" id="{63F70BEB-18A0-4E05-AAA0-7DEF06EF6A9A}"/>
+                <a16:creationId xmlns:a16="http://schemas.microsoft.com/office/drawing/2014/main" id="{0D84DC33-28CE-40AF-ABBF-D5E028AE367A}"/>
               </a:ext>
             </a:extLst>
           </p:cNvPr>
@@ -7112,7 +6624,7 @@
           <p:cNvPr id="4" name="Slide Number Placeholder 3">
             <a:extLst>
               <a:ext uri="{FF2B5EF4-FFF2-40B4-BE49-F238E27FC236}">
-                <a16:creationId xmlns:a16="http://schemas.microsoft.com/office/drawing/2014/main" id="{A59B9471-9956-4092-BBBF-DCE354119CB6}"/>
+                <a16:creationId xmlns:a16="http://schemas.microsoft.com/office/drawing/2014/main" id="{8E5C7E64-67C0-4887-9B74-D97DA5542103}"/>
               </a:ext>
             </a:extLst>
           </p:cNvPr>
@@ -7144,7 +6656,7 @@
     </p:spTree>
     <p:extLst>
       <p:ext uri="{BB962C8B-B14F-4D97-AF65-F5344CB8AC3E}">
-        <p14:creationId xmlns:p14="http://schemas.microsoft.com/office/powerpoint/2010/main" val="2261955743"/>
+        <p14:creationId xmlns:p14="http://schemas.microsoft.com/office/powerpoint/2010/main" val="345458271"/>
       </p:ext>
     </p:extLst>
   </p:cSld>
@@ -8998,7 +8510,7 @@
           <p:cNvPr id="2" name="Title 1">
             <a:extLst>
               <a:ext uri="{FF2B5EF4-FFF2-40B4-BE49-F238E27FC236}">
-                <a16:creationId xmlns:a16="http://schemas.microsoft.com/office/drawing/2014/main" id="{19764ED7-F15B-4240-BB3D-A22D34A02A20}"/>
+                <a16:creationId xmlns:a16="http://schemas.microsoft.com/office/drawing/2014/main" id="{A68BB4C7-CD8E-436E-A528-E45A1221B6A2}"/>
               </a:ext>
             </a:extLst>
           </p:cNvPr>
@@ -9016,7 +8528,7 @@
           <a:p>
             <a:r>
               <a:rPr lang="en-US" dirty="0"/>
-              <a:t>Overall Results:</a:t>
+              <a:t>Feature Engineering. Results:</a:t>
             </a:r>
           </a:p>
         </p:txBody>
@@ -9026,7 +8538,7 @@
           <p:cNvPr id="3" name="Content Placeholder 2">
             <a:extLst>
               <a:ext uri="{FF2B5EF4-FFF2-40B4-BE49-F238E27FC236}">
-                <a16:creationId xmlns:a16="http://schemas.microsoft.com/office/drawing/2014/main" id="{FA69E7B3-8370-4588-82EC-2D5771127B19}"/>
+                <a16:creationId xmlns:a16="http://schemas.microsoft.com/office/drawing/2014/main" id="{81ED2567-66DC-43CA-964E-D29322DEE654}"/>
               </a:ext>
             </a:extLst>
           </p:cNvPr>
@@ -9037,99 +8549,167 @@
             <p:ph idx="1"/>
           </p:nvPr>
         </p:nvSpPr>
-        <p:spPr/>
-        <p:txBody>
-          <a:bodyPr/>
+        <p:spPr>
+          <a:xfrm>
+            <a:off x="838200" y="1825624"/>
+            <a:ext cx="10515600" cy="4788239"/>
+          </a:xfrm>
+        </p:spPr>
+        <p:txBody>
+          <a:bodyPr>
+            <a:normAutofit fontScale="70000" lnSpcReduction="20000"/>
+          </a:bodyPr>
           <a:lstStyle/>
           <a:p>
             <a:pPr marL="0" indent="0">
               <a:buNone/>
             </a:pPr>
             <a:r>
-              <a:rPr lang="en-US" sz="1800" i="1" dirty="0"/>
-              <a:t>Using MCC as evaluation metric</a:t>
-            </a:r>
-          </a:p>
-          <a:p>
-            <a:r>
-              <a:rPr lang="en-US" sz="2200" dirty="0"/>
-              <a:t>Naïve approach: (using all data and default models): Best: 0.51 in 45 sec.</a:t>
-            </a:r>
-          </a:p>
-          <a:p>
-            <a:r>
-              <a:rPr lang="en-US" sz="2200" dirty="0"/>
-              <a:t>Brute Force: (all data, parameter tuning in models): Best 0.72 in 99 hrs. (4 days, 3 hrs.)</a:t>
-            </a:r>
-          </a:p>
-          <a:p>
-            <a:r>
-              <a:rPr lang="en-US" sz="2200" dirty="0"/>
-              <a:t>Feature Selection: (default models): Best: 0.763 in &lt; 2 min.</a:t>
-            </a:r>
-          </a:p>
-          <a:p>
-            <a:r>
-              <a:rPr lang="en-US" sz="2200" dirty="0"/>
+              <a:rPr lang="en-US" i="1" dirty="0"/>
+              <a:t>Using MCC as evaluation metric and selected Features</a:t>
+            </a:r>
+          </a:p>
+          <a:p>
+            <a:r>
+              <a:rPr lang="en-US" dirty="0"/>
+              <a:t>Baseline: (default models): Best: 0.763 in &lt; 2 min.</a:t>
+            </a:r>
+          </a:p>
+          <a:p>
+            <a:r>
+              <a:rPr lang="en-US" dirty="0"/>
               <a:t>Deep Dive: (modified feature selection, default models): Best 0.793 in &lt; 10 sec.</a:t>
             </a:r>
           </a:p>
           <a:p>
             <a:r>
-              <a:rPr lang="en-US" sz="2200" dirty="0"/>
+              <a:rPr lang="en-US" dirty="0"/>
               <a:t>Standard Scaler: (modified feature selection, default models): Best 0.860, in &lt; 10 sec.</a:t>
             </a:r>
+          </a:p>
+          <a:p>
+            <a:r>
+              <a:rPr lang="en-US" dirty="0" err="1"/>
+              <a:t>MinMax</a:t>
+            </a:r>
+            <a:r>
+              <a:rPr lang="en-US" dirty="0"/>
+              <a:t> Scaler: (modified feature selection, default models): Best 0.834, in &lt; 10 sec.</a:t>
+            </a:r>
+          </a:p>
+          <a:p>
+            <a:r>
+              <a:rPr lang="en-US" dirty="0"/>
+              <a:t>PCA: (modified feature selection, default models): Best 0.777, in &lt; 10 sec.</a:t>
+            </a:r>
+          </a:p>
+          <a:p>
+            <a:r>
+              <a:rPr lang="en-US" dirty="0"/>
+              <a:t>Std Scaler plus PCA: (modified feature selection, default models): Best 0.857, in &lt; 10 sec.</a:t>
+            </a:r>
+          </a:p>
+          <a:p>
+            <a:r>
+              <a:rPr lang="en-US" dirty="0" err="1"/>
+              <a:t>MinMax</a:t>
+            </a:r>
+            <a:r>
+              <a:rPr lang="en-US" dirty="0"/>
+              <a:t> </a:t>
+            </a:r>
+            <a:r>
+              <a:rPr lang="en-US" dirty="0" err="1"/>
+              <a:t>Sclr</a:t>
+            </a:r>
+            <a:r>
+              <a:rPr lang="en-US" dirty="0"/>
+              <a:t> pls PCA</a:t>
+            </a:r>
+            <a:r>
+              <a:rPr lang="en-US" dirty="0">
+                <a:sym typeface="Wingdings" panose="05000000000000000000" pitchFamily="2" charset="2"/>
+              </a:rPr>
+              <a:t>: (</a:t>
+            </a:r>
+            <a:r>
+              <a:rPr lang="en-US" dirty="0"/>
+              <a:t>modified feature selection, default models</a:t>
+            </a:r>
+            <a:r>
+              <a:rPr lang="en-US" dirty="0">
+                <a:sym typeface="Wingdings" panose="05000000000000000000" pitchFamily="2" charset="2"/>
+              </a:rPr>
+              <a:t>): Best 0.824, in &lt; 10 sec.</a:t>
+            </a:r>
+          </a:p>
+          <a:p>
+            <a:r>
+              <a:rPr lang="en-US" dirty="0">
+                <a:sym typeface="Wingdings" panose="05000000000000000000" pitchFamily="2" charset="2"/>
+              </a:rPr>
+              <a:t>Std </a:t>
+            </a:r>
+            <a:r>
+              <a:rPr lang="en-US" dirty="0" err="1">
+                <a:sym typeface="Wingdings" panose="05000000000000000000" pitchFamily="2" charset="2"/>
+              </a:rPr>
+              <a:t>Sclr</a:t>
+            </a:r>
+            <a:r>
+              <a:rPr lang="en-US" dirty="0">
+                <a:sym typeface="Wingdings" panose="05000000000000000000" pitchFamily="2" charset="2"/>
+              </a:rPr>
+              <a:t>, PCA, Std </a:t>
+            </a:r>
+            <a:r>
+              <a:rPr lang="en-US" dirty="0" err="1">
+                <a:sym typeface="Wingdings" panose="05000000000000000000" pitchFamily="2" charset="2"/>
+              </a:rPr>
+              <a:t>Sclr</a:t>
+            </a:r>
+            <a:r>
+              <a:rPr lang="en-US" dirty="0">
+                <a:sym typeface="Wingdings" panose="05000000000000000000" pitchFamily="2" charset="2"/>
+              </a:rPr>
+              <a:t>: (modified feature selection, tuned models): Best 0.863, in &lt; 15 sec.</a:t>
+            </a:r>
+          </a:p>
+          <a:p>
+            <a:endParaRPr lang="en-US" dirty="0">
+              <a:sym typeface="Wingdings" panose="05000000000000000000" pitchFamily="2" charset="2"/>
+            </a:endParaRPr>
           </a:p>
           <a:p>
             <a:pPr marL="0" indent="0">
               <a:buNone/>
             </a:pPr>
             <a:r>
-              <a:rPr lang="en-US" sz="2200" dirty="0"/>
-              <a:t>Significant effort required to tune the parameters:</a:t>
-            </a:r>
-          </a:p>
-          <a:p>
-            <a:r>
-              <a:rPr lang="en-US" sz="2200" dirty="0">
+              <a:rPr lang="en-US" dirty="0">
                 <a:sym typeface="Wingdings" panose="05000000000000000000" pitchFamily="2" charset="2"/>
               </a:rPr>
-              <a:t>Std </a:t>
-            </a:r>
-            <a:r>
-              <a:rPr lang="en-US" sz="2200" dirty="0" err="1">
-                <a:sym typeface="Wingdings" panose="05000000000000000000" pitchFamily="2" charset="2"/>
-              </a:rPr>
-              <a:t>Sclr</a:t>
-            </a:r>
-            <a:r>
-              <a:rPr lang="en-US" sz="2200" dirty="0">
-                <a:sym typeface="Wingdings" panose="05000000000000000000" pitchFamily="2" charset="2"/>
-              </a:rPr>
-              <a:t>, PCA, Std </a:t>
-            </a:r>
-            <a:r>
-              <a:rPr lang="en-US" sz="2200" dirty="0" err="1">
-                <a:sym typeface="Wingdings" panose="05000000000000000000" pitchFamily="2" charset="2"/>
-              </a:rPr>
-              <a:t>Sclr</a:t>
-            </a:r>
-            <a:r>
-              <a:rPr lang="en-US" sz="2200" dirty="0">
-                <a:sym typeface="Wingdings" panose="05000000000000000000" pitchFamily="2" charset="2"/>
-              </a:rPr>
-              <a:t>: (modified feature selection, tuned models): Best 0.863, in &lt; 15 sec.</a:t>
-            </a:r>
-            <a:endParaRPr lang="en-US" sz="2200" dirty="0"/>
-          </a:p>
-          <a:p>
-            <a:endParaRPr lang="en-US" sz="2400" i="1" dirty="0"/>
+              <a:t>The results of 0.86 and 0.863 mean: 43 and 41 incorrectly classified observations or an error rate of 7.167% and 6.83% respectively (relative to the target which has deliberately flipped labels)</a:t>
+            </a:r>
           </a:p>
           <a:p>
             <a:pPr marL="0" indent="0">
               <a:buNone/>
             </a:pPr>
-            <a:endParaRPr lang="en-US" dirty="0"/>
+            <a:endParaRPr lang="en-US" dirty="0">
+              <a:sym typeface="Wingdings" panose="05000000000000000000" pitchFamily="2" charset="2"/>
+            </a:endParaRPr>
+          </a:p>
+          <a:p>
+            <a:pPr marL="0" indent="0">
+              <a:buNone/>
+            </a:pPr>
+            <a:r>
+              <a:rPr lang="en-US" sz="2000" dirty="0">
+                <a:sym typeface="Wingdings" panose="05000000000000000000" pitchFamily="2" charset="2"/>
+              </a:rPr>
+              <a:t>Note: only deviation from default model is setting a random state for reproducibility and fair comparison</a:t>
+            </a:r>
+            <a:endParaRPr lang="en-US" sz="2000" dirty="0"/>
           </a:p>
         </p:txBody>
       </p:sp>
@@ -9138,7 +8718,7 @@
           <p:cNvPr id="7" name="Footer Placeholder 6">
             <a:extLst>
               <a:ext uri="{FF2B5EF4-FFF2-40B4-BE49-F238E27FC236}">
-                <a16:creationId xmlns:a16="http://schemas.microsoft.com/office/drawing/2014/main" id="{ACC3002D-2278-4577-8F4E-6E2FF7A233F7}"/>
+                <a16:creationId xmlns:a16="http://schemas.microsoft.com/office/drawing/2014/main" id="{9BAC1B0F-52B2-4B49-BBBB-25BE21DF9E0B}"/>
               </a:ext>
             </a:extLst>
           </p:cNvPr>
@@ -9168,7 +8748,7 @@
           <p:cNvPr id="4" name="Slide Number Placeholder 3">
             <a:extLst>
               <a:ext uri="{FF2B5EF4-FFF2-40B4-BE49-F238E27FC236}">
-                <a16:creationId xmlns:a16="http://schemas.microsoft.com/office/drawing/2014/main" id="{BEA82A71-C21C-4008-8D7F-D50321A601B1}"/>
+                <a16:creationId xmlns:a16="http://schemas.microsoft.com/office/drawing/2014/main" id="{53FF59B2-F7F5-41BD-AC89-F52B7522BC82}"/>
               </a:ext>
             </a:extLst>
           </p:cNvPr>
@@ -9200,7 +8780,7 @@
     </p:spTree>
     <p:extLst>
       <p:ext uri="{BB962C8B-B14F-4D97-AF65-F5344CB8AC3E}">
-        <p14:creationId xmlns:p14="http://schemas.microsoft.com/office/powerpoint/2010/main" val="3942905101"/>
+        <p14:creationId xmlns:p14="http://schemas.microsoft.com/office/powerpoint/2010/main" val="3019775472"/>
       </p:ext>
     </p:extLst>
   </p:cSld>
@@ -9232,71 +8812,74 @@
           <p:cNvPr id="2" name="Title 1">
             <a:extLst>
               <a:ext uri="{FF2B5EF4-FFF2-40B4-BE49-F238E27FC236}">
-                <a16:creationId xmlns:a16="http://schemas.microsoft.com/office/drawing/2014/main" id="{45ADD621-BF70-451D-B45C-4EE1D2D449E4}"/>
-              </a:ext>
-            </a:extLst>
-          </p:cNvPr>
-          <p:cNvSpPr>
-            <a:spLocks noGrp="1"/>
-          </p:cNvSpPr>
-          <p:nvPr>
-            <p:ph type="ctrTitle"/>
-          </p:nvPr>
-        </p:nvSpPr>
-        <p:spPr/>
-        <p:txBody>
-          <a:bodyPr/>
-          <a:lstStyle/>
-          <a:p>
-            <a:r>
-              <a:rPr lang="en-US" dirty="0"/>
-              <a:t>The Art of Feature</a:t>
-            </a:r>
-            <a:br>
-              <a:rPr lang="en-US" dirty="0"/>
-            </a:br>
-            <a:r>
-              <a:rPr lang="en-US" dirty="0"/>
-              <a:t>Selection and Engineering</a:t>
-            </a:r>
-          </a:p>
-        </p:txBody>
-      </p:sp>
-      <p:sp>
-        <p:nvSpPr>
-          <p:cNvPr id="3" name="Subtitle 2">
-            <a:extLst>
-              <a:ext uri="{FF2B5EF4-FFF2-40B4-BE49-F238E27FC236}">
-                <a16:creationId xmlns:a16="http://schemas.microsoft.com/office/drawing/2014/main" id="{4DD14C89-D4AF-4F53-8931-DDD20E5E89A3}"/>
-              </a:ext>
-            </a:extLst>
-          </p:cNvPr>
-          <p:cNvSpPr>
-            <a:spLocks noGrp="1"/>
-          </p:cNvSpPr>
-          <p:nvPr>
-            <p:ph type="subTitle" idx="1"/>
-          </p:nvPr>
-        </p:nvSpPr>
-        <p:spPr/>
-        <p:txBody>
-          <a:bodyPr/>
-          <a:lstStyle/>
-          <a:p>
-            <a:r>
-              <a:rPr lang="en-US" dirty="0"/>
-              <a:t>It Matters.</a:t>
-            </a:r>
-          </a:p>
-          <a:p>
-            <a:endParaRPr lang="en-US" dirty="0"/>
-          </a:p>
-          <a:p>
-            <a:r>
-              <a:rPr lang="en-US"/>
-              <a:t>Thank you.</a:t>
-            </a:r>
-            <a:endParaRPr lang="en-US" dirty="0"/>
+                <a16:creationId xmlns:a16="http://schemas.microsoft.com/office/drawing/2014/main" id="{F7EBF774-25B9-46B9-9FD1-6F0EFCCEEBB3}"/>
+              </a:ext>
+            </a:extLst>
+          </p:cNvPr>
+          <p:cNvSpPr>
+            <a:spLocks noGrp="1"/>
+          </p:cNvSpPr>
+          <p:nvPr>
+            <p:ph type="title"/>
+          </p:nvPr>
+        </p:nvSpPr>
+        <p:spPr/>
+        <p:txBody>
+          <a:bodyPr/>
+          <a:lstStyle/>
+          <a:p>
+            <a:r>
+              <a:rPr lang="en-US" dirty="0"/>
+              <a:t>Feature Engineering: Remarks</a:t>
+            </a:r>
+          </a:p>
+        </p:txBody>
+      </p:sp>
+      <p:sp>
+        <p:nvSpPr>
+          <p:cNvPr id="3" name="Content Placeholder 2">
+            <a:extLst>
+              <a:ext uri="{FF2B5EF4-FFF2-40B4-BE49-F238E27FC236}">
+                <a16:creationId xmlns:a16="http://schemas.microsoft.com/office/drawing/2014/main" id="{76436876-5D77-4C86-9031-AE79CB8AAD33}"/>
+              </a:ext>
+            </a:extLst>
+          </p:cNvPr>
+          <p:cNvSpPr>
+            <a:spLocks noGrp="1"/>
+          </p:cNvSpPr>
+          <p:nvPr>
+            <p:ph idx="1"/>
+          </p:nvPr>
+        </p:nvSpPr>
+        <p:spPr/>
+        <p:txBody>
+          <a:bodyPr>
+            <a:normAutofit fontScale="92500" lnSpcReduction="10000"/>
+          </a:bodyPr>
+          <a:lstStyle/>
+          <a:p>
+            <a:r>
+              <a:rPr lang="en-US" dirty="0"/>
+              <a:t>The Boruta package utilized for Feature Selection is a convenient shortcut. The paper it is based on has a few shortcomings which result in inconsistent - and depending on the dataset unintentional - results. The implementation does not follow the paper and is at best a rough approximation on some of the core principles. Use cautiously and verify results.</a:t>
+            </a:r>
+          </a:p>
+          <a:p>
+            <a:r>
+              <a:rPr lang="en-US" dirty="0"/>
+              <a:t>As demonstrated, a better feature selection is available.</a:t>
+            </a:r>
+          </a:p>
+          <a:p>
+            <a:r>
+              <a:rPr lang="en-US" dirty="0"/>
+              <a:t>As demonstrated, Feature Selection and Feature Engineering outperform algorithm tuning by a wide margin, especially when combined.</a:t>
+            </a:r>
+          </a:p>
+          <a:p>
+            <a:r>
+              <a:rPr lang="en-US" dirty="0"/>
+              <a:t>On this dataset, it is hard and taxed with significant effort to get two (2) observations more correctly classified.</a:t>
+            </a:r>
           </a:p>
         </p:txBody>
       </p:sp>
@@ -9305,7 +8888,7 @@
           <p:cNvPr id="7" name="Footer Placeholder 6">
             <a:extLst>
               <a:ext uri="{FF2B5EF4-FFF2-40B4-BE49-F238E27FC236}">
-                <a16:creationId xmlns:a16="http://schemas.microsoft.com/office/drawing/2014/main" id="{8C523C57-44A2-451E-BD67-6342074B7E6A}"/>
+                <a16:creationId xmlns:a16="http://schemas.microsoft.com/office/drawing/2014/main" id="{63F70BEB-18A0-4E05-AAA0-7DEF06EF6A9A}"/>
               </a:ext>
             </a:extLst>
           </p:cNvPr>
@@ -9335,7 +8918,7 @@
           <p:cNvPr id="4" name="Slide Number Placeholder 3">
             <a:extLst>
               <a:ext uri="{FF2B5EF4-FFF2-40B4-BE49-F238E27FC236}">
-                <a16:creationId xmlns:a16="http://schemas.microsoft.com/office/drawing/2014/main" id="{D661FB28-B8C6-4C5D-9B9B-E9D188C01675}"/>
+                <a16:creationId xmlns:a16="http://schemas.microsoft.com/office/drawing/2014/main" id="{A59B9471-9956-4092-BBBF-DCE354119CB6}"/>
               </a:ext>
             </a:extLst>
           </p:cNvPr>
@@ -9361,6 +8944,406 @@
               <a:t> of 21</a:t>
             </a:r>
             <a:endParaRPr lang="en-US" dirty="0"/>
+          </a:p>
+        </p:txBody>
+      </p:sp>
+    </p:spTree>
+    <p:extLst>
+      <p:ext uri="{BB962C8B-B14F-4D97-AF65-F5344CB8AC3E}">
+        <p14:creationId xmlns:p14="http://schemas.microsoft.com/office/powerpoint/2010/main" val="2261955743"/>
+      </p:ext>
+    </p:extLst>
+  </p:cSld>
+  <p:clrMapOvr>
+    <a:masterClrMapping/>
+  </p:clrMapOvr>
+</p:sld>
+</file>
+
+<file path=ppt/slides/slide22.xml><?xml version="1.0" encoding="utf-8"?>
+<p:sld xmlns:a="http://schemas.openxmlformats.org/drawingml/2006/main" xmlns:r="http://schemas.openxmlformats.org/officeDocument/2006/relationships" xmlns:p="http://schemas.openxmlformats.org/presentationml/2006/main">
+  <p:cSld>
+    <p:spTree>
+      <p:nvGrpSpPr>
+        <p:cNvPr id="1" name=""/>
+        <p:cNvGrpSpPr/>
+        <p:nvPr/>
+      </p:nvGrpSpPr>
+      <p:grpSpPr>
+        <a:xfrm>
+          <a:off x="0" y="0"/>
+          <a:ext cx="0" cy="0"/>
+          <a:chOff x="0" y="0"/>
+          <a:chExt cx="0" cy="0"/>
+        </a:xfrm>
+      </p:grpSpPr>
+      <p:sp>
+        <p:nvSpPr>
+          <p:cNvPr id="2" name="Title 1">
+            <a:extLst>
+              <a:ext uri="{FF2B5EF4-FFF2-40B4-BE49-F238E27FC236}">
+                <a16:creationId xmlns:a16="http://schemas.microsoft.com/office/drawing/2014/main" id="{19764ED7-F15B-4240-BB3D-A22D34A02A20}"/>
+              </a:ext>
+            </a:extLst>
+          </p:cNvPr>
+          <p:cNvSpPr>
+            <a:spLocks noGrp="1"/>
+          </p:cNvSpPr>
+          <p:nvPr>
+            <p:ph type="title"/>
+          </p:nvPr>
+        </p:nvSpPr>
+        <p:spPr/>
+        <p:txBody>
+          <a:bodyPr/>
+          <a:lstStyle/>
+          <a:p>
+            <a:r>
+              <a:rPr lang="en-US" dirty="0"/>
+              <a:t>Overall Results:</a:t>
+            </a:r>
+          </a:p>
+        </p:txBody>
+      </p:sp>
+      <p:sp>
+        <p:nvSpPr>
+          <p:cNvPr id="3" name="Content Placeholder 2">
+            <a:extLst>
+              <a:ext uri="{FF2B5EF4-FFF2-40B4-BE49-F238E27FC236}">
+                <a16:creationId xmlns:a16="http://schemas.microsoft.com/office/drawing/2014/main" id="{FA69E7B3-8370-4588-82EC-2D5771127B19}"/>
+              </a:ext>
+            </a:extLst>
+          </p:cNvPr>
+          <p:cNvSpPr>
+            <a:spLocks noGrp="1"/>
+          </p:cNvSpPr>
+          <p:nvPr>
+            <p:ph idx="1"/>
+          </p:nvPr>
+        </p:nvSpPr>
+        <p:spPr/>
+        <p:txBody>
+          <a:bodyPr/>
+          <a:lstStyle/>
+          <a:p>
+            <a:pPr marL="0" indent="0">
+              <a:buNone/>
+            </a:pPr>
+            <a:r>
+              <a:rPr lang="en-US" sz="1800" i="1" dirty="0"/>
+              <a:t>Using MCC as evaluation metric</a:t>
+            </a:r>
+          </a:p>
+          <a:p>
+            <a:r>
+              <a:rPr lang="en-US" sz="2200" dirty="0"/>
+              <a:t>Naïve approach: (using all data and default models): Best: 0.51 in 45 sec.</a:t>
+            </a:r>
+          </a:p>
+          <a:p>
+            <a:r>
+              <a:rPr lang="en-US" sz="2200" dirty="0"/>
+              <a:t>Brute Force: (all data, parameter tuning in models): Best 0.72 in 99 hrs. (4 days, 3 hrs.)</a:t>
+            </a:r>
+          </a:p>
+          <a:p>
+            <a:r>
+              <a:rPr lang="en-US" sz="2200" dirty="0"/>
+              <a:t>Feature Selection: (default models): Best: 0.763 in &lt; 2 min.</a:t>
+            </a:r>
+          </a:p>
+          <a:p>
+            <a:r>
+              <a:rPr lang="en-US" sz="2200" dirty="0"/>
+              <a:t>Deep Dive: (modified feature selection, default models): Best 0.793 in &lt; 10 sec.</a:t>
+            </a:r>
+          </a:p>
+          <a:p>
+            <a:r>
+              <a:rPr lang="en-US" sz="2200" dirty="0"/>
+              <a:t>Standard Scaler: (modified feature selection, default models): Best 0.860, in &lt; 10 sec.</a:t>
+            </a:r>
+          </a:p>
+          <a:p>
+            <a:pPr marL="0" indent="0">
+              <a:buNone/>
+            </a:pPr>
+            <a:r>
+              <a:rPr lang="en-US" sz="2200" dirty="0"/>
+              <a:t>Significant effort required to tune the parameters:</a:t>
+            </a:r>
+          </a:p>
+          <a:p>
+            <a:r>
+              <a:rPr lang="en-US" sz="2200" dirty="0">
+                <a:sym typeface="Wingdings" panose="05000000000000000000" pitchFamily="2" charset="2"/>
+              </a:rPr>
+              <a:t>Std </a:t>
+            </a:r>
+            <a:r>
+              <a:rPr lang="en-US" sz="2200" dirty="0" err="1">
+                <a:sym typeface="Wingdings" panose="05000000000000000000" pitchFamily="2" charset="2"/>
+              </a:rPr>
+              <a:t>Sclr</a:t>
+            </a:r>
+            <a:r>
+              <a:rPr lang="en-US" sz="2200" dirty="0">
+                <a:sym typeface="Wingdings" panose="05000000000000000000" pitchFamily="2" charset="2"/>
+              </a:rPr>
+              <a:t>, PCA, Std </a:t>
+            </a:r>
+            <a:r>
+              <a:rPr lang="en-US" sz="2200" dirty="0" err="1">
+                <a:sym typeface="Wingdings" panose="05000000000000000000" pitchFamily="2" charset="2"/>
+              </a:rPr>
+              <a:t>Sclr</a:t>
+            </a:r>
+            <a:r>
+              <a:rPr lang="en-US" sz="2200" dirty="0">
+                <a:sym typeface="Wingdings" panose="05000000000000000000" pitchFamily="2" charset="2"/>
+              </a:rPr>
+              <a:t>: (modified feature selection, tuned models): Best 0.863, in &lt; 15 sec.</a:t>
+            </a:r>
+            <a:endParaRPr lang="en-US" sz="2200" dirty="0"/>
+          </a:p>
+          <a:p>
+            <a:endParaRPr lang="en-US" sz="2400" i="1" dirty="0"/>
+          </a:p>
+          <a:p>
+            <a:pPr marL="0" indent="0">
+              <a:buNone/>
+            </a:pPr>
+            <a:endParaRPr lang="en-US" dirty="0"/>
+          </a:p>
+        </p:txBody>
+      </p:sp>
+      <p:sp>
+        <p:nvSpPr>
+          <p:cNvPr id="7" name="Footer Placeholder 6">
+            <a:extLst>
+              <a:ext uri="{FF2B5EF4-FFF2-40B4-BE49-F238E27FC236}">
+                <a16:creationId xmlns:a16="http://schemas.microsoft.com/office/drawing/2014/main" id="{ACC3002D-2278-4577-8F4E-6E2FF7A233F7}"/>
+              </a:ext>
+            </a:extLst>
+          </p:cNvPr>
+          <p:cNvSpPr>
+            <a:spLocks noGrp="1"/>
+          </p:cNvSpPr>
+          <p:nvPr>
+            <p:ph type="ftr" sz="quarter" idx="11"/>
+          </p:nvPr>
+        </p:nvSpPr>
+        <p:spPr/>
+        <p:txBody>
+          <a:bodyPr/>
+          <a:lstStyle/>
+          <a:p>
+            <a:pPr algn="l"/>
+            <a:r>
+              <a:rPr lang="en-US"/>
+              <a:t>prepared by: Dirk Biesinger</a:t>
+            </a:r>
+            <a:endParaRPr lang="en-US" dirty="0"/>
+          </a:p>
+        </p:txBody>
+      </p:sp>
+      <p:sp>
+        <p:nvSpPr>
+          <p:cNvPr id="4" name="Slide Number Placeholder 3">
+            <a:extLst>
+              <a:ext uri="{FF2B5EF4-FFF2-40B4-BE49-F238E27FC236}">
+                <a16:creationId xmlns:a16="http://schemas.microsoft.com/office/drawing/2014/main" id="{BEA82A71-C21C-4008-8D7F-D50321A601B1}"/>
+              </a:ext>
+            </a:extLst>
+          </p:cNvPr>
+          <p:cNvSpPr>
+            <a:spLocks noGrp="1"/>
+          </p:cNvSpPr>
+          <p:nvPr>
+            <p:ph type="sldNum" sz="quarter" idx="12"/>
+          </p:nvPr>
+        </p:nvSpPr>
+        <p:spPr/>
+        <p:txBody>
+          <a:bodyPr/>
+          <a:lstStyle/>
+          <a:p>
+            <a:fld id="{5B2460FF-31CC-4613-BFA9-78F619706681}" type="slidenum">
+              <a:rPr lang="en-US" smtClean="0"/>
+              <a:pPr/>
+              <a:t>22</a:t>
+            </a:fld>
+            <a:r>
+              <a:rPr lang="en-US"/>
+              <a:t> of 21</a:t>
+            </a:r>
+            <a:endParaRPr lang="en-US" dirty="0"/>
+          </a:p>
+        </p:txBody>
+      </p:sp>
+    </p:spTree>
+    <p:extLst>
+      <p:ext uri="{BB962C8B-B14F-4D97-AF65-F5344CB8AC3E}">
+        <p14:creationId xmlns:p14="http://schemas.microsoft.com/office/powerpoint/2010/main" val="3942905101"/>
+      </p:ext>
+    </p:extLst>
+  </p:cSld>
+  <p:clrMapOvr>
+    <a:masterClrMapping/>
+  </p:clrMapOvr>
+</p:sld>
+</file>
+
+<file path=ppt/slides/slide23.xml><?xml version="1.0" encoding="utf-8"?>
+<p:sld xmlns:a="http://schemas.openxmlformats.org/drawingml/2006/main" xmlns:r="http://schemas.openxmlformats.org/officeDocument/2006/relationships" xmlns:p="http://schemas.openxmlformats.org/presentationml/2006/main">
+  <p:cSld>
+    <p:spTree>
+      <p:nvGrpSpPr>
+        <p:cNvPr id="1" name=""/>
+        <p:cNvGrpSpPr/>
+        <p:nvPr/>
+      </p:nvGrpSpPr>
+      <p:grpSpPr>
+        <a:xfrm>
+          <a:off x="0" y="0"/>
+          <a:ext cx="0" cy="0"/>
+          <a:chOff x="0" y="0"/>
+          <a:chExt cx="0" cy="0"/>
+        </a:xfrm>
+      </p:grpSpPr>
+      <p:sp>
+        <p:nvSpPr>
+          <p:cNvPr id="2" name="Title 1">
+            <a:extLst>
+              <a:ext uri="{FF2B5EF4-FFF2-40B4-BE49-F238E27FC236}">
+                <a16:creationId xmlns:a16="http://schemas.microsoft.com/office/drawing/2014/main" id="{45ADD621-BF70-451D-B45C-4EE1D2D449E4}"/>
+              </a:ext>
+            </a:extLst>
+          </p:cNvPr>
+          <p:cNvSpPr>
+            <a:spLocks noGrp="1"/>
+          </p:cNvSpPr>
+          <p:nvPr>
+            <p:ph type="ctrTitle"/>
+          </p:nvPr>
+        </p:nvSpPr>
+        <p:spPr/>
+        <p:txBody>
+          <a:bodyPr/>
+          <a:lstStyle/>
+          <a:p>
+            <a:r>
+              <a:rPr lang="en-US" dirty="0"/>
+              <a:t>The Art of Feature</a:t>
+            </a:r>
+            <a:br>
+              <a:rPr lang="en-US" dirty="0"/>
+            </a:br>
+            <a:r>
+              <a:rPr lang="en-US" dirty="0"/>
+              <a:t>Selection and Engineering</a:t>
+            </a:r>
+          </a:p>
+        </p:txBody>
+      </p:sp>
+      <p:sp>
+        <p:nvSpPr>
+          <p:cNvPr id="3" name="Subtitle 2">
+            <a:extLst>
+              <a:ext uri="{FF2B5EF4-FFF2-40B4-BE49-F238E27FC236}">
+                <a16:creationId xmlns:a16="http://schemas.microsoft.com/office/drawing/2014/main" id="{4DD14C89-D4AF-4F53-8931-DDD20E5E89A3}"/>
+              </a:ext>
+            </a:extLst>
+          </p:cNvPr>
+          <p:cNvSpPr>
+            <a:spLocks noGrp="1"/>
+          </p:cNvSpPr>
+          <p:nvPr>
+            <p:ph type="subTitle" idx="1"/>
+          </p:nvPr>
+        </p:nvSpPr>
+        <p:spPr/>
+        <p:txBody>
+          <a:bodyPr/>
+          <a:lstStyle/>
+          <a:p>
+            <a:r>
+              <a:rPr lang="en-US" dirty="0"/>
+              <a:t>It Matters.</a:t>
+            </a:r>
+          </a:p>
+          <a:p>
+            <a:endParaRPr lang="en-US" dirty="0"/>
+          </a:p>
+          <a:p>
+            <a:r>
+              <a:rPr lang="en-US"/>
+              <a:t>Thank you.</a:t>
+            </a:r>
+            <a:endParaRPr lang="en-US" dirty="0"/>
+          </a:p>
+        </p:txBody>
+      </p:sp>
+      <p:sp>
+        <p:nvSpPr>
+          <p:cNvPr id="7" name="Footer Placeholder 6">
+            <a:extLst>
+              <a:ext uri="{FF2B5EF4-FFF2-40B4-BE49-F238E27FC236}">
+                <a16:creationId xmlns:a16="http://schemas.microsoft.com/office/drawing/2014/main" id="{8C523C57-44A2-451E-BD67-6342074B7E6A}"/>
+              </a:ext>
+            </a:extLst>
+          </p:cNvPr>
+          <p:cNvSpPr>
+            <a:spLocks noGrp="1"/>
+          </p:cNvSpPr>
+          <p:nvPr>
+            <p:ph type="ftr" sz="quarter" idx="11"/>
+          </p:nvPr>
+        </p:nvSpPr>
+        <p:spPr/>
+        <p:txBody>
+          <a:bodyPr/>
+          <a:lstStyle/>
+          <a:p>
+            <a:pPr algn="l"/>
+            <a:r>
+              <a:rPr lang="en-US"/>
+              <a:t>prepared by: Dirk Biesinger</a:t>
+            </a:r>
+            <a:endParaRPr lang="en-US" dirty="0"/>
+          </a:p>
+        </p:txBody>
+      </p:sp>
+      <p:sp>
+        <p:nvSpPr>
+          <p:cNvPr id="4" name="Slide Number Placeholder 3">
+            <a:extLst>
+              <a:ext uri="{FF2B5EF4-FFF2-40B4-BE49-F238E27FC236}">
+                <a16:creationId xmlns:a16="http://schemas.microsoft.com/office/drawing/2014/main" id="{D661FB28-B8C6-4C5D-9B9B-E9D188C01675}"/>
+              </a:ext>
+            </a:extLst>
+          </p:cNvPr>
+          <p:cNvSpPr>
+            <a:spLocks noGrp="1"/>
+          </p:cNvSpPr>
+          <p:nvPr>
+            <p:ph type="sldNum" sz="quarter" idx="12"/>
+          </p:nvPr>
+        </p:nvSpPr>
+        <p:spPr/>
+        <p:txBody>
+          <a:bodyPr/>
+          <a:lstStyle/>
+          <a:p>
+            <a:fld id="{5B2460FF-31CC-4613-BFA9-78F619706681}" type="slidenum">
+              <a:rPr lang="en-US" smtClean="0"/>
+              <a:pPr/>
+              <a:t>23</a:t>
+            </a:fld>
+            <a:r>
+              <a:rPr lang="en-US" dirty="0"/>
+              <a:t> of 23</a:t>
+            </a:r>
           </a:p>
         </p:txBody>
       </p:sp>
@@ -9445,19 +9428,25 @@
           <a:p>
             <a:r>
               <a:rPr lang="en-US" dirty="0"/>
-              <a:t>1. The Dataset the demos are based on</a:t>
-            </a:r>
-          </a:p>
-          <a:p>
-            <a:r>
-              <a:rPr lang="en-US" dirty="0"/>
-              <a:t>2. Feature Selection</a:t>
-            </a:r>
-          </a:p>
-          <a:p>
-            <a:r>
-              <a:rPr lang="en-US" dirty="0"/>
-              <a:t>3. Feature Engineering</a:t>
+              <a:t>1. About me and links</a:t>
+            </a:r>
+          </a:p>
+          <a:p>
+            <a:r>
+              <a:rPr lang="en-US" dirty="0"/>
+              <a:t>2. Introducing the Dataset used in the demos</a:t>
+            </a:r>
+          </a:p>
+          <a:p>
+            <a:r>
+              <a:rPr lang="en-US" dirty="0"/>
+              <a:t>3. Feature Selection</a:t>
+            </a:r>
+          </a:p>
+          <a:p>
+            <a:r>
+              <a:rPr lang="en-US" dirty="0"/>
+              <a:t>4. Feature Engineering</a:t>
             </a:r>
           </a:p>
         </p:txBody>
@@ -9561,7 +9550,7 @@
           <p:cNvPr id="2" name="Title 1">
             <a:extLst>
               <a:ext uri="{FF2B5EF4-FFF2-40B4-BE49-F238E27FC236}">
-                <a16:creationId xmlns:a16="http://schemas.microsoft.com/office/drawing/2014/main" id="{6A063244-F194-45B2-92ED-24658575D06A}"/>
+                <a16:creationId xmlns:a16="http://schemas.microsoft.com/office/drawing/2014/main" id="{B688C416-A8F4-4CF4-8327-CECA6A6DEB9E}"/>
               </a:ext>
             </a:extLst>
           </p:cNvPr>
@@ -9579,7 +9568,7 @@
           <a:p>
             <a:r>
               <a:rPr lang="en-US" dirty="0"/>
-              <a:t>The Dataset. MADELON</a:t>
+              <a:t>About me</a:t>
             </a:r>
           </a:p>
         </p:txBody>
@@ -9589,7 +9578,7 @@
           <p:cNvPr id="3" name="Content Placeholder 2">
             <a:extLst>
               <a:ext uri="{FF2B5EF4-FFF2-40B4-BE49-F238E27FC236}">
-                <a16:creationId xmlns:a16="http://schemas.microsoft.com/office/drawing/2014/main" id="{EC4F6EC1-81ED-442A-8920-6D63ED821318}"/>
+                <a16:creationId xmlns:a16="http://schemas.microsoft.com/office/drawing/2014/main" id="{9C1124A4-B85C-4123-91A3-8F59E1B80C64}"/>
               </a:ext>
             </a:extLst>
           </p:cNvPr>
@@ -9600,60 +9589,62 @@
             <p:ph idx="1"/>
           </p:nvPr>
         </p:nvSpPr>
-        <p:spPr/>
-        <p:txBody>
-          <a:bodyPr/>
-          <a:lstStyle/>
-          <a:p>
-            <a:pPr marL="0" indent="0">
-              <a:buNone/>
-            </a:pPr>
-            <a:r>
-              <a:rPr lang="en-US" dirty="0"/>
-              <a:t>The dataset used for the demonstrations is a synthetic dataset created by Isabelle Guyon (Prof. for DS @ </a:t>
-            </a:r>
-            <a:r>
-              <a:rPr lang="en-US" dirty="0" err="1"/>
-              <a:t>Université</a:t>
-            </a:r>
-            <a:r>
-              <a:rPr lang="en-US" dirty="0"/>
-              <a:t> Paris-</a:t>
-            </a:r>
-            <a:r>
-              <a:rPr lang="en-US" dirty="0" err="1"/>
-              <a:t>Saclay</a:t>
-            </a:r>
-            <a:r>
-              <a:rPr lang="en-US" dirty="0"/>
-              <a:t>; inventor of SVM-RFE) for the purpose of demonstrating feature selection and feature engineering.</a:t>
-            </a:r>
-          </a:p>
-          <a:p>
-            <a:pPr marL="0" indent="0">
-              <a:buNone/>
-            </a:pPr>
-            <a:r>
-              <a:rPr lang="en-US" dirty="0"/>
-              <a:t>It consists of 2000 training observations, 500 features with integers in the range 0…1000 and a target of -1 or 1 (equally distributed).</a:t>
-            </a:r>
-          </a:p>
-          <a:p>
-            <a:pPr marL="0" indent="0">
-              <a:buNone/>
-            </a:pPr>
-            <a:r>
-              <a:rPr lang="en-US" dirty="0"/>
-              <a:t>Further, 600 test observations in the same manner.</a:t>
-            </a:r>
-          </a:p>
-          <a:p>
-            <a:pPr marL="0" indent="0">
-              <a:buNone/>
-            </a:pPr>
-            <a:r>
-              <a:rPr lang="en-US" dirty="0"/>
-              <a:t>Details: http://archive.ics.uci.edu/ml/datasets/madelon</a:t>
+        <p:spPr>
+          <a:xfrm>
+            <a:off x="838200" y="1825625"/>
+            <a:ext cx="10515600" cy="3736975"/>
+          </a:xfrm>
+        </p:spPr>
+        <p:txBody>
+          <a:bodyPr>
+            <a:normAutofit fontScale="92500" lnSpcReduction="10000"/>
+          </a:bodyPr>
+          <a:lstStyle/>
+          <a:p>
+            <a:r>
+              <a:rPr lang="en-US" dirty="0"/>
+              <a:t>Interested in AI and intelligence in general</a:t>
+            </a:r>
+          </a:p>
+          <a:p>
+            <a:r>
+              <a:rPr lang="en-US" dirty="0"/>
+              <a:t>Lived and worked in Germany, Canada, USA</a:t>
+            </a:r>
+          </a:p>
+          <a:p>
+            <a:r>
+              <a:rPr lang="en-US" dirty="0"/>
+              <a:t>Industries: Technology, Aerospace, Oil and Gas, Banking, Food, Manufacturing</a:t>
+            </a:r>
+          </a:p>
+          <a:p>
+            <a:r>
+              <a:rPr lang="en-US" dirty="0"/>
+              <a:t>Data Scientist, focusing on ML</a:t>
+            </a:r>
+          </a:p>
+          <a:p>
+            <a:r>
+              <a:rPr lang="en-US" dirty="0"/>
+              <a:t>‘paid hobby’: teaching at UW Continuum College (Data Science and Python)</a:t>
+            </a:r>
+          </a:p>
+          <a:p>
+            <a:r>
+              <a:rPr lang="en-US" dirty="0"/>
+              <a:t>Organizer of Greater Seattle </a:t>
+            </a:r>
+            <a:r>
+              <a:rPr lang="en-US"/>
+              <a:t>Kaggle Meetup</a:t>
+            </a:r>
+            <a:endParaRPr lang="en-US" dirty="0"/>
+          </a:p>
+          <a:p>
+            <a:r>
+              <a:rPr lang="en-US" dirty="0"/>
+              <a:t>Looking for my next challenge, preferably focusing on ML</a:t>
             </a:r>
           </a:p>
         </p:txBody>
@@ -9663,7 +9654,7 @@
           <p:cNvPr id="7" name="Footer Placeholder 6">
             <a:extLst>
               <a:ext uri="{FF2B5EF4-FFF2-40B4-BE49-F238E27FC236}">
-                <a16:creationId xmlns:a16="http://schemas.microsoft.com/office/drawing/2014/main" id="{7C4AD17B-53D4-4550-9ED1-916FE25F12CA}"/>
+                <a16:creationId xmlns:a16="http://schemas.microsoft.com/office/drawing/2014/main" id="{1EA514DE-ED79-4490-8B5D-0D027BF02BDC}"/>
               </a:ext>
             </a:extLst>
           </p:cNvPr>
@@ -9681,10 +9672,9 @@
           <a:p>
             <a:pPr algn="l"/>
             <a:r>
-              <a:rPr lang="en-US"/>
+              <a:rPr lang="en-US" dirty="0"/>
               <a:t>prepared by: Dirk Biesinger</a:t>
             </a:r>
-            <a:endParaRPr lang="en-US" dirty="0"/>
           </a:p>
         </p:txBody>
       </p:sp>
@@ -9693,7 +9683,7 @@
           <p:cNvPr id="4" name="Slide Number Placeholder 3">
             <a:extLst>
               <a:ext uri="{FF2B5EF4-FFF2-40B4-BE49-F238E27FC236}">
-                <a16:creationId xmlns:a16="http://schemas.microsoft.com/office/drawing/2014/main" id="{8955DB5C-DC5A-46FD-901F-06CF05287C84}"/>
+                <a16:creationId xmlns:a16="http://schemas.microsoft.com/office/drawing/2014/main" id="{E89518B3-382C-440D-85E7-E8279725881B}"/>
               </a:ext>
             </a:extLst>
           </p:cNvPr>
@@ -9722,10 +9712,307 @@
           </a:p>
         </p:txBody>
       </p:sp>
+      <p:grpSp>
+        <p:nvGrpSpPr>
+          <p:cNvPr id="9" name="Group 8">
+            <a:extLst>
+              <a:ext uri="{FF2B5EF4-FFF2-40B4-BE49-F238E27FC236}">
+                <a16:creationId xmlns:a16="http://schemas.microsoft.com/office/drawing/2014/main" id="{8696E3AD-85A7-4A52-B240-D5D07DE28F89}"/>
+              </a:ext>
+            </a:extLst>
+          </p:cNvPr>
+          <p:cNvGrpSpPr/>
+          <p:nvPr/>
+        </p:nvGrpSpPr>
+        <p:grpSpPr>
+          <a:xfrm>
+            <a:off x="2744142" y="6297189"/>
+            <a:ext cx="3253184" cy="365125"/>
+            <a:chOff x="587682" y="5423127"/>
+            <a:chExt cx="3253184" cy="365125"/>
+          </a:xfrm>
+        </p:grpSpPr>
+        <p:pic>
+          <p:nvPicPr>
+            <p:cNvPr id="6" name="Picture 5" descr="A picture containing vector graphics&#10;&#10;Description automatically generated">
+              <a:extLst>
+                <a:ext uri="{FF2B5EF4-FFF2-40B4-BE49-F238E27FC236}">
+                  <a16:creationId xmlns:a16="http://schemas.microsoft.com/office/drawing/2014/main" id="{9CB75FE9-EF14-4564-AB3B-157875194F8A}"/>
+                </a:ext>
+              </a:extLst>
+            </p:cNvPr>
+            <p:cNvPicPr>
+              <a:picLocks noChangeAspect="1"/>
+            </p:cNvPicPr>
+            <p:nvPr/>
+          </p:nvPicPr>
+          <p:blipFill>
+            <a:blip r:embed="rId3">
+              <a:extLst>
+                <a:ext uri="{28A0092B-C50C-407E-A947-70E740481C1C}">
+                  <a14:useLocalDpi xmlns:a14="http://schemas.microsoft.com/office/drawing/2010/main" val="0"/>
+                </a:ext>
+              </a:extLst>
+            </a:blip>
+            <a:stretch>
+              <a:fillRect/>
+            </a:stretch>
+          </p:blipFill>
+          <p:spPr>
+            <a:xfrm>
+              <a:off x="587682" y="5423127"/>
+              <a:ext cx="429360" cy="365125"/>
+            </a:xfrm>
+            <a:prstGeom prst="rect">
+              <a:avLst/>
+            </a:prstGeom>
+          </p:spPr>
+        </p:pic>
+        <p:sp>
+          <p:nvSpPr>
+            <p:cNvPr id="8" name="TextBox 7">
+              <a:extLst>
+                <a:ext uri="{FF2B5EF4-FFF2-40B4-BE49-F238E27FC236}">
+                  <a16:creationId xmlns:a16="http://schemas.microsoft.com/office/drawing/2014/main" id="{90F5BE42-31E1-438A-A591-6FD834AE8FA2}"/>
+                </a:ext>
+              </a:extLst>
+            </p:cNvPr>
+            <p:cNvSpPr txBox="1"/>
+            <p:nvPr/>
+          </p:nvSpPr>
+          <p:spPr>
+            <a:xfrm>
+              <a:off x="1128713" y="5445167"/>
+              <a:ext cx="2712153" cy="338554"/>
+            </a:xfrm>
+            <a:prstGeom prst="rect">
+              <a:avLst/>
+            </a:prstGeom>
+            <a:noFill/>
+          </p:spPr>
+          <p:txBody>
+            <a:bodyPr wrap="none" rtlCol="0">
+              <a:spAutoFit/>
+            </a:bodyPr>
+            <a:lstStyle/>
+            <a:p>
+              <a:r>
+                <a:rPr lang="en-US" sz="1600" dirty="0">
+                  <a:hlinkClick r:id="rId4"/>
+                </a:rPr>
+                <a:t>linkedin.com/in/dirkbiesinger/</a:t>
+              </a:r>
+              <a:endParaRPr lang="en-US" sz="1600" dirty="0"/>
+            </a:p>
+          </p:txBody>
+        </p:sp>
+      </p:grpSp>
+      <p:grpSp>
+        <p:nvGrpSpPr>
+          <p:cNvPr id="13" name="Group 12">
+            <a:extLst>
+              <a:ext uri="{FF2B5EF4-FFF2-40B4-BE49-F238E27FC236}">
+                <a16:creationId xmlns:a16="http://schemas.microsoft.com/office/drawing/2014/main" id="{99A884F9-7F5F-4404-A21A-043676CC3542}"/>
+              </a:ext>
+            </a:extLst>
+          </p:cNvPr>
+          <p:cNvGrpSpPr/>
+          <p:nvPr/>
+        </p:nvGrpSpPr>
+        <p:grpSpPr>
+          <a:xfrm>
+            <a:off x="6247844" y="6319229"/>
+            <a:ext cx="1473938" cy="369332"/>
+            <a:chOff x="5212203" y="5421631"/>
+            <a:chExt cx="1473938" cy="369332"/>
+          </a:xfrm>
+        </p:grpSpPr>
+        <p:pic>
+          <p:nvPicPr>
+            <p:cNvPr id="11" name="Picture 10">
+              <a:extLst>
+                <a:ext uri="{FF2B5EF4-FFF2-40B4-BE49-F238E27FC236}">
+                  <a16:creationId xmlns:a16="http://schemas.microsoft.com/office/drawing/2014/main" id="{2ACA1107-8698-49F9-A9C8-409521E62CD9}"/>
+                </a:ext>
+              </a:extLst>
+            </p:cNvPr>
+            <p:cNvPicPr>
+              <a:picLocks noChangeAspect="1"/>
+            </p:cNvPicPr>
+            <p:nvPr/>
+          </p:nvPicPr>
+          <p:blipFill>
+            <a:blip r:embed="rId5">
+              <a:extLst>
+                <a:ext uri="{28A0092B-C50C-407E-A947-70E740481C1C}">
+                  <a14:useLocalDpi xmlns:a14="http://schemas.microsoft.com/office/drawing/2010/main" val="0"/>
+                </a:ext>
+              </a:extLst>
+            </a:blip>
+            <a:stretch>
+              <a:fillRect/>
+            </a:stretch>
+          </p:blipFill>
+          <p:spPr>
+            <a:xfrm>
+              <a:off x="5212203" y="5423127"/>
+              <a:ext cx="360594" cy="360594"/>
+            </a:xfrm>
+            <a:prstGeom prst="rect">
+              <a:avLst/>
+            </a:prstGeom>
+          </p:spPr>
+        </p:pic>
+        <p:sp>
+          <p:nvSpPr>
+            <p:cNvPr id="12" name="TextBox 11">
+              <a:extLst>
+                <a:ext uri="{FF2B5EF4-FFF2-40B4-BE49-F238E27FC236}">
+                  <a16:creationId xmlns:a16="http://schemas.microsoft.com/office/drawing/2014/main" id="{2EC6681D-AA61-41B1-B704-9CEB79298CDC}"/>
+                </a:ext>
+              </a:extLst>
+            </p:cNvPr>
+            <p:cNvSpPr txBox="1"/>
+            <p:nvPr/>
+          </p:nvSpPr>
+          <p:spPr>
+            <a:xfrm>
+              <a:off x="5684520" y="5421631"/>
+              <a:ext cx="1001621" cy="369332"/>
+            </a:xfrm>
+            <a:prstGeom prst="rect">
+              <a:avLst/>
+            </a:prstGeom>
+            <a:noFill/>
+          </p:spPr>
+          <p:txBody>
+            <a:bodyPr wrap="none" rtlCol="0">
+              <a:spAutoFit/>
+            </a:bodyPr>
+            <a:lstStyle/>
+            <a:p>
+              <a:r>
+                <a:rPr lang="en-US" dirty="0">
+                  <a:hlinkClick r:id="rId6"/>
+                </a:rPr>
+                <a:t>@</a:t>
+              </a:r>
+              <a:r>
+                <a:rPr lang="en-US" dirty="0" err="1">
+                  <a:hlinkClick r:id="rId6"/>
+                </a:rPr>
+                <a:t>Saravji</a:t>
+              </a:r>
+              <a:endParaRPr lang="en-US" dirty="0"/>
+            </a:p>
+          </p:txBody>
+        </p:sp>
+      </p:grpSp>
+      <p:grpSp>
+        <p:nvGrpSpPr>
+          <p:cNvPr id="17" name="Group 16">
+            <a:extLst>
+              <a:ext uri="{FF2B5EF4-FFF2-40B4-BE49-F238E27FC236}">
+                <a16:creationId xmlns:a16="http://schemas.microsoft.com/office/drawing/2014/main" id="{55E58BA9-0F62-4DCE-86D2-1665F09C04FA}"/>
+              </a:ext>
+            </a:extLst>
+          </p:cNvPr>
+          <p:cNvGrpSpPr/>
+          <p:nvPr/>
+        </p:nvGrpSpPr>
+        <p:grpSpPr>
+          <a:xfrm>
+            <a:off x="8132197" y="6297189"/>
+            <a:ext cx="2445487" cy="391372"/>
+            <a:chOff x="5975737" y="5423127"/>
+            <a:chExt cx="2445487" cy="391372"/>
+          </a:xfrm>
+        </p:grpSpPr>
+        <p:pic>
+          <p:nvPicPr>
+            <p:cNvPr id="15" name="Picture 14" descr="A close up of a logo&#10;&#10;Description automatically generated">
+              <a:extLst>
+                <a:ext uri="{FF2B5EF4-FFF2-40B4-BE49-F238E27FC236}">
+                  <a16:creationId xmlns:a16="http://schemas.microsoft.com/office/drawing/2014/main" id="{FE36A097-F1EC-44E8-9E4E-7B827D156991}"/>
+                </a:ext>
+              </a:extLst>
+            </p:cNvPr>
+            <p:cNvPicPr>
+              <a:picLocks noChangeAspect="1"/>
+            </p:cNvPicPr>
+            <p:nvPr/>
+          </p:nvPicPr>
+          <p:blipFill>
+            <a:blip r:embed="rId7">
+              <a:extLst>
+                <a:ext uri="{28A0092B-C50C-407E-A947-70E740481C1C}">
+                  <a14:useLocalDpi xmlns:a14="http://schemas.microsoft.com/office/drawing/2010/main" val="0"/>
+                </a:ext>
+              </a:extLst>
+            </a:blip>
+            <a:stretch>
+              <a:fillRect/>
+            </a:stretch>
+          </p:blipFill>
+          <p:spPr>
+            <a:xfrm>
+              <a:off x="5975737" y="5423127"/>
+              <a:ext cx="391372" cy="391372"/>
+            </a:xfrm>
+            <a:prstGeom prst="rect">
+              <a:avLst/>
+            </a:prstGeom>
+          </p:spPr>
+        </p:pic>
+        <p:sp>
+          <p:nvSpPr>
+            <p:cNvPr id="16" name="TextBox 15">
+              <a:extLst>
+                <a:ext uri="{FF2B5EF4-FFF2-40B4-BE49-F238E27FC236}">
+                  <a16:creationId xmlns:a16="http://schemas.microsoft.com/office/drawing/2014/main" id="{A3157CC8-E2E2-4581-AAF2-319CAB074187}"/>
+                </a:ext>
+              </a:extLst>
+            </p:cNvPr>
+            <p:cNvSpPr txBox="1"/>
+            <p:nvPr/>
+          </p:nvSpPr>
+          <p:spPr>
+            <a:xfrm>
+              <a:off x="6472549" y="5442294"/>
+              <a:ext cx="1948675" cy="369332"/>
+            </a:xfrm>
+            <a:prstGeom prst="rect">
+              <a:avLst/>
+            </a:prstGeom>
+            <a:noFill/>
+          </p:spPr>
+          <p:txBody>
+            <a:bodyPr wrap="none" rtlCol="0">
+              <a:spAutoFit/>
+            </a:bodyPr>
+            <a:lstStyle/>
+            <a:p>
+              <a:r>
+                <a:rPr lang="en-US" dirty="0">
+                  <a:hlinkClick r:id="rId8"/>
+                </a:rPr>
+                <a:t>github.com/</a:t>
+              </a:r>
+              <a:r>
+                <a:rPr lang="en-US" dirty="0" err="1">
+                  <a:hlinkClick r:id="rId8"/>
+                </a:rPr>
+                <a:t>Saravji</a:t>
+              </a:r>
+              <a:endParaRPr lang="en-US" dirty="0"/>
+            </a:p>
+          </p:txBody>
+        </p:sp>
+      </p:grpSp>
     </p:spTree>
     <p:extLst>
       <p:ext uri="{BB962C8B-B14F-4D97-AF65-F5344CB8AC3E}">
-        <p14:creationId xmlns:p14="http://schemas.microsoft.com/office/powerpoint/2010/main" val="2099005135"/>
+        <p14:creationId xmlns:p14="http://schemas.microsoft.com/office/powerpoint/2010/main" val="1790929828"/>
       </p:ext>
     </p:extLst>
   </p:cSld>
@@ -9757,7 +10044,7 @@
           <p:cNvPr id="2" name="Title 1">
             <a:extLst>
               <a:ext uri="{FF2B5EF4-FFF2-40B4-BE49-F238E27FC236}">
-                <a16:creationId xmlns:a16="http://schemas.microsoft.com/office/drawing/2014/main" id="{427766FB-1B7C-4AED-AFF3-D0AA5B53F78D}"/>
+                <a16:creationId xmlns:a16="http://schemas.microsoft.com/office/drawing/2014/main" id="{B688C416-A8F4-4CF4-8327-CECA6A6DEB9E}"/>
               </a:ext>
             </a:extLst>
           </p:cNvPr>
@@ -9775,7 +10062,7 @@
           <a:p>
             <a:r>
               <a:rPr lang="en-US" dirty="0"/>
-              <a:t>Feature Selection. Why?</a:t>
+              <a:t>Links</a:t>
             </a:r>
           </a:p>
         </p:txBody>
@@ -9785,7 +10072,7 @@
           <p:cNvPr id="3" name="Content Placeholder 2">
             <a:extLst>
               <a:ext uri="{FF2B5EF4-FFF2-40B4-BE49-F238E27FC236}">
-                <a16:creationId xmlns:a16="http://schemas.microsoft.com/office/drawing/2014/main" id="{70B07528-BF93-4207-8A6A-ECE75B173009}"/>
+                <a16:creationId xmlns:a16="http://schemas.microsoft.com/office/drawing/2014/main" id="{9C1124A4-B85C-4123-91A3-8F59E1B80C64}"/>
               </a:ext>
             </a:extLst>
           </p:cNvPr>
@@ -9798,40 +10085,203 @@
         </p:nvSpPr>
         <p:spPr/>
         <p:txBody>
-          <a:bodyPr/>
-          <a:lstStyle/>
-          <a:p>
-            <a:r>
-              <a:rPr lang="en-US" dirty="0"/>
-              <a:t>The Intuition behind feature selection is to only provide features supporting the signal to an ML algorithm and suppress the features adding noise.</a:t>
-            </a:r>
-          </a:p>
-          <a:p>
-            <a:r>
-              <a:rPr lang="en-US" dirty="0"/>
-              <a:t>Feature Selection is fundamentally different from feature elimination and dimensionality reduction:</a:t>
-            </a:r>
-          </a:p>
-          <a:p>
-            <a:pPr lvl="1"/>
-            <a:r>
-              <a:rPr lang="en-US" dirty="0"/>
-              <a:t>Feature elimination recursively eliminates the feature that adds the least value while examining against the remainder of features.</a:t>
-            </a:r>
-          </a:p>
-          <a:p>
-            <a:pPr lvl="1"/>
-            <a:r>
-              <a:rPr lang="en-US" dirty="0"/>
-              <a:t>Dimensionality reduction does not eliminate any data, but alters the composition of the data in a mathematical way. The original data can be reconstructed out of the result.</a:t>
-            </a:r>
-          </a:p>
-          <a:p>
-            <a:pPr lvl="1"/>
-            <a:r>
-              <a:rPr lang="en-US" dirty="0"/>
-              <a:t>Feature Selection selects all the features that add value starting from zero.</a:t>
-            </a:r>
+          <a:bodyPr>
+            <a:normAutofit/>
+          </a:bodyPr>
+          <a:lstStyle/>
+          <a:p>
+            <a:r>
+              <a:rPr lang="en-US" dirty="0"/>
+              <a:t>This presentation: </a:t>
+            </a:r>
+            <a:r>
+              <a:rPr lang="en-US" sz="1800" dirty="0">
+                <a:hlinkClick r:id="rId3"/>
+              </a:rPr>
+              <a:t>github.com/</a:t>
+            </a:r>
+            <a:r>
+              <a:rPr lang="en-US" sz="1800" dirty="0" err="1">
+                <a:hlinkClick r:id="rId3"/>
+              </a:rPr>
+              <a:t>Saravji</a:t>
+            </a:r>
+            <a:r>
+              <a:rPr lang="en-US" sz="1800" dirty="0">
+                <a:hlinkClick r:id="rId3"/>
+              </a:rPr>
+              <a:t>/.../Art Feature Selection and Engineering.pdf</a:t>
+            </a:r>
+            <a:endParaRPr lang="en-US" sz="1800" dirty="0"/>
+          </a:p>
+          <a:p>
+            <a:r>
+              <a:rPr lang="en-US" dirty="0"/>
+              <a:t>Demo Feature Selection: </a:t>
+            </a:r>
+            <a:r>
+              <a:rPr lang="en-US" sz="1800" dirty="0">
+                <a:hlinkClick r:id="rId4"/>
+              </a:rPr>
+              <a:t>github.com/</a:t>
+            </a:r>
+            <a:r>
+              <a:rPr lang="en-US" sz="1800" dirty="0" err="1">
+                <a:hlinkClick r:id="rId4"/>
+              </a:rPr>
+              <a:t>Saravji</a:t>
+            </a:r>
+            <a:r>
+              <a:rPr lang="en-US" sz="1800" dirty="0">
+                <a:hlinkClick r:id="rId4"/>
+              </a:rPr>
+              <a:t>/.../Demo Notebook Feature </a:t>
+            </a:r>
+            <a:r>
+              <a:rPr lang="en-US" sz="1800" dirty="0" err="1">
+                <a:hlinkClick r:id="rId4"/>
+              </a:rPr>
+              <a:t>Selection.ipynb</a:t>
+            </a:r>
+            <a:endParaRPr lang="en-US" sz="1800" dirty="0"/>
+          </a:p>
+          <a:p>
+            <a:r>
+              <a:rPr lang="en-US" dirty="0"/>
+              <a:t>Demo Feature Engineering: </a:t>
+            </a:r>
+            <a:r>
+              <a:rPr lang="en-US" sz="1700" dirty="0">
+                <a:hlinkClick r:id="rId5"/>
+              </a:rPr>
+              <a:t>github.com/</a:t>
+            </a:r>
+            <a:r>
+              <a:rPr lang="en-US" sz="1700" dirty="0" err="1">
+                <a:hlinkClick r:id="rId5"/>
+              </a:rPr>
+              <a:t>Saravji</a:t>
+            </a:r>
+            <a:r>
+              <a:rPr lang="en-US" sz="1700" dirty="0">
+                <a:hlinkClick r:id="rId5"/>
+              </a:rPr>
+              <a:t>/.../Demo Notebook Feature </a:t>
+            </a:r>
+            <a:r>
+              <a:rPr lang="en-US" sz="1700" dirty="0" err="1">
+                <a:hlinkClick r:id="rId5"/>
+              </a:rPr>
+              <a:t>Engineering.ipynb</a:t>
+            </a:r>
+            <a:endParaRPr lang="en-US" sz="1700" dirty="0"/>
+          </a:p>
+          <a:p>
+            <a:r>
+              <a:rPr lang="en-US" dirty="0" err="1"/>
+              <a:t>boruta_py</a:t>
+            </a:r>
+            <a:r>
+              <a:rPr lang="en-US" dirty="0"/>
+              <a:t> feature selection method: </a:t>
+            </a:r>
+            <a:r>
+              <a:rPr lang="en-US" sz="1800" dirty="0">
+                <a:hlinkClick r:id="rId6"/>
+              </a:rPr>
+              <a:t>Boruta all-relevant feature selection method</a:t>
+            </a:r>
+            <a:endParaRPr lang="en-US" sz="1800" dirty="0"/>
+          </a:p>
+          <a:p>
+            <a:r>
+              <a:rPr lang="en-US" dirty="0" err="1"/>
+              <a:t>boruta_py</a:t>
+            </a:r>
+            <a:r>
+              <a:rPr lang="en-US" dirty="0"/>
+              <a:t> implementation (Daniel </a:t>
+            </a:r>
+            <a:r>
+              <a:rPr lang="en-US" dirty="0" err="1"/>
+              <a:t>Homola</a:t>
+            </a:r>
+            <a:r>
+              <a:rPr lang="en-US" dirty="0"/>
+              <a:t>): </a:t>
+            </a:r>
+            <a:r>
+              <a:rPr lang="en-US" sz="1800" dirty="0">
+                <a:hlinkClick r:id="rId7"/>
+              </a:rPr>
+              <a:t>Related blog post</a:t>
+            </a:r>
+            <a:endParaRPr lang="en-US" sz="1800" dirty="0"/>
+          </a:p>
+          <a:p>
+            <a:r>
+              <a:rPr lang="en-US" dirty="0" err="1"/>
+              <a:t>boruta_py</a:t>
+            </a:r>
+            <a:r>
+              <a:rPr lang="en-US" dirty="0"/>
+              <a:t> </a:t>
+            </a:r>
+            <a:r>
+              <a:rPr lang="en-US" dirty="0" err="1"/>
+              <a:t>conda</a:t>
+            </a:r>
+            <a:r>
+              <a:rPr lang="en-US" dirty="0"/>
+              <a:t> package: </a:t>
+            </a:r>
+            <a:r>
+              <a:rPr lang="en-US" sz="1800" dirty="0">
+                <a:hlinkClick r:id="rId8"/>
+              </a:rPr>
+              <a:t>anaconda.org/</a:t>
+            </a:r>
+            <a:r>
+              <a:rPr lang="en-US" sz="1800" dirty="0" err="1">
+                <a:hlinkClick r:id="rId8"/>
+              </a:rPr>
+              <a:t>Saravji</a:t>
+            </a:r>
+            <a:r>
+              <a:rPr lang="en-US" sz="1800" dirty="0">
+                <a:hlinkClick r:id="rId8"/>
+              </a:rPr>
+              <a:t>/</a:t>
+            </a:r>
+            <a:r>
+              <a:rPr lang="en-US" sz="1800" dirty="0" err="1">
+                <a:hlinkClick r:id="rId8"/>
+              </a:rPr>
+              <a:t>boruta</a:t>
+            </a:r>
+            <a:endParaRPr lang="en-US" sz="1800" dirty="0"/>
+          </a:p>
+          <a:p>
+            <a:r>
+              <a:rPr lang="en-US" dirty="0"/>
+              <a:t>MADELON Dataset: </a:t>
+            </a:r>
+            <a:r>
+              <a:rPr lang="en-US" sz="1800" dirty="0">
+                <a:hlinkClick r:id="rId9"/>
+              </a:rPr>
+              <a:t>archive.ics.uci.edu/ml/datasets/</a:t>
+            </a:r>
+            <a:r>
+              <a:rPr lang="en-US" sz="1800" dirty="0" err="1">
+                <a:hlinkClick r:id="rId9"/>
+              </a:rPr>
+              <a:t>madelon</a:t>
+            </a:r>
+            <a:endParaRPr lang="en-US" sz="1800" dirty="0"/>
+          </a:p>
+          <a:p>
+            <a:endParaRPr lang="en-US" dirty="0"/>
           </a:p>
         </p:txBody>
       </p:sp>
@@ -9840,7 +10290,7 @@
           <p:cNvPr id="7" name="Footer Placeholder 6">
             <a:extLst>
               <a:ext uri="{FF2B5EF4-FFF2-40B4-BE49-F238E27FC236}">
-                <a16:creationId xmlns:a16="http://schemas.microsoft.com/office/drawing/2014/main" id="{CF221888-333D-4296-967A-DB798565BDC9}"/>
+                <a16:creationId xmlns:a16="http://schemas.microsoft.com/office/drawing/2014/main" id="{1EA514DE-ED79-4490-8B5D-0D027BF02BDC}"/>
               </a:ext>
             </a:extLst>
           </p:cNvPr>
@@ -9870,7 +10320,7 @@
           <p:cNvPr id="4" name="Slide Number Placeholder 3">
             <a:extLst>
               <a:ext uri="{FF2B5EF4-FFF2-40B4-BE49-F238E27FC236}">
-                <a16:creationId xmlns:a16="http://schemas.microsoft.com/office/drawing/2014/main" id="{8C15DCD2-BF82-4D8A-8866-588852DAB4C7}"/>
+                <a16:creationId xmlns:a16="http://schemas.microsoft.com/office/drawing/2014/main" id="{E89518B3-382C-440D-85E7-E8279725881B}"/>
               </a:ext>
             </a:extLst>
           </p:cNvPr>
@@ -9890,6 +10340,386 @@
               <a:rPr lang="en-US" smtClean="0"/>
               <a:pPr/>
               <a:t>5</a:t>
+            </a:fld>
+            <a:r>
+              <a:rPr lang="en-US"/>
+              <a:t> of 21</a:t>
+            </a:r>
+            <a:endParaRPr lang="en-US" dirty="0"/>
+          </a:p>
+        </p:txBody>
+      </p:sp>
+    </p:spTree>
+    <p:extLst>
+      <p:ext uri="{BB962C8B-B14F-4D97-AF65-F5344CB8AC3E}">
+        <p14:creationId xmlns:p14="http://schemas.microsoft.com/office/powerpoint/2010/main" val="3369315876"/>
+      </p:ext>
+    </p:extLst>
+  </p:cSld>
+  <p:clrMapOvr>
+    <a:masterClrMapping/>
+  </p:clrMapOvr>
+</p:sld>
+</file>
+
+<file path=ppt/slides/slide6.xml><?xml version="1.0" encoding="utf-8"?>
+<p:sld xmlns:a="http://schemas.openxmlformats.org/drawingml/2006/main" xmlns:r="http://schemas.openxmlformats.org/officeDocument/2006/relationships" xmlns:p="http://schemas.openxmlformats.org/presentationml/2006/main">
+  <p:cSld>
+    <p:spTree>
+      <p:nvGrpSpPr>
+        <p:cNvPr id="1" name=""/>
+        <p:cNvGrpSpPr/>
+        <p:nvPr/>
+      </p:nvGrpSpPr>
+      <p:grpSpPr>
+        <a:xfrm>
+          <a:off x="0" y="0"/>
+          <a:ext cx="0" cy="0"/>
+          <a:chOff x="0" y="0"/>
+          <a:chExt cx="0" cy="0"/>
+        </a:xfrm>
+      </p:grpSpPr>
+      <p:sp>
+        <p:nvSpPr>
+          <p:cNvPr id="2" name="Title 1">
+            <a:extLst>
+              <a:ext uri="{FF2B5EF4-FFF2-40B4-BE49-F238E27FC236}">
+                <a16:creationId xmlns:a16="http://schemas.microsoft.com/office/drawing/2014/main" id="{6A063244-F194-45B2-92ED-24658575D06A}"/>
+              </a:ext>
+            </a:extLst>
+          </p:cNvPr>
+          <p:cNvSpPr>
+            <a:spLocks noGrp="1"/>
+          </p:cNvSpPr>
+          <p:nvPr>
+            <p:ph type="title"/>
+          </p:nvPr>
+        </p:nvSpPr>
+        <p:spPr/>
+        <p:txBody>
+          <a:bodyPr/>
+          <a:lstStyle/>
+          <a:p>
+            <a:r>
+              <a:rPr lang="en-US" dirty="0"/>
+              <a:t>Introducing the Dataset. MADELON</a:t>
+            </a:r>
+          </a:p>
+        </p:txBody>
+      </p:sp>
+      <p:sp>
+        <p:nvSpPr>
+          <p:cNvPr id="3" name="Content Placeholder 2">
+            <a:extLst>
+              <a:ext uri="{FF2B5EF4-FFF2-40B4-BE49-F238E27FC236}">
+                <a16:creationId xmlns:a16="http://schemas.microsoft.com/office/drawing/2014/main" id="{EC4F6EC1-81ED-442A-8920-6D63ED821318}"/>
+              </a:ext>
+            </a:extLst>
+          </p:cNvPr>
+          <p:cNvSpPr>
+            <a:spLocks noGrp="1"/>
+          </p:cNvSpPr>
+          <p:nvPr>
+            <p:ph idx="1"/>
+          </p:nvPr>
+        </p:nvSpPr>
+        <p:spPr/>
+        <p:txBody>
+          <a:bodyPr/>
+          <a:lstStyle/>
+          <a:p>
+            <a:pPr marL="0" indent="0">
+              <a:buNone/>
+            </a:pPr>
+            <a:r>
+              <a:rPr lang="en-US" dirty="0"/>
+              <a:t>The dataset used for the demonstrations is a synthetic dataset created by Isabelle Guyon (Prof. for DS @ </a:t>
+            </a:r>
+            <a:r>
+              <a:rPr lang="en-US" dirty="0" err="1"/>
+              <a:t>Université</a:t>
+            </a:r>
+            <a:r>
+              <a:rPr lang="en-US" dirty="0"/>
+              <a:t> Paris-</a:t>
+            </a:r>
+            <a:r>
+              <a:rPr lang="en-US" dirty="0" err="1"/>
+              <a:t>Saclay</a:t>
+            </a:r>
+            <a:r>
+              <a:rPr lang="en-US" dirty="0"/>
+              <a:t>; inventor of SVM-RFE) for the purpose of demonstrating feature selection and feature engineering.</a:t>
+            </a:r>
+          </a:p>
+          <a:p>
+            <a:pPr marL="0" indent="0">
+              <a:buNone/>
+            </a:pPr>
+            <a:r>
+              <a:rPr lang="en-US" dirty="0"/>
+              <a:t>It consists of 2000 training observations, 500 features with integers in the range 0…1000 and a target of -1 or 1 (equally distributed).</a:t>
+            </a:r>
+          </a:p>
+          <a:p>
+            <a:pPr marL="0" indent="0">
+              <a:buNone/>
+            </a:pPr>
+            <a:r>
+              <a:rPr lang="en-US" dirty="0"/>
+              <a:t>Further, 600 test observations in the same manner.</a:t>
+            </a:r>
+          </a:p>
+          <a:p>
+            <a:pPr marL="0" indent="0">
+              <a:buNone/>
+            </a:pPr>
+            <a:r>
+              <a:rPr lang="en-US" dirty="0"/>
+              <a:t>Details: </a:t>
+            </a:r>
+            <a:r>
+              <a:rPr lang="en-US" sz="2400" dirty="0">
+                <a:hlinkClick r:id="rId2"/>
+              </a:rPr>
+              <a:t>http://archive.ics.uci.edu/ml/datasets/madelon</a:t>
+            </a:r>
+            <a:endParaRPr lang="en-US" sz="2400" dirty="0"/>
+          </a:p>
+        </p:txBody>
+      </p:sp>
+      <p:sp>
+        <p:nvSpPr>
+          <p:cNvPr id="7" name="Footer Placeholder 6">
+            <a:extLst>
+              <a:ext uri="{FF2B5EF4-FFF2-40B4-BE49-F238E27FC236}">
+                <a16:creationId xmlns:a16="http://schemas.microsoft.com/office/drawing/2014/main" id="{7C4AD17B-53D4-4550-9ED1-916FE25F12CA}"/>
+              </a:ext>
+            </a:extLst>
+          </p:cNvPr>
+          <p:cNvSpPr>
+            <a:spLocks noGrp="1"/>
+          </p:cNvSpPr>
+          <p:nvPr>
+            <p:ph type="ftr" sz="quarter" idx="11"/>
+          </p:nvPr>
+        </p:nvSpPr>
+        <p:spPr/>
+        <p:txBody>
+          <a:bodyPr/>
+          <a:lstStyle/>
+          <a:p>
+            <a:pPr algn="l"/>
+            <a:r>
+              <a:rPr lang="en-US"/>
+              <a:t>prepared by: Dirk Biesinger</a:t>
+            </a:r>
+            <a:endParaRPr lang="en-US" dirty="0"/>
+          </a:p>
+        </p:txBody>
+      </p:sp>
+      <p:sp>
+        <p:nvSpPr>
+          <p:cNvPr id="4" name="Slide Number Placeholder 3">
+            <a:extLst>
+              <a:ext uri="{FF2B5EF4-FFF2-40B4-BE49-F238E27FC236}">
+                <a16:creationId xmlns:a16="http://schemas.microsoft.com/office/drawing/2014/main" id="{8955DB5C-DC5A-46FD-901F-06CF05287C84}"/>
+              </a:ext>
+            </a:extLst>
+          </p:cNvPr>
+          <p:cNvSpPr>
+            <a:spLocks noGrp="1"/>
+          </p:cNvSpPr>
+          <p:nvPr>
+            <p:ph type="sldNum" sz="quarter" idx="12"/>
+          </p:nvPr>
+        </p:nvSpPr>
+        <p:spPr/>
+        <p:txBody>
+          <a:bodyPr/>
+          <a:lstStyle/>
+          <a:p>
+            <a:fld id="{5B2460FF-31CC-4613-BFA9-78F619706681}" type="slidenum">
+              <a:rPr lang="en-US" smtClean="0"/>
+              <a:pPr/>
+              <a:t>6</a:t>
+            </a:fld>
+            <a:r>
+              <a:rPr lang="en-US"/>
+              <a:t> of 21</a:t>
+            </a:r>
+            <a:endParaRPr lang="en-US" dirty="0"/>
+          </a:p>
+        </p:txBody>
+      </p:sp>
+    </p:spTree>
+    <p:extLst>
+      <p:ext uri="{BB962C8B-B14F-4D97-AF65-F5344CB8AC3E}">
+        <p14:creationId xmlns:p14="http://schemas.microsoft.com/office/powerpoint/2010/main" val="2099005135"/>
+      </p:ext>
+    </p:extLst>
+  </p:cSld>
+  <p:clrMapOvr>
+    <a:masterClrMapping/>
+  </p:clrMapOvr>
+</p:sld>
+</file>
+
+<file path=ppt/slides/slide7.xml><?xml version="1.0" encoding="utf-8"?>
+<p:sld xmlns:a="http://schemas.openxmlformats.org/drawingml/2006/main" xmlns:r="http://schemas.openxmlformats.org/officeDocument/2006/relationships" xmlns:p="http://schemas.openxmlformats.org/presentationml/2006/main">
+  <p:cSld>
+    <p:spTree>
+      <p:nvGrpSpPr>
+        <p:cNvPr id="1" name=""/>
+        <p:cNvGrpSpPr/>
+        <p:nvPr/>
+      </p:nvGrpSpPr>
+      <p:grpSpPr>
+        <a:xfrm>
+          <a:off x="0" y="0"/>
+          <a:ext cx="0" cy="0"/>
+          <a:chOff x="0" y="0"/>
+          <a:chExt cx="0" cy="0"/>
+        </a:xfrm>
+      </p:grpSpPr>
+      <p:sp>
+        <p:nvSpPr>
+          <p:cNvPr id="2" name="Title 1">
+            <a:extLst>
+              <a:ext uri="{FF2B5EF4-FFF2-40B4-BE49-F238E27FC236}">
+                <a16:creationId xmlns:a16="http://schemas.microsoft.com/office/drawing/2014/main" id="{427766FB-1B7C-4AED-AFF3-D0AA5B53F78D}"/>
+              </a:ext>
+            </a:extLst>
+          </p:cNvPr>
+          <p:cNvSpPr>
+            <a:spLocks noGrp="1"/>
+          </p:cNvSpPr>
+          <p:nvPr>
+            <p:ph type="title"/>
+          </p:nvPr>
+        </p:nvSpPr>
+        <p:spPr/>
+        <p:txBody>
+          <a:bodyPr/>
+          <a:lstStyle/>
+          <a:p>
+            <a:r>
+              <a:rPr lang="en-US" dirty="0"/>
+              <a:t>Feature Selection. Why?</a:t>
+            </a:r>
+          </a:p>
+        </p:txBody>
+      </p:sp>
+      <p:sp>
+        <p:nvSpPr>
+          <p:cNvPr id="3" name="Content Placeholder 2">
+            <a:extLst>
+              <a:ext uri="{FF2B5EF4-FFF2-40B4-BE49-F238E27FC236}">
+                <a16:creationId xmlns:a16="http://schemas.microsoft.com/office/drawing/2014/main" id="{70B07528-BF93-4207-8A6A-ECE75B173009}"/>
+              </a:ext>
+            </a:extLst>
+          </p:cNvPr>
+          <p:cNvSpPr>
+            <a:spLocks noGrp="1"/>
+          </p:cNvSpPr>
+          <p:nvPr>
+            <p:ph idx="1"/>
+          </p:nvPr>
+        </p:nvSpPr>
+        <p:spPr/>
+        <p:txBody>
+          <a:bodyPr/>
+          <a:lstStyle/>
+          <a:p>
+            <a:r>
+              <a:rPr lang="en-US" dirty="0"/>
+              <a:t>The Intuition behind feature selection is to only provide features supporting the signal to an ML algorithm and suppress the features adding noise.</a:t>
+            </a:r>
+          </a:p>
+          <a:p>
+            <a:r>
+              <a:rPr lang="en-US" dirty="0"/>
+              <a:t>Feature Selection is fundamentally different from feature elimination and dimensionality reduction:</a:t>
+            </a:r>
+          </a:p>
+          <a:p>
+            <a:pPr lvl="1"/>
+            <a:r>
+              <a:rPr lang="en-US" dirty="0"/>
+              <a:t>Feature elimination eliminates the feature that adds the least value while examining against the remainder of features.</a:t>
+            </a:r>
+          </a:p>
+          <a:p>
+            <a:pPr lvl="1"/>
+            <a:r>
+              <a:rPr lang="en-US" dirty="0"/>
+              <a:t>Dimensionality reduction does not eliminate any data, but alters the composition of the data in a mathematical way. The original data can be reconstructed out of the result.</a:t>
+            </a:r>
+          </a:p>
+          <a:p>
+            <a:pPr lvl="1"/>
+            <a:r>
+              <a:rPr lang="en-US" dirty="0"/>
+              <a:t>Feature Selection selects the features that add value.</a:t>
+            </a:r>
+          </a:p>
+        </p:txBody>
+      </p:sp>
+      <p:sp>
+        <p:nvSpPr>
+          <p:cNvPr id="7" name="Footer Placeholder 6">
+            <a:extLst>
+              <a:ext uri="{FF2B5EF4-FFF2-40B4-BE49-F238E27FC236}">
+                <a16:creationId xmlns:a16="http://schemas.microsoft.com/office/drawing/2014/main" id="{CF221888-333D-4296-967A-DB798565BDC9}"/>
+              </a:ext>
+            </a:extLst>
+          </p:cNvPr>
+          <p:cNvSpPr>
+            <a:spLocks noGrp="1"/>
+          </p:cNvSpPr>
+          <p:nvPr>
+            <p:ph type="ftr" sz="quarter" idx="11"/>
+          </p:nvPr>
+        </p:nvSpPr>
+        <p:spPr/>
+        <p:txBody>
+          <a:bodyPr/>
+          <a:lstStyle/>
+          <a:p>
+            <a:pPr algn="l"/>
+            <a:r>
+              <a:rPr lang="en-US"/>
+              <a:t>prepared by: Dirk Biesinger</a:t>
+            </a:r>
+            <a:endParaRPr lang="en-US" dirty="0"/>
+          </a:p>
+        </p:txBody>
+      </p:sp>
+      <p:sp>
+        <p:nvSpPr>
+          <p:cNvPr id="4" name="Slide Number Placeholder 3">
+            <a:extLst>
+              <a:ext uri="{FF2B5EF4-FFF2-40B4-BE49-F238E27FC236}">
+                <a16:creationId xmlns:a16="http://schemas.microsoft.com/office/drawing/2014/main" id="{8C15DCD2-BF82-4D8A-8866-588852DAB4C7}"/>
+              </a:ext>
+            </a:extLst>
+          </p:cNvPr>
+          <p:cNvSpPr>
+            <a:spLocks noGrp="1"/>
+          </p:cNvSpPr>
+          <p:nvPr>
+            <p:ph type="sldNum" sz="quarter" idx="12"/>
+          </p:nvPr>
+        </p:nvSpPr>
+        <p:spPr/>
+        <p:txBody>
+          <a:bodyPr/>
+          <a:lstStyle/>
+          <a:p>
+            <a:fld id="{5B2460FF-31CC-4613-BFA9-78F619706681}" type="slidenum">
+              <a:rPr lang="en-US" smtClean="0"/>
+              <a:pPr/>
+              <a:t>7</a:t>
             </a:fld>
             <a:r>
               <a:rPr lang="en-US"/>
@@ -9912,7 +10742,7 @@
 </p:sld>
 </file>
 
-<file path=ppt/slides/slide6.xml><?xml version="1.0" encoding="utf-8"?>
+<file path=ppt/slides/slide8.xml><?xml version="1.0" encoding="utf-8"?>
 <p:sld xmlns:a="http://schemas.openxmlformats.org/drawingml/2006/main" xmlns:r="http://schemas.openxmlformats.org/officeDocument/2006/relationships" xmlns:p="http://schemas.openxmlformats.org/presentationml/2006/main">
   <p:cSld>
     <p:spTree>
@@ -10157,7 +10987,7 @@
             <a:fld id="{5B2460FF-31CC-4613-BFA9-78F619706681}" type="slidenum">
               <a:rPr lang="en-US" smtClean="0"/>
               <a:pPr/>
-              <a:t>6</a:t>
+              <a:t>8</a:t>
             </a:fld>
             <a:r>
               <a:rPr lang="en-US"/>
@@ -10171,347 +11001,6 @@
     <p:extLst>
       <p:ext uri="{BB962C8B-B14F-4D97-AF65-F5344CB8AC3E}">
         <p14:creationId xmlns:p14="http://schemas.microsoft.com/office/powerpoint/2010/main" val="397756867"/>
-      </p:ext>
-    </p:extLst>
-  </p:cSld>
-  <p:clrMapOvr>
-    <a:masterClrMapping/>
-  </p:clrMapOvr>
-</p:sld>
-</file>
-
-<file path=ppt/slides/slide7.xml><?xml version="1.0" encoding="utf-8"?>
-<p:sld xmlns:a="http://schemas.openxmlformats.org/drawingml/2006/main" xmlns:r="http://schemas.openxmlformats.org/officeDocument/2006/relationships" xmlns:p="http://schemas.openxmlformats.org/presentationml/2006/main">
-  <p:cSld>
-    <p:spTree>
-      <p:nvGrpSpPr>
-        <p:cNvPr id="1" name=""/>
-        <p:cNvGrpSpPr/>
-        <p:nvPr/>
-      </p:nvGrpSpPr>
-      <p:grpSpPr>
-        <a:xfrm>
-          <a:off x="0" y="0"/>
-          <a:ext cx="0" cy="0"/>
-          <a:chOff x="0" y="0"/>
-          <a:chExt cx="0" cy="0"/>
-        </a:xfrm>
-      </p:grpSpPr>
-      <p:sp>
-        <p:nvSpPr>
-          <p:cNvPr id="2" name="Title 1">
-            <a:extLst>
-              <a:ext uri="{FF2B5EF4-FFF2-40B4-BE49-F238E27FC236}">
-                <a16:creationId xmlns:a16="http://schemas.microsoft.com/office/drawing/2014/main" id="{E33CD3E9-B1B2-4E1D-9324-7C1CA55B7C3F}"/>
-              </a:ext>
-            </a:extLst>
-          </p:cNvPr>
-          <p:cNvSpPr>
-            <a:spLocks noGrp="1"/>
-          </p:cNvSpPr>
-          <p:nvPr>
-            <p:ph type="title"/>
-          </p:nvPr>
-        </p:nvSpPr>
-        <p:spPr/>
-        <p:txBody>
-          <a:bodyPr/>
-          <a:lstStyle/>
-          <a:p>
-            <a:r>
-              <a:rPr lang="en-US" dirty="0"/>
-              <a:t>Feature Selection. Is it necessary?</a:t>
-            </a:r>
-          </a:p>
-        </p:txBody>
-      </p:sp>
-      <p:sp>
-        <p:nvSpPr>
-          <p:cNvPr id="3" name="Content Placeholder 2">
-            <a:extLst>
-              <a:ext uri="{FF2B5EF4-FFF2-40B4-BE49-F238E27FC236}">
-                <a16:creationId xmlns:a16="http://schemas.microsoft.com/office/drawing/2014/main" id="{63142A2C-B589-452E-AD6B-3D3FBD212D1E}"/>
-              </a:ext>
-            </a:extLst>
-          </p:cNvPr>
-          <p:cNvSpPr>
-            <a:spLocks noGrp="1"/>
-          </p:cNvSpPr>
-          <p:nvPr>
-            <p:ph idx="1"/>
-          </p:nvPr>
-        </p:nvSpPr>
-        <p:spPr/>
-        <p:txBody>
-          <a:bodyPr>
-            <a:normAutofit lnSpcReduction="10000"/>
-          </a:bodyPr>
-          <a:lstStyle/>
-          <a:p>
-            <a:r>
-              <a:rPr lang="en-US" dirty="0"/>
-              <a:t>Would a ML algorithm not disregard the unimportant features no matter what?</a:t>
-            </a:r>
-          </a:p>
-          <a:p>
-            <a:pPr lvl="1"/>
-            <a:r>
-              <a:rPr lang="en-US" dirty="0"/>
-              <a:t>No. The intuition behind each ML algorithm is to fit to the data presented. This includes all the noise presented as well. The result is a model fitting to the data plus noise presented during training. Provisions in the algorithm can only limit the adverse effects to a degree, but not eliminate them.</a:t>
-            </a:r>
-          </a:p>
-          <a:p>
-            <a:pPr lvl="1"/>
-            <a:r>
-              <a:rPr lang="en-US" dirty="0"/>
-              <a:t>Especially vulnerable are boosted algorithms, as these can’t learn basic and learnable combinations of weak hypotheses when presented with random noise.</a:t>
-            </a:r>
-          </a:p>
-          <a:p>
-            <a:r>
-              <a:rPr lang="en-US" dirty="0"/>
-              <a:t>Can tuning, cross-validation, train-test-validate split compensate for this?</a:t>
-            </a:r>
-          </a:p>
-          <a:p>
-            <a:pPr lvl="1"/>
-            <a:r>
-              <a:rPr lang="en-US" dirty="0"/>
-              <a:t>To a certain extend. But it is computationally expensive to achieve small gains.</a:t>
-            </a:r>
-          </a:p>
-        </p:txBody>
-      </p:sp>
-      <p:sp>
-        <p:nvSpPr>
-          <p:cNvPr id="7" name="Footer Placeholder 6">
-            <a:extLst>
-              <a:ext uri="{FF2B5EF4-FFF2-40B4-BE49-F238E27FC236}">
-                <a16:creationId xmlns:a16="http://schemas.microsoft.com/office/drawing/2014/main" id="{F230C258-2CC0-4A3A-929C-10E5B8ACD16D}"/>
-              </a:ext>
-            </a:extLst>
-          </p:cNvPr>
-          <p:cNvSpPr>
-            <a:spLocks noGrp="1"/>
-          </p:cNvSpPr>
-          <p:nvPr>
-            <p:ph type="ftr" sz="quarter" idx="11"/>
-          </p:nvPr>
-        </p:nvSpPr>
-        <p:spPr/>
-        <p:txBody>
-          <a:bodyPr/>
-          <a:lstStyle/>
-          <a:p>
-            <a:pPr algn="l"/>
-            <a:r>
-              <a:rPr lang="en-US"/>
-              <a:t>prepared by: Dirk Biesinger</a:t>
-            </a:r>
-            <a:endParaRPr lang="en-US" dirty="0"/>
-          </a:p>
-        </p:txBody>
-      </p:sp>
-      <p:sp>
-        <p:nvSpPr>
-          <p:cNvPr id="4" name="Slide Number Placeholder 3">
-            <a:extLst>
-              <a:ext uri="{FF2B5EF4-FFF2-40B4-BE49-F238E27FC236}">
-                <a16:creationId xmlns:a16="http://schemas.microsoft.com/office/drawing/2014/main" id="{08917910-716D-4821-8DE6-720D40A52B29}"/>
-              </a:ext>
-            </a:extLst>
-          </p:cNvPr>
-          <p:cNvSpPr>
-            <a:spLocks noGrp="1"/>
-          </p:cNvSpPr>
-          <p:nvPr>
-            <p:ph type="sldNum" sz="quarter" idx="12"/>
-          </p:nvPr>
-        </p:nvSpPr>
-        <p:spPr/>
-        <p:txBody>
-          <a:bodyPr/>
-          <a:lstStyle/>
-          <a:p>
-            <a:fld id="{5B2460FF-31CC-4613-BFA9-78F619706681}" type="slidenum">
-              <a:rPr lang="en-US" smtClean="0"/>
-              <a:pPr/>
-              <a:t>7</a:t>
-            </a:fld>
-            <a:r>
-              <a:rPr lang="en-US"/>
-              <a:t> of 21</a:t>
-            </a:r>
-            <a:endParaRPr lang="en-US" dirty="0"/>
-          </a:p>
-        </p:txBody>
-      </p:sp>
-    </p:spTree>
-    <p:extLst>
-      <p:ext uri="{BB962C8B-B14F-4D97-AF65-F5344CB8AC3E}">
-        <p14:creationId xmlns:p14="http://schemas.microsoft.com/office/powerpoint/2010/main" val="1159362771"/>
-      </p:ext>
-    </p:extLst>
-  </p:cSld>
-  <p:clrMapOvr>
-    <a:masterClrMapping/>
-  </p:clrMapOvr>
-</p:sld>
-</file>
-
-<file path=ppt/slides/slide8.xml><?xml version="1.0" encoding="utf-8"?>
-<p:sld xmlns:a="http://schemas.openxmlformats.org/drawingml/2006/main" xmlns:r="http://schemas.openxmlformats.org/officeDocument/2006/relationships" xmlns:p="http://schemas.openxmlformats.org/presentationml/2006/main">
-  <p:cSld>
-    <p:spTree>
-      <p:nvGrpSpPr>
-        <p:cNvPr id="1" name=""/>
-        <p:cNvGrpSpPr/>
-        <p:nvPr/>
-      </p:nvGrpSpPr>
-      <p:grpSpPr>
-        <a:xfrm>
-          <a:off x="0" y="0"/>
-          <a:ext cx="0" cy="0"/>
-          <a:chOff x="0" y="0"/>
-          <a:chExt cx="0" cy="0"/>
-        </a:xfrm>
-      </p:grpSpPr>
-      <p:sp>
-        <p:nvSpPr>
-          <p:cNvPr id="2" name="Title 1">
-            <a:extLst>
-              <a:ext uri="{FF2B5EF4-FFF2-40B4-BE49-F238E27FC236}">
-                <a16:creationId xmlns:a16="http://schemas.microsoft.com/office/drawing/2014/main" id="{D96264AC-3A40-4FF1-A9A5-A293BF53C39B}"/>
-              </a:ext>
-            </a:extLst>
-          </p:cNvPr>
-          <p:cNvSpPr>
-            <a:spLocks noGrp="1"/>
-          </p:cNvSpPr>
-          <p:nvPr>
-            <p:ph type="title"/>
-          </p:nvPr>
-        </p:nvSpPr>
-        <p:spPr/>
-        <p:txBody>
-          <a:bodyPr/>
-          <a:lstStyle/>
-          <a:p>
-            <a:r>
-              <a:rPr lang="en-US" dirty="0"/>
-              <a:t>Feature Selection. How?</a:t>
-            </a:r>
-          </a:p>
-        </p:txBody>
-      </p:sp>
-      <p:sp>
-        <p:nvSpPr>
-          <p:cNvPr id="3" name="Content Placeholder 2">
-            <a:extLst>
-              <a:ext uri="{FF2B5EF4-FFF2-40B4-BE49-F238E27FC236}">
-                <a16:creationId xmlns:a16="http://schemas.microsoft.com/office/drawing/2014/main" id="{5E9C271B-1BD0-4931-8D7E-A2B3A23C9910}"/>
-              </a:ext>
-            </a:extLst>
-          </p:cNvPr>
-          <p:cNvSpPr>
-            <a:spLocks noGrp="1"/>
-          </p:cNvSpPr>
-          <p:nvPr>
-            <p:ph idx="1"/>
-          </p:nvPr>
-        </p:nvSpPr>
-        <p:spPr/>
-        <p:txBody>
-          <a:bodyPr/>
-          <a:lstStyle/>
-          <a:p>
-            <a:r>
-              <a:rPr lang="en-US" dirty="0"/>
-              <a:t>One method is to add one feature out of all not included features at a time and evaluate which one results in the biggest improvement. Repeat until no further improvement can be achieved.</a:t>
-            </a:r>
-          </a:p>
-          <a:p>
-            <a:r>
-              <a:rPr lang="en-US" dirty="0"/>
-              <a:t>One method is to subtract one feature out of all remaining features at a time and evaluate which one results in no or the least reduction in the result. Repeat until no feature can be removed without effecting the results.</a:t>
-            </a:r>
-          </a:p>
-          <a:p>
-            <a:r>
-              <a:rPr lang="en-US" dirty="0"/>
-              <a:t>Both these approaches have the negative effect of being effected by the actual data (overfitting), the sequence (of adding / subtracting features), the evaluation method used and the remainder of features.</a:t>
-            </a:r>
-          </a:p>
-        </p:txBody>
-      </p:sp>
-      <p:sp>
-        <p:nvSpPr>
-          <p:cNvPr id="7" name="Footer Placeholder 6">
-            <a:extLst>
-              <a:ext uri="{FF2B5EF4-FFF2-40B4-BE49-F238E27FC236}">
-                <a16:creationId xmlns:a16="http://schemas.microsoft.com/office/drawing/2014/main" id="{76E1F9B4-0FDC-4CBC-AC0F-2FBE2B582C14}"/>
-              </a:ext>
-            </a:extLst>
-          </p:cNvPr>
-          <p:cNvSpPr>
-            <a:spLocks noGrp="1"/>
-          </p:cNvSpPr>
-          <p:nvPr>
-            <p:ph type="ftr" sz="quarter" idx="11"/>
-          </p:nvPr>
-        </p:nvSpPr>
-        <p:spPr/>
-        <p:txBody>
-          <a:bodyPr/>
-          <a:lstStyle/>
-          <a:p>
-            <a:pPr algn="l"/>
-            <a:r>
-              <a:rPr lang="en-US"/>
-              <a:t>prepared by: Dirk Biesinger</a:t>
-            </a:r>
-            <a:endParaRPr lang="en-US" dirty="0"/>
-          </a:p>
-        </p:txBody>
-      </p:sp>
-      <p:sp>
-        <p:nvSpPr>
-          <p:cNvPr id="4" name="Slide Number Placeholder 3">
-            <a:extLst>
-              <a:ext uri="{FF2B5EF4-FFF2-40B4-BE49-F238E27FC236}">
-                <a16:creationId xmlns:a16="http://schemas.microsoft.com/office/drawing/2014/main" id="{E1D6DC68-8385-4F03-AB8E-0F3B40B0155C}"/>
-              </a:ext>
-            </a:extLst>
-          </p:cNvPr>
-          <p:cNvSpPr>
-            <a:spLocks noGrp="1"/>
-          </p:cNvSpPr>
-          <p:nvPr>
-            <p:ph type="sldNum" sz="quarter" idx="12"/>
-          </p:nvPr>
-        </p:nvSpPr>
-        <p:spPr/>
-        <p:txBody>
-          <a:bodyPr/>
-          <a:lstStyle/>
-          <a:p>
-            <a:fld id="{5B2460FF-31CC-4613-BFA9-78F619706681}" type="slidenum">
-              <a:rPr lang="en-US" smtClean="0"/>
-              <a:pPr/>
-              <a:t>8</a:t>
-            </a:fld>
-            <a:r>
-              <a:rPr lang="en-US"/>
-              <a:t> of 21</a:t>
-            </a:r>
-            <a:endParaRPr lang="en-US" dirty="0"/>
-          </a:p>
-        </p:txBody>
-      </p:sp>
-    </p:spTree>
-    <p:extLst>
-      <p:ext uri="{BB962C8B-B14F-4D97-AF65-F5344CB8AC3E}">
-        <p14:creationId xmlns:p14="http://schemas.microsoft.com/office/powerpoint/2010/main" val="266234623"/>
       </p:ext>
     </p:extLst>
   </p:cSld>
@@ -10543,7 +11032,7 @@
           <p:cNvPr id="2" name="Title 1">
             <a:extLst>
               <a:ext uri="{FF2B5EF4-FFF2-40B4-BE49-F238E27FC236}">
-                <a16:creationId xmlns:a16="http://schemas.microsoft.com/office/drawing/2014/main" id="{679E6DE1-93D3-48E9-A7E0-AE080C72C156}"/>
+                <a16:creationId xmlns:a16="http://schemas.microsoft.com/office/drawing/2014/main" id="{E33CD3E9-B1B2-4E1D-9324-7C1CA55B7C3F}"/>
               </a:ext>
             </a:extLst>
           </p:cNvPr>
@@ -10561,7 +11050,7 @@
           <a:p>
             <a:r>
               <a:rPr lang="en-US" dirty="0"/>
-              <a:t>Feature Selection. Then How?</a:t>
+              <a:t>Feature Selection. Is it necessary?</a:t>
             </a:r>
           </a:p>
         </p:txBody>
@@ -10571,7 +11060,7 @@
           <p:cNvPr id="3" name="Content Placeholder 2">
             <a:extLst>
               <a:ext uri="{FF2B5EF4-FFF2-40B4-BE49-F238E27FC236}">
-                <a16:creationId xmlns:a16="http://schemas.microsoft.com/office/drawing/2014/main" id="{E63B6A77-4557-4FD8-ABCF-AC9C9F2EB412}"/>
+                <a16:creationId xmlns:a16="http://schemas.microsoft.com/office/drawing/2014/main" id="{63142A2C-B589-452E-AD6B-3D3FBD212D1E}"/>
               </a:ext>
             </a:extLst>
           </p:cNvPr>
@@ -10584,40 +11073,41 @@
         </p:nvSpPr>
         <p:spPr/>
         <p:txBody>
-          <a:bodyPr/>
-          <a:lstStyle/>
-          <a:p>
-            <a:r>
-              <a:rPr lang="en-US" dirty="0"/>
-              <a:t>One method evaluates each feature against itself:</a:t>
+          <a:bodyPr>
+            <a:normAutofit lnSpcReduction="10000"/>
+          </a:bodyPr>
+          <a:lstStyle/>
+          <a:p>
+            <a:r>
+              <a:rPr lang="en-US" dirty="0"/>
+              <a:t>Would a ML algorithm not disregard the unimportant features no matter what?</a:t>
             </a:r>
           </a:p>
           <a:p>
             <a:pPr lvl="1"/>
             <a:r>
               <a:rPr lang="en-US" dirty="0"/>
-              <a:t>The feature to be evaluated is being copied as additional (shadow) feature into the same dataset.</a:t>
+              <a:t>No. The intuition behind each ML algorithm is to fit to the data presented. This includes all the noise presented as well. The result is a model fitting to the data plus noise presented during training. Provisions in the algorithm can only limit the adverse effects to a degree, but not eliminate them.</a:t>
             </a:r>
           </a:p>
           <a:p>
             <a:pPr lvl="1"/>
             <a:r>
               <a:rPr lang="en-US" dirty="0"/>
-              <a:t>The sequence of the values in this feature gets randomized.</a:t>
+              <a:t>Especially vulnerable are boosted algorithms, as these can’t learn basic and learnable combinations of weak hypotheses when presented with random noise.</a:t>
+            </a:r>
+          </a:p>
+          <a:p>
+            <a:r>
+              <a:rPr lang="en-US" dirty="0"/>
+              <a:t>Can tuning, cross-validation, train-test-validate split compensate for this?</a:t>
             </a:r>
           </a:p>
           <a:p>
             <a:pPr lvl="1"/>
             <a:r>
               <a:rPr lang="en-US" dirty="0"/>
-              <a:t>The importance of the original feature and the shadow feature gets evaluated after several model runs. If the shadow feature has a higher or equal importance then the original feature, the original feature does not add value.</a:t>
-            </a:r>
-          </a:p>
-          <a:p>
-            <a:pPr lvl="1"/>
-            <a:r>
-              <a:rPr lang="en-US" dirty="0"/>
-              <a:t>Repeat for each feature.</a:t>
+              <a:t>To a certain extend. But it is computationally expensive to achieve small gains.</a:t>
             </a:r>
           </a:p>
         </p:txBody>
@@ -10627,7 +11117,7 @@
           <p:cNvPr id="7" name="Footer Placeholder 6">
             <a:extLst>
               <a:ext uri="{FF2B5EF4-FFF2-40B4-BE49-F238E27FC236}">
-                <a16:creationId xmlns:a16="http://schemas.microsoft.com/office/drawing/2014/main" id="{D30276A4-2DE9-4A9F-9C16-96D1BD470FE5}"/>
+                <a16:creationId xmlns:a16="http://schemas.microsoft.com/office/drawing/2014/main" id="{F230C258-2CC0-4A3A-929C-10E5B8ACD16D}"/>
               </a:ext>
             </a:extLst>
           </p:cNvPr>
@@ -10657,7 +11147,7 @@
           <p:cNvPr id="4" name="Slide Number Placeholder 3">
             <a:extLst>
               <a:ext uri="{FF2B5EF4-FFF2-40B4-BE49-F238E27FC236}">
-                <a16:creationId xmlns:a16="http://schemas.microsoft.com/office/drawing/2014/main" id="{C068AB98-5255-4525-8B59-914FFA67B25A}"/>
+                <a16:creationId xmlns:a16="http://schemas.microsoft.com/office/drawing/2014/main" id="{08917910-716D-4821-8DE6-720D40A52B29}"/>
               </a:ext>
             </a:extLst>
           </p:cNvPr>
@@ -10689,7 +11179,7 @@
     </p:spTree>
     <p:extLst>
       <p:ext uri="{BB962C8B-B14F-4D97-AF65-F5344CB8AC3E}">
-        <p14:creationId xmlns:p14="http://schemas.microsoft.com/office/powerpoint/2010/main" val="2156862039"/>
+        <p14:creationId xmlns:p14="http://schemas.microsoft.com/office/powerpoint/2010/main" val="1159362771"/>
       </p:ext>
     </p:extLst>
   </p:cSld>
